--- a/Presentations/Sprint 2 Review.pptx
+++ b/Presentations/Sprint 2 Review.pptx
@@ -7,6 +7,7 @@
   <p:sldIdLst>
     <p:sldId id="256" r:id="rId2"/>
     <p:sldId id="261" r:id="rId3"/>
+    <p:sldId id="262" r:id="rId4"/>
   </p:sldIdLst>
   <p:sldSz cx="12192000" cy="6858000"/>
   <p:notesSz cx="6858000" cy="9144000"/>
@@ -3385,7 +3386,7 @@
           <a:p>
             <a:r>
               <a:rPr lang="en-US" dirty="0"/>
-              <a:t>Description of Project</a:t>
+              <a:t>Sprint II review</a:t>
             </a:r>
           </a:p>
         </p:txBody>
@@ -3405,19 +3406,51 @@
           <a:bodyPr/>
           <a:lstStyle/>
           <a:p>
+            <a:pPr marL="0" indent="0">
+              <a:buNone/>
+            </a:pPr>
+            <a:r>
+              <a:rPr lang="en-US" b="1" dirty="0"/>
+              <a:t>Project Status:</a:t>
+            </a:r>
+          </a:p>
+          <a:p>
+            <a:r>
+              <a:rPr lang="en-US" b="1" dirty="0"/>
+              <a:t>End-of-Semester Project Goal:</a:t>
+            </a:r>
             <a:r>
               <a:rPr lang="en-US" dirty="0"/>
-              <a:t>End-of-Semester Project Goal: Create an android application that helps organize people’s pantry and suggest recipes based on their supplies.</a:t>
+              <a:t> Create an android application that helps organize people’s pantry and suggest recipes based on their supplies.</a:t>
+            </a:r>
+          </a:p>
+          <a:p>
+            <a:r>
+              <a:rPr lang="en-US" b="1" dirty="0"/>
+              <a:t>Sprint II Goal:</a:t>
+            </a:r>
+            <a:r>
+              <a:rPr lang="en-US" dirty="0"/>
+              <a:t> Modify Recipe Assistant open source code to be more outfitted to our project goal</a:t>
+            </a:r>
+          </a:p>
+          <a:p>
+            <a:r>
+              <a:rPr lang="en-US" b="1" dirty="0"/>
+              <a:t>Stories Finished:</a:t>
+            </a:r>
+          </a:p>
+          <a:p>
+            <a:r>
+              <a:rPr lang="en-US" b="1" dirty="0"/>
+              <a:t>Artifacts Created:</a:t>
             </a:r>
           </a:p>
           <a:p>
             <a:endParaRPr lang="en-US" dirty="0"/>
           </a:p>
           <a:p>
-            <a:r>
-              <a:rPr lang="en-US" dirty="0"/>
-              <a:t>Sprint II Goal:</a:t>
-            </a:r>
+            <a:endParaRPr lang="en-US" dirty="0"/>
           </a:p>
         </p:txBody>
       </p:sp>
@@ -3425,6 +3458,113 @@
     <p:extLst>
       <p:ext uri="{BB962C8B-B14F-4D97-AF65-F5344CB8AC3E}">
         <p14:creationId xmlns:p14="http://schemas.microsoft.com/office/powerpoint/2010/main" val="1560153774"/>
+      </p:ext>
+    </p:extLst>
+  </p:cSld>
+  <p:clrMapOvr>
+    <a:masterClrMapping/>
+  </p:clrMapOvr>
+</p:sld>
+</file>
+
+<file path=ppt/slides/slide3.xml><?xml version="1.0" encoding="utf-8"?>
+<p:sld xmlns:a="http://schemas.openxmlformats.org/drawingml/2006/main" xmlns:r="http://schemas.openxmlformats.org/officeDocument/2006/relationships" xmlns:p="http://schemas.openxmlformats.org/presentationml/2006/main">
+  <p:cSld>
+    <p:spTree>
+      <p:nvGrpSpPr>
+        <p:cNvPr id="1" name=""/>
+        <p:cNvGrpSpPr/>
+        <p:nvPr/>
+      </p:nvGrpSpPr>
+      <p:grpSpPr>
+        <a:xfrm>
+          <a:off x="0" y="0"/>
+          <a:ext cx="0" cy="0"/>
+          <a:chOff x="0" y="0"/>
+          <a:chExt cx="0" cy="0"/>
+        </a:xfrm>
+      </p:grpSpPr>
+      <p:sp>
+        <p:nvSpPr>
+          <p:cNvPr id="2" name="Title 1"/>
+          <p:cNvSpPr>
+            <a:spLocks noGrp="1"/>
+          </p:cNvSpPr>
+          <p:nvPr>
+            <p:ph type="title"/>
+          </p:nvPr>
+        </p:nvSpPr>
+        <p:spPr/>
+        <p:txBody>
+          <a:bodyPr/>
+          <a:lstStyle/>
+          <a:p>
+            <a:r>
+              <a:rPr lang="en-US" dirty="0"/>
+              <a:t>retrospective</a:t>
+            </a:r>
+          </a:p>
+        </p:txBody>
+      </p:sp>
+      <p:sp>
+        <p:nvSpPr>
+          <p:cNvPr id="3" name="Content Placeholder 2"/>
+          <p:cNvSpPr>
+            <a:spLocks noGrp="1"/>
+          </p:cNvSpPr>
+          <p:nvPr>
+            <p:ph idx="1"/>
+          </p:nvPr>
+        </p:nvSpPr>
+        <p:spPr/>
+        <p:txBody>
+          <a:bodyPr/>
+          <a:lstStyle/>
+          <a:p>
+            <a:pPr marL="0" indent="0">
+              <a:buNone/>
+            </a:pPr>
+            <a:r>
+              <a:rPr lang="en-US" b="1" dirty="0"/>
+              <a:t>What went well?</a:t>
+            </a:r>
+          </a:p>
+          <a:p>
+            <a:endParaRPr lang="en-US" dirty="0"/>
+          </a:p>
+          <a:p>
+            <a:pPr marL="0" indent="0">
+              <a:buNone/>
+            </a:pPr>
+            <a:r>
+              <a:rPr lang="en-US" b="1" dirty="0"/>
+              <a:t>What can we do to improve?</a:t>
+            </a:r>
+          </a:p>
+          <a:p>
+            <a:endParaRPr lang="en-US" dirty="0"/>
+          </a:p>
+          <a:p>
+            <a:pPr marL="0" indent="0">
+              <a:buNone/>
+            </a:pPr>
+            <a:r>
+              <a:rPr lang="en-US" b="1" dirty="0"/>
+              <a:t>What might be impending us from performing better?</a:t>
+            </a:r>
+          </a:p>
+          <a:p>
+            <a:r>
+              <a:rPr lang="en-US" dirty="0"/>
+              <a:t>General proficiency in android development</a:t>
+            </a:r>
+          </a:p>
+        </p:txBody>
+      </p:sp>
+    </p:spTree>
+    <p:extLst>
+      <p:ext uri="{BB962C8B-B14F-4D97-AF65-F5344CB8AC3E}">
+        <p14:creationId xmlns:p14="http://schemas.microsoft.com/office/powerpoint/2010/main" val="3852635985"/>
       </p:ext>
     </p:extLst>
   </p:cSld>

--- a/Presentations/Sprint 2 Review.pptx
+++ b/Presentations/Sprint 2 Review.pptx
@@ -4,10 +4,14 @@
   <p:sldMasterIdLst>
     <p:sldMasterId id="2147483774" r:id="rId1"/>
   </p:sldMasterIdLst>
+  <p:notesMasterIdLst>
+    <p:notesMasterId r:id="rId6"/>
+  </p:notesMasterIdLst>
   <p:sldIdLst>
     <p:sldId id="256" r:id="rId2"/>
     <p:sldId id="261" r:id="rId3"/>
     <p:sldId id="262" r:id="rId4"/>
+    <p:sldId id="263" r:id="rId5"/>
   </p:sldIdLst>
   <p:sldSz cx="12192000" cy="6858000"/>
   <p:notesSz cx="6858000" cy="9144000"/>
@@ -114,6 +118,356 @@
 </p:presentation>
 </file>
 
+<file path=ppt/notesMasters/notesMaster1.xml><?xml version="1.0" encoding="utf-8"?>
+<p:notesMaster xmlns:a="http://schemas.openxmlformats.org/drawingml/2006/main" xmlns:r="http://schemas.openxmlformats.org/officeDocument/2006/relationships" xmlns:p="http://schemas.openxmlformats.org/presentationml/2006/main">
+  <p:cSld>
+    <p:bg>
+      <p:bgRef idx="1001">
+        <a:schemeClr val="bg1"/>
+      </p:bgRef>
+    </p:bg>
+    <p:spTree>
+      <p:nvGrpSpPr>
+        <p:cNvPr id="1" name=""/>
+        <p:cNvGrpSpPr/>
+        <p:nvPr/>
+      </p:nvGrpSpPr>
+      <p:grpSpPr>
+        <a:xfrm>
+          <a:off x="0" y="0"/>
+          <a:ext cx="0" cy="0"/>
+          <a:chOff x="0" y="0"/>
+          <a:chExt cx="0" cy="0"/>
+        </a:xfrm>
+      </p:grpSpPr>
+      <p:sp>
+        <p:nvSpPr>
+          <p:cNvPr id="2" name="Header Placeholder 1"/>
+          <p:cNvSpPr>
+            <a:spLocks noGrp="1"/>
+          </p:cNvSpPr>
+          <p:nvPr>
+            <p:ph type="hdr" sz="quarter"/>
+          </p:nvPr>
+        </p:nvSpPr>
+        <p:spPr>
+          <a:xfrm>
+            <a:off x="0" y="0"/>
+            <a:ext cx="2971800" cy="458788"/>
+          </a:xfrm>
+          <a:prstGeom prst="rect">
+            <a:avLst/>
+          </a:prstGeom>
+        </p:spPr>
+        <p:txBody>
+          <a:bodyPr vert="horz" lIns="91440" tIns="45720" rIns="91440" bIns="45720" rtlCol="0"/>
+          <a:lstStyle>
+            <a:lvl1pPr algn="l">
+              <a:defRPr sz="1200"/>
+            </a:lvl1pPr>
+          </a:lstStyle>
+          <a:p>
+            <a:endParaRPr lang="en-US"/>
+          </a:p>
+        </p:txBody>
+      </p:sp>
+      <p:sp>
+        <p:nvSpPr>
+          <p:cNvPr id="3" name="Date Placeholder 2"/>
+          <p:cNvSpPr>
+            <a:spLocks noGrp="1"/>
+          </p:cNvSpPr>
+          <p:nvPr>
+            <p:ph type="dt" idx="1"/>
+          </p:nvPr>
+        </p:nvSpPr>
+        <p:spPr>
+          <a:xfrm>
+            <a:off x="3884613" y="0"/>
+            <a:ext cx="2971800" cy="458788"/>
+          </a:xfrm>
+          <a:prstGeom prst="rect">
+            <a:avLst/>
+          </a:prstGeom>
+        </p:spPr>
+        <p:txBody>
+          <a:bodyPr vert="horz" lIns="91440" tIns="45720" rIns="91440" bIns="45720" rtlCol="0"/>
+          <a:lstStyle>
+            <a:lvl1pPr algn="r">
+              <a:defRPr sz="1200"/>
+            </a:lvl1pPr>
+          </a:lstStyle>
+          <a:p>
+            <a:fld id="{1199ADE7-0D2B-EC40-A7D9-B4DC6ABC8F74}" type="datetimeFigureOut">
+              <a:rPr lang="en-US" smtClean="0"/>
+              <a:t>4/10/17</a:t>
+            </a:fld>
+            <a:endParaRPr lang="en-US"/>
+          </a:p>
+        </p:txBody>
+      </p:sp>
+      <p:sp>
+        <p:nvSpPr>
+          <p:cNvPr id="4" name="Slide Image Placeholder 3"/>
+          <p:cNvSpPr>
+            <a:spLocks noGrp="1" noRot="1" noChangeAspect="1"/>
+          </p:cNvSpPr>
+          <p:nvPr>
+            <p:ph type="sldImg" idx="2"/>
+          </p:nvPr>
+        </p:nvSpPr>
+        <p:spPr>
+          <a:xfrm>
+            <a:off x="685800" y="1143000"/>
+            <a:ext cx="5486400" cy="3086100"/>
+          </a:xfrm>
+          <a:prstGeom prst="rect">
+            <a:avLst/>
+          </a:prstGeom>
+          <a:noFill/>
+          <a:ln w="12700">
+            <a:solidFill>
+              <a:prstClr val="black"/>
+            </a:solidFill>
+          </a:ln>
+        </p:spPr>
+        <p:txBody>
+          <a:bodyPr vert="horz" lIns="91440" tIns="45720" rIns="91440" bIns="45720" rtlCol="0" anchor="ctr"/>
+          <a:lstStyle/>
+          <a:p>
+            <a:endParaRPr lang="en-US"/>
+          </a:p>
+        </p:txBody>
+      </p:sp>
+      <p:sp>
+        <p:nvSpPr>
+          <p:cNvPr id="5" name="Notes Placeholder 4"/>
+          <p:cNvSpPr>
+            <a:spLocks noGrp="1"/>
+          </p:cNvSpPr>
+          <p:nvPr>
+            <p:ph type="body" sz="quarter" idx="3"/>
+          </p:nvPr>
+        </p:nvSpPr>
+        <p:spPr>
+          <a:xfrm>
+            <a:off x="685800" y="4400550"/>
+            <a:ext cx="5486400" cy="3600450"/>
+          </a:xfrm>
+          <a:prstGeom prst="rect">
+            <a:avLst/>
+          </a:prstGeom>
+        </p:spPr>
+        <p:txBody>
+          <a:bodyPr vert="horz" lIns="91440" tIns="45720" rIns="91440" bIns="45720" rtlCol="0"/>
+          <a:lstStyle/>
+          <a:p>
+            <a:pPr lvl="0"/>
+            <a:r>
+              <a:rPr lang="en-US" smtClean="0"/>
+              <a:t>Click to edit Master text styles</a:t>
+            </a:r>
+          </a:p>
+          <a:p>
+            <a:pPr lvl="1"/>
+            <a:r>
+              <a:rPr lang="en-US" smtClean="0"/>
+              <a:t>Second level</a:t>
+            </a:r>
+          </a:p>
+          <a:p>
+            <a:pPr lvl="2"/>
+            <a:r>
+              <a:rPr lang="en-US" smtClean="0"/>
+              <a:t>Third level</a:t>
+            </a:r>
+          </a:p>
+          <a:p>
+            <a:pPr lvl="3"/>
+            <a:r>
+              <a:rPr lang="en-US" smtClean="0"/>
+              <a:t>Fourth level</a:t>
+            </a:r>
+          </a:p>
+          <a:p>
+            <a:pPr lvl="4"/>
+            <a:r>
+              <a:rPr lang="en-US" smtClean="0"/>
+              <a:t>Fifth level</a:t>
+            </a:r>
+            <a:endParaRPr lang="en-US"/>
+          </a:p>
+        </p:txBody>
+      </p:sp>
+      <p:sp>
+        <p:nvSpPr>
+          <p:cNvPr id="6" name="Footer Placeholder 5"/>
+          <p:cNvSpPr>
+            <a:spLocks noGrp="1"/>
+          </p:cNvSpPr>
+          <p:nvPr>
+            <p:ph type="ftr" sz="quarter" idx="4"/>
+          </p:nvPr>
+        </p:nvSpPr>
+        <p:spPr>
+          <a:xfrm>
+            <a:off x="0" y="8685213"/>
+            <a:ext cx="2971800" cy="458787"/>
+          </a:xfrm>
+          <a:prstGeom prst="rect">
+            <a:avLst/>
+          </a:prstGeom>
+        </p:spPr>
+        <p:txBody>
+          <a:bodyPr vert="horz" lIns="91440" tIns="45720" rIns="91440" bIns="45720" rtlCol="0" anchor="b"/>
+          <a:lstStyle>
+            <a:lvl1pPr algn="l">
+              <a:defRPr sz="1200"/>
+            </a:lvl1pPr>
+          </a:lstStyle>
+          <a:p>
+            <a:endParaRPr lang="en-US"/>
+          </a:p>
+        </p:txBody>
+      </p:sp>
+      <p:sp>
+        <p:nvSpPr>
+          <p:cNvPr id="7" name="Slide Number Placeholder 6"/>
+          <p:cNvSpPr>
+            <a:spLocks noGrp="1"/>
+          </p:cNvSpPr>
+          <p:nvPr>
+            <p:ph type="sldNum" sz="quarter" idx="5"/>
+          </p:nvPr>
+        </p:nvSpPr>
+        <p:spPr>
+          <a:xfrm>
+            <a:off x="3884613" y="8685213"/>
+            <a:ext cx="2971800" cy="458787"/>
+          </a:xfrm>
+          <a:prstGeom prst="rect">
+            <a:avLst/>
+          </a:prstGeom>
+        </p:spPr>
+        <p:txBody>
+          <a:bodyPr vert="horz" lIns="91440" tIns="45720" rIns="91440" bIns="45720" rtlCol="0" anchor="b"/>
+          <a:lstStyle>
+            <a:lvl1pPr algn="r">
+              <a:defRPr sz="1200"/>
+            </a:lvl1pPr>
+          </a:lstStyle>
+          <a:p>
+            <a:fld id="{F1790A71-A61C-4D46-BAF0-124C464DB3A3}" type="slidenum">
+              <a:rPr lang="en-US" smtClean="0"/>
+              <a:t>‹#›</a:t>
+            </a:fld>
+            <a:endParaRPr lang="en-US"/>
+          </a:p>
+        </p:txBody>
+      </p:sp>
+    </p:spTree>
+    <p:extLst>
+      <p:ext uri="{BB962C8B-B14F-4D97-AF65-F5344CB8AC3E}">
+        <p14:creationId xmlns:p14="http://schemas.microsoft.com/office/powerpoint/2010/main" val="342210941"/>
+      </p:ext>
+    </p:extLst>
+  </p:cSld>
+  <p:clrMap bg1="lt1" tx1="dk1" bg2="lt2" tx2="dk2" accent1="accent1" accent2="accent2" accent3="accent3" accent4="accent4" accent5="accent5" accent6="accent6" hlink="hlink" folHlink="folHlink"/>
+  <p:notesStyle>
+    <a:lvl1pPr marL="0" algn="l" defTabSz="914400" rtl="0" eaLnBrk="1" latinLnBrk="0" hangingPunct="1">
+      <a:defRPr sz="1200" kern="1200">
+        <a:solidFill>
+          <a:schemeClr val="tx1"/>
+        </a:solidFill>
+        <a:latin typeface="+mn-lt"/>
+        <a:ea typeface="+mn-ea"/>
+        <a:cs typeface="+mn-cs"/>
+      </a:defRPr>
+    </a:lvl1pPr>
+    <a:lvl2pPr marL="457200" algn="l" defTabSz="914400" rtl="0" eaLnBrk="1" latinLnBrk="0" hangingPunct="1">
+      <a:defRPr sz="1200" kern="1200">
+        <a:solidFill>
+          <a:schemeClr val="tx1"/>
+        </a:solidFill>
+        <a:latin typeface="+mn-lt"/>
+        <a:ea typeface="+mn-ea"/>
+        <a:cs typeface="+mn-cs"/>
+      </a:defRPr>
+    </a:lvl2pPr>
+    <a:lvl3pPr marL="914400" algn="l" defTabSz="914400" rtl="0" eaLnBrk="1" latinLnBrk="0" hangingPunct="1">
+      <a:defRPr sz="1200" kern="1200">
+        <a:solidFill>
+          <a:schemeClr val="tx1"/>
+        </a:solidFill>
+        <a:latin typeface="+mn-lt"/>
+        <a:ea typeface="+mn-ea"/>
+        <a:cs typeface="+mn-cs"/>
+      </a:defRPr>
+    </a:lvl3pPr>
+    <a:lvl4pPr marL="1371600" algn="l" defTabSz="914400" rtl="0" eaLnBrk="1" latinLnBrk="0" hangingPunct="1">
+      <a:defRPr sz="1200" kern="1200">
+        <a:solidFill>
+          <a:schemeClr val="tx1"/>
+        </a:solidFill>
+        <a:latin typeface="+mn-lt"/>
+        <a:ea typeface="+mn-ea"/>
+        <a:cs typeface="+mn-cs"/>
+      </a:defRPr>
+    </a:lvl4pPr>
+    <a:lvl5pPr marL="1828800" algn="l" defTabSz="914400" rtl="0" eaLnBrk="1" latinLnBrk="0" hangingPunct="1">
+      <a:defRPr sz="1200" kern="1200">
+        <a:solidFill>
+          <a:schemeClr val="tx1"/>
+        </a:solidFill>
+        <a:latin typeface="+mn-lt"/>
+        <a:ea typeface="+mn-ea"/>
+        <a:cs typeface="+mn-cs"/>
+      </a:defRPr>
+    </a:lvl5pPr>
+    <a:lvl6pPr marL="2286000" algn="l" defTabSz="914400" rtl="0" eaLnBrk="1" latinLnBrk="0" hangingPunct="1">
+      <a:defRPr sz="1200" kern="1200">
+        <a:solidFill>
+          <a:schemeClr val="tx1"/>
+        </a:solidFill>
+        <a:latin typeface="+mn-lt"/>
+        <a:ea typeface="+mn-ea"/>
+        <a:cs typeface="+mn-cs"/>
+      </a:defRPr>
+    </a:lvl6pPr>
+    <a:lvl7pPr marL="2743200" algn="l" defTabSz="914400" rtl="0" eaLnBrk="1" latinLnBrk="0" hangingPunct="1">
+      <a:defRPr sz="1200" kern="1200">
+        <a:solidFill>
+          <a:schemeClr val="tx1"/>
+        </a:solidFill>
+        <a:latin typeface="+mn-lt"/>
+        <a:ea typeface="+mn-ea"/>
+        <a:cs typeface="+mn-cs"/>
+      </a:defRPr>
+    </a:lvl7pPr>
+    <a:lvl8pPr marL="3200400" algn="l" defTabSz="914400" rtl="0" eaLnBrk="1" latinLnBrk="0" hangingPunct="1">
+      <a:defRPr sz="1200" kern="1200">
+        <a:solidFill>
+          <a:schemeClr val="tx1"/>
+        </a:solidFill>
+        <a:latin typeface="+mn-lt"/>
+        <a:ea typeface="+mn-ea"/>
+        <a:cs typeface="+mn-cs"/>
+      </a:defRPr>
+    </a:lvl8pPr>
+    <a:lvl9pPr marL="3657600" algn="l" defTabSz="914400" rtl="0" eaLnBrk="1" latinLnBrk="0" hangingPunct="1">
+      <a:defRPr sz="1200" kern="1200">
+        <a:solidFill>
+          <a:schemeClr val="tx1"/>
+        </a:solidFill>
+        <a:latin typeface="+mn-lt"/>
+        <a:ea typeface="+mn-ea"/>
+        <a:cs typeface="+mn-cs"/>
+      </a:defRPr>
+    </a:lvl9pPr>
+  </p:notesStyle>
+</p:notesMaster>
+</file>
+
 <file path=ppt/slideLayouts/slideLayout1.xml><?xml version="1.0" encoding="utf-8"?>
 <p:sldLayout xmlns:a="http://schemas.openxmlformats.org/drawingml/2006/main" xmlns:r="http://schemas.openxmlformats.org/officeDocument/2006/relationships" xmlns:p="http://schemas.openxmlformats.org/presentationml/2006/main" type="title" preserve="1">
   <p:cSld name="Title Slide">
@@ -277,7 +631,7 @@
           <a:p>
             <a:fld id="{1504FCFE-5C57-A541-8DB0-F2A6304D1153}" type="datetimeFigureOut">
               <a:rPr lang="en-US" smtClean="0"/>
-              <a:t>4/9/2017</a:t>
+              <a:t>4/10/17</a:t>
             </a:fld>
             <a:endParaRPr lang="en-US"/>
           </a:p>
@@ -447,7 +801,7 @@
           <a:p>
             <a:fld id="{1504FCFE-5C57-A541-8DB0-F2A6304D1153}" type="datetimeFigureOut">
               <a:rPr lang="en-US" smtClean="0"/>
-              <a:t>4/9/2017</a:t>
+              <a:t>4/10/17</a:t>
             </a:fld>
             <a:endParaRPr lang="en-US"/>
           </a:p>
@@ -627,7 +981,7 @@
           <a:p>
             <a:fld id="{1504FCFE-5C57-A541-8DB0-F2A6304D1153}" type="datetimeFigureOut">
               <a:rPr lang="en-US" smtClean="0"/>
-              <a:t>4/9/2017</a:t>
+              <a:t>4/10/17</a:t>
             </a:fld>
             <a:endParaRPr lang="en-US"/>
           </a:p>
@@ -797,7 +1151,7 @@
           <a:p>
             <a:fld id="{1504FCFE-5C57-A541-8DB0-F2A6304D1153}" type="datetimeFigureOut">
               <a:rPr lang="en-US" smtClean="0"/>
-              <a:t>4/9/2017</a:t>
+              <a:t>4/10/17</a:t>
             </a:fld>
             <a:endParaRPr lang="en-US"/>
           </a:p>
@@ -1065,7 +1419,7 @@
           <a:p>
             <a:fld id="{1504FCFE-5C57-A541-8DB0-F2A6304D1153}" type="datetimeFigureOut">
               <a:rPr lang="en-US" smtClean="0"/>
-              <a:t>4/9/2017</a:t>
+              <a:t>4/10/17</a:t>
             </a:fld>
             <a:endParaRPr lang="en-US"/>
           </a:p>
@@ -1297,7 +1651,7 @@
           <a:p>
             <a:fld id="{1504FCFE-5C57-A541-8DB0-F2A6304D1153}" type="datetimeFigureOut">
               <a:rPr lang="en-US" smtClean="0"/>
-              <a:t>4/9/2017</a:t>
+              <a:t>4/10/17</a:t>
             </a:fld>
             <a:endParaRPr lang="en-US"/>
           </a:p>
@@ -1652,7 +2006,7 @@
           <a:p>
             <a:fld id="{1504FCFE-5C57-A541-8DB0-F2A6304D1153}" type="datetimeFigureOut">
               <a:rPr lang="en-US" smtClean="0"/>
-              <a:t>4/9/2017</a:t>
+              <a:t>4/10/17</a:t>
             </a:fld>
             <a:endParaRPr lang="en-US"/>
           </a:p>
@@ -1793,7 +2147,7 @@
           <a:p>
             <a:fld id="{1504FCFE-5C57-A541-8DB0-F2A6304D1153}" type="datetimeFigureOut">
               <a:rPr lang="en-US" smtClean="0"/>
-              <a:t>4/9/2017</a:t>
+              <a:t>4/10/17</a:t>
             </a:fld>
             <a:endParaRPr lang="en-US"/>
           </a:p>
@@ -1888,7 +2242,7 @@
           <a:p>
             <a:fld id="{1504FCFE-5C57-A541-8DB0-F2A6304D1153}" type="datetimeFigureOut">
               <a:rPr lang="en-US" smtClean="0"/>
-              <a:t>4/9/2017</a:t>
+              <a:t>4/10/17</a:t>
             </a:fld>
             <a:endParaRPr lang="en-US"/>
           </a:p>
@@ -2245,7 +2599,7 @@
           <a:p>
             <a:fld id="{1504FCFE-5C57-A541-8DB0-F2A6304D1153}" type="datetimeFigureOut">
               <a:rPr lang="en-US" smtClean="0"/>
-              <a:t>4/9/2017</a:t>
+              <a:t>4/10/17</a:t>
             </a:fld>
             <a:endParaRPr lang="en-US"/>
           </a:p>
@@ -2601,7 +2955,7 @@
           <a:p>
             <a:fld id="{1504FCFE-5C57-A541-8DB0-F2A6304D1153}" type="datetimeFigureOut">
               <a:rPr lang="en-US" smtClean="0"/>
-              <a:t>4/9/2017</a:t>
+              <a:t>4/10/17</a:t>
             </a:fld>
             <a:endParaRPr lang="en-US"/>
           </a:p>
@@ -2840,7 +3194,7 @@
           <a:p>
             <a:fld id="{1504FCFE-5C57-A541-8DB0-F2A6304D1153}" type="datetimeFigureOut">
               <a:rPr lang="en-US" smtClean="0"/>
-              <a:t>4/9/2017</a:t>
+              <a:t>4/10/17</a:t>
             </a:fld>
             <a:endParaRPr lang="en-US"/>
           </a:p>
@@ -3437,14 +3791,32 @@
           <a:p>
             <a:r>
               <a:rPr lang="en-US" b="1" dirty="0"/>
-              <a:t>Stories Finished:</a:t>
-            </a:r>
+              <a:t>Stories Finished</a:t>
+            </a:r>
+            <a:r>
+              <a:rPr lang="en-US" b="1" dirty="0" smtClean="0"/>
+              <a:t>: </a:t>
+            </a:r>
+            <a:r>
+              <a:rPr lang="en-US" dirty="0" smtClean="0"/>
+              <a:t>Entity/Relationship Model for Database.</a:t>
+            </a:r>
+            <a:endParaRPr lang="en-US" b="1" dirty="0"/>
           </a:p>
           <a:p>
             <a:r>
               <a:rPr lang="en-US" b="1" dirty="0"/>
-              <a:t>Artifacts Created:</a:t>
-            </a:r>
+              <a:t>Artifacts Created</a:t>
+            </a:r>
+            <a:r>
+              <a:rPr lang="en-US" b="1" dirty="0" smtClean="0"/>
+              <a:t>: </a:t>
+            </a:r>
+            <a:r>
+              <a:rPr lang="en-US" dirty="0" smtClean="0"/>
+              <a:t>See Code section</a:t>
+            </a:r>
+            <a:endParaRPr lang="en-US" b="1" dirty="0"/>
           </a:p>
           <a:p>
             <a:endParaRPr lang="en-US" dirty="0"/>
@@ -3516,7 +3888,12 @@
             <p:ph idx="1"/>
           </p:nvPr>
         </p:nvSpPr>
-        <p:spPr/>
+        <p:spPr>
+          <a:xfrm>
+            <a:off x="2231136" y="2638044"/>
+            <a:ext cx="7729728" cy="3719894"/>
+          </a:xfrm>
+        </p:spPr>
         <p:txBody>
           <a:bodyPr/>
           <a:lstStyle/>
@@ -3530,6 +3907,26 @@
             </a:r>
           </a:p>
           <a:p>
+            <a:r>
+              <a:rPr lang="en-US" dirty="0" smtClean="0"/>
+              <a:t>Communication and updates on what each team member was doing.</a:t>
+            </a:r>
+          </a:p>
+          <a:p>
+            <a:r>
+              <a:rPr lang="en-US" dirty="0"/>
+              <a:t>C</a:t>
+            </a:r>
+            <a:r>
+              <a:rPr lang="en-US" dirty="0" smtClean="0"/>
+              <a:t>onsensus on dropping work.</a:t>
+            </a:r>
+          </a:p>
+          <a:p>
+            <a:r>
+              <a:rPr lang="en-US" dirty="0" smtClean="0"/>
+              <a:t>Work load balance among team members.</a:t>
+            </a:r>
             <a:endParaRPr lang="en-US" dirty="0"/>
           </a:p>
           <a:p>
@@ -3537,27 +3934,24 @@
               <a:buNone/>
             </a:pPr>
             <a:r>
+              <a:rPr lang="en-US" b="1" dirty="0" smtClean="0"/>
+              <a:t>What </a:t>
+            </a:r>
+            <a:r>
               <a:rPr lang="en-US" b="1" dirty="0"/>
-              <a:t>What can we do to improve?</a:t>
-            </a:r>
-          </a:p>
-          <a:p>
+              <a:t>might be impending us from performing better?</a:t>
+            </a:r>
+          </a:p>
+          <a:p>
+            <a:r>
+              <a:rPr lang="en-US" dirty="0"/>
+              <a:t>General proficiency in </a:t>
+            </a:r>
+            <a:r>
+              <a:rPr lang="en-US" dirty="0" smtClean="0"/>
+              <a:t>Android development.</a:t>
+            </a:r>
             <a:endParaRPr lang="en-US" dirty="0"/>
-          </a:p>
-          <a:p>
-            <a:pPr marL="0" indent="0">
-              <a:buNone/>
-            </a:pPr>
-            <a:r>
-              <a:rPr lang="en-US" b="1" dirty="0"/>
-              <a:t>What might be impending us from performing better?</a:t>
-            </a:r>
-          </a:p>
-          <a:p>
-            <a:r>
-              <a:rPr lang="en-US" dirty="0"/>
-              <a:t>General proficiency in android development</a:t>
-            </a:r>
           </a:p>
         </p:txBody>
       </p:sp>
@@ -3565,6 +3959,151 @@
     <p:extLst>
       <p:ext uri="{BB962C8B-B14F-4D97-AF65-F5344CB8AC3E}">
         <p14:creationId xmlns:p14="http://schemas.microsoft.com/office/powerpoint/2010/main" val="3852635985"/>
+      </p:ext>
+    </p:extLst>
+  </p:cSld>
+  <p:clrMapOvr>
+    <a:masterClrMapping/>
+  </p:clrMapOvr>
+</p:sld>
+</file>
+
+<file path=ppt/slides/slide4.xml><?xml version="1.0" encoding="utf-8"?>
+<p:sld xmlns:a="http://schemas.openxmlformats.org/drawingml/2006/main" xmlns:r="http://schemas.openxmlformats.org/officeDocument/2006/relationships" xmlns:p="http://schemas.openxmlformats.org/presentationml/2006/main">
+  <p:cSld>
+    <p:spTree>
+      <p:nvGrpSpPr>
+        <p:cNvPr id="1" name=""/>
+        <p:cNvGrpSpPr/>
+        <p:nvPr/>
+      </p:nvGrpSpPr>
+      <p:grpSpPr>
+        <a:xfrm>
+          <a:off x="0" y="0"/>
+          <a:ext cx="0" cy="0"/>
+          <a:chOff x="0" y="0"/>
+          <a:chExt cx="0" cy="0"/>
+        </a:xfrm>
+      </p:grpSpPr>
+      <p:sp>
+        <p:nvSpPr>
+          <p:cNvPr id="2" name="Title 1"/>
+          <p:cNvSpPr>
+            <a:spLocks noGrp="1"/>
+          </p:cNvSpPr>
+          <p:nvPr>
+            <p:ph type="title"/>
+          </p:nvPr>
+        </p:nvSpPr>
+        <p:spPr/>
+        <p:txBody>
+          <a:bodyPr/>
+          <a:lstStyle/>
+          <a:p>
+            <a:r>
+              <a:rPr lang="en-US" dirty="0"/>
+              <a:t>retrospective</a:t>
+            </a:r>
+          </a:p>
+        </p:txBody>
+      </p:sp>
+      <p:sp>
+        <p:nvSpPr>
+          <p:cNvPr id="3" name="Content Placeholder 2"/>
+          <p:cNvSpPr>
+            <a:spLocks noGrp="1"/>
+          </p:cNvSpPr>
+          <p:nvPr>
+            <p:ph idx="1"/>
+          </p:nvPr>
+        </p:nvSpPr>
+        <p:spPr>
+          <a:xfrm>
+            <a:off x="2231136" y="2638044"/>
+            <a:ext cx="7729728" cy="3719894"/>
+          </a:xfrm>
+        </p:spPr>
+        <p:txBody>
+          <a:bodyPr/>
+          <a:lstStyle/>
+          <a:p>
+            <a:pPr marL="0" indent="0">
+              <a:buNone/>
+            </a:pPr>
+            <a:r>
+              <a:rPr lang="en-US" b="1" dirty="0" smtClean="0"/>
+              <a:t>What can we do to improve?</a:t>
+            </a:r>
+          </a:p>
+          <a:p>
+            <a:r>
+              <a:rPr lang="en-US" dirty="0" smtClean="0"/>
+              <a:t>As a team: Break down larger issues into smaller ones.</a:t>
+            </a:r>
+          </a:p>
+          <a:p>
+            <a:r>
+              <a:rPr lang="en-US" dirty="0" smtClean="0"/>
+              <a:t>Individually:</a:t>
+            </a:r>
+          </a:p>
+          <a:p>
+            <a:pPr lvl="1"/>
+            <a:r>
+              <a:rPr lang="en-US" dirty="0" smtClean="0"/>
+              <a:t>Sherman: </a:t>
+            </a:r>
+            <a:r>
+              <a:rPr lang="en-US" smtClean="0"/>
+              <a:t>Update team/management </a:t>
+            </a:r>
+            <a:r>
+              <a:rPr lang="en-US" dirty="0" smtClean="0"/>
+              <a:t>early and regularly when hitting blocks.</a:t>
+            </a:r>
+          </a:p>
+          <a:p>
+            <a:pPr lvl="1"/>
+            <a:r>
+              <a:rPr lang="en-US" dirty="0" smtClean="0"/>
+              <a:t>Ed:</a:t>
+            </a:r>
+          </a:p>
+          <a:p>
+            <a:pPr lvl="1"/>
+            <a:r>
+              <a:rPr lang="en-US" dirty="0" smtClean="0"/>
+              <a:t>Nick:</a:t>
+            </a:r>
+          </a:p>
+          <a:p>
+            <a:pPr lvl="1"/>
+            <a:r>
+              <a:rPr lang="en-US" dirty="0" smtClean="0"/>
+              <a:t>Christian:</a:t>
+            </a:r>
+          </a:p>
+          <a:p>
+            <a:pPr lvl="1"/>
+            <a:r>
+              <a:rPr lang="en-US" dirty="0" smtClean="0"/>
+              <a:t>Forrest:</a:t>
+            </a:r>
+          </a:p>
+          <a:p>
+            <a:pPr lvl="1"/>
+            <a:r>
+              <a:rPr lang="en-US" dirty="0" smtClean="0"/>
+              <a:t>Zack:</a:t>
+            </a:r>
+            <a:endParaRPr lang="en-US" dirty="0" smtClean="0"/>
+          </a:p>
+        </p:txBody>
+      </p:sp>
+    </p:spTree>
+    <p:extLst>
+      <p:ext uri="{BB962C8B-B14F-4D97-AF65-F5344CB8AC3E}">
+        <p14:creationId xmlns:p14="http://schemas.microsoft.com/office/powerpoint/2010/main" val="578078721"/>
       </p:ext>
     </p:extLst>
   </p:cSld>
@@ -3832,4 +4371,265 @@
     </a:ext>
   </a:extLst>
 </a:theme>
+</file>
+
+<file path=ppt/theme/theme2.xml><?xml version="1.0" encoding="utf-8"?>
+<a:theme xmlns:a="http://schemas.openxmlformats.org/drawingml/2006/main" name="Office Theme">
+  <a:themeElements>
+    <a:clrScheme name="Office">
+      <a:dk1>
+        <a:sysClr val="windowText" lastClr="000000"/>
+      </a:dk1>
+      <a:lt1>
+        <a:sysClr val="window" lastClr="FFFFFF"/>
+      </a:lt1>
+      <a:dk2>
+        <a:srgbClr val="44546A"/>
+      </a:dk2>
+      <a:lt2>
+        <a:srgbClr val="E7E6E6"/>
+      </a:lt2>
+      <a:accent1>
+        <a:srgbClr val="4472C4"/>
+      </a:accent1>
+      <a:accent2>
+        <a:srgbClr val="ED7D31"/>
+      </a:accent2>
+      <a:accent3>
+        <a:srgbClr val="A5A5A5"/>
+      </a:accent3>
+      <a:accent4>
+        <a:srgbClr val="FFC000"/>
+      </a:accent4>
+      <a:accent5>
+        <a:srgbClr val="5B9BD5"/>
+      </a:accent5>
+      <a:accent6>
+        <a:srgbClr val="70AD47"/>
+      </a:accent6>
+      <a:hlink>
+        <a:srgbClr val="0563C1"/>
+      </a:hlink>
+      <a:folHlink>
+        <a:srgbClr val="954F72"/>
+      </a:folHlink>
+    </a:clrScheme>
+    <a:fontScheme name="Office">
+      <a:majorFont>
+        <a:latin typeface="Calibri Light" panose="020F0302020204030204"/>
+        <a:ea typeface=""/>
+        <a:cs typeface=""/>
+        <a:font script="Jpan" typeface="Yu Gothic Light"/>
+        <a:font script="Hang" typeface="맑은 고딕"/>
+        <a:font script="Hans" typeface="DengXian Light"/>
+        <a:font script="Hant" typeface="新細明體"/>
+        <a:font script="Arab" typeface="Times New Roman"/>
+        <a:font script="Hebr" typeface="Times New Roman"/>
+        <a:font script="Thai" typeface="Angsana New"/>
+        <a:font script="Ethi" typeface="Nyala"/>
+        <a:font script="Beng" typeface="Vrinda"/>
+        <a:font script="Gujr" typeface="Shruti"/>
+        <a:font script="Khmr" typeface="MoolBoran"/>
+        <a:font script="Knda" typeface="Tunga"/>
+        <a:font script="Guru" typeface="Raavi"/>
+        <a:font script="Cans" typeface="Euphemia"/>
+        <a:font script="Cher" typeface="Plantagenet Cherokee"/>
+        <a:font script="Yiii" typeface="Microsoft Yi Baiti"/>
+        <a:font script="Tibt" typeface="Microsoft Himalaya"/>
+        <a:font script="Thaa" typeface="MV Boli"/>
+        <a:font script="Deva" typeface="Mangal"/>
+        <a:font script="Telu" typeface="Gautami"/>
+        <a:font script="Taml" typeface="Latha"/>
+        <a:font script="Syrc" typeface="Estrangelo Edessa"/>
+        <a:font script="Orya" typeface="Kalinga"/>
+        <a:font script="Mlym" typeface="Kartika"/>
+        <a:font script="Laoo" typeface="DokChampa"/>
+        <a:font script="Sinh" typeface="Iskoola Pota"/>
+        <a:font script="Mong" typeface="Mongolian Baiti"/>
+        <a:font script="Viet" typeface="Times New Roman"/>
+        <a:font script="Uigh" typeface="Microsoft Uighur"/>
+        <a:font script="Geor" typeface="Sylfaen"/>
+      </a:majorFont>
+      <a:minorFont>
+        <a:latin typeface="Calibri" panose="020F0502020204030204"/>
+        <a:ea typeface=""/>
+        <a:cs typeface=""/>
+        <a:font script="Jpan" typeface="Yu Gothic"/>
+        <a:font script="Hang" typeface="맑은 고딕"/>
+        <a:font script="Hans" typeface="DengXian"/>
+        <a:font script="Hant" typeface="新細明體"/>
+        <a:font script="Arab" typeface="Arial"/>
+        <a:font script="Hebr" typeface="Arial"/>
+        <a:font script="Thai" typeface="Cordia New"/>
+        <a:font script="Ethi" typeface="Nyala"/>
+        <a:font script="Beng" typeface="Vrinda"/>
+        <a:font script="Gujr" typeface="Shruti"/>
+        <a:font script="Khmr" typeface="DaunPenh"/>
+        <a:font script="Knda" typeface="Tunga"/>
+        <a:font script="Guru" typeface="Raavi"/>
+        <a:font script="Cans" typeface="Euphemia"/>
+        <a:font script="Cher" typeface="Plantagenet Cherokee"/>
+        <a:font script="Yiii" typeface="Microsoft Yi Baiti"/>
+        <a:font script="Tibt" typeface="Microsoft Himalaya"/>
+        <a:font script="Thaa" typeface="MV Boli"/>
+        <a:font script="Deva" typeface="Mangal"/>
+        <a:font script="Telu" typeface="Gautami"/>
+        <a:font script="Taml" typeface="Latha"/>
+        <a:font script="Syrc" typeface="Estrangelo Edessa"/>
+        <a:font script="Orya" typeface="Kalinga"/>
+        <a:font script="Mlym" typeface="Kartika"/>
+        <a:font script="Laoo" typeface="DokChampa"/>
+        <a:font script="Sinh" typeface="Iskoola Pota"/>
+        <a:font script="Mong" typeface="Mongolian Baiti"/>
+        <a:font script="Viet" typeface="Arial"/>
+        <a:font script="Uigh" typeface="Microsoft Uighur"/>
+        <a:font script="Geor" typeface="Sylfaen"/>
+      </a:minorFont>
+    </a:fontScheme>
+    <a:fmtScheme name="Office">
+      <a:fillStyleLst>
+        <a:solidFill>
+          <a:schemeClr val="phClr"/>
+        </a:solidFill>
+        <a:gradFill rotWithShape="1">
+          <a:gsLst>
+            <a:gs pos="0">
+              <a:schemeClr val="phClr">
+                <a:lumMod val="110000"/>
+                <a:satMod val="105000"/>
+                <a:tint val="67000"/>
+              </a:schemeClr>
+            </a:gs>
+            <a:gs pos="50000">
+              <a:schemeClr val="phClr">
+                <a:lumMod val="105000"/>
+                <a:satMod val="103000"/>
+                <a:tint val="73000"/>
+              </a:schemeClr>
+            </a:gs>
+            <a:gs pos="100000">
+              <a:schemeClr val="phClr">
+                <a:lumMod val="105000"/>
+                <a:satMod val="109000"/>
+                <a:tint val="81000"/>
+              </a:schemeClr>
+            </a:gs>
+          </a:gsLst>
+          <a:lin ang="5400000" scaled="0"/>
+        </a:gradFill>
+        <a:gradFill rotWithShape="1">
+          <a:gsLst>
+            <a:gs pos="0">
+              <a:schemeClr val="phClr">
+                <a:satMod val="103000"/>
+                <a:lumMod val="102000"/>
+                <a:tint val="94000"/>
+              </a:schemeClr>
+            </a:gs>
+            <a:gs pos="50000">
+              <a:schemeClr val="phClr">
+                <a:satMod val="110000"/>
+                <a:lumMod val="100000"/>
+                <a:shade val="100000"/>
+              </a:schemeClr>
+            </a:gs>
+            <a:gs pos="100000">
+              <a:schemeClr val="phClr">
+                <a:lumMod val="99000"/>
+                <a:satMod val="120000"/>
+                <a:shade val="78000"/>
+              </a:schemeClr>
+            </a:gs>
+          </a:gsLst>
+          <a:lin ang="5400000" scaled="0"/>
+        </a:gradFill>
+      </a:fillStyleLst>
+      <a:lnStyleLst>
+        <a:ln w="6350" cap="flat" cmpd="sng" algn="ctr">
+          <a:solidFill>
+            <a:schemeClr val="phClr"/>
+          </a:solidFill>
+          <a:prstDash val="solid"/>
+          <a:miter lim="800000"/>
+        </a:ln>
+        <a:ln w="12700" cap="flat" cmpd="sng" algn="ctr">
+          <a:solidFill>
+            <a:schemeClr val="phClr"/>
+          </a:solidFill>
+          <a:prstDash val="solid"/>
+          <a:miter lim="800000"/>
+        </a:ln>
+        <a:ln w="19050" cap="flat" cmpd="sng" algn="ctr">
+          <a:solidFill>
+            <a:schemeClr val="phClr"/>
+          </a:solidFill>
+          <a:prstDash val="solid"/>
+          <a:miter lim="800000"/>
+        </a:ln>
+      </a:lnStyleLst>
+      <a:effectStyleLst>
+        <a:effectStyle>
+          <a:effectLst/>
+        </a:effectStyle>
+        <a:effectStyle>
+          <a:effectLst/>
+        </a:effectStyle>
+        <a:effectStyle>
+          <a:effectLst>
+            <a:outerShdw blurRad="57150" dist="19050" dir="5400000" algn="ctr" rotWithShape="0">
+              <a:srgbClr val="000000">
+                <a:alpha val="63000"/>
+              </a:srgbClr>
+            </a:outerShdw>
+          </a:effectLst>
+        </a:effectStyle>
+      </a:effectStyleLst>
+      <a:bgFillStyleLst>
+        <a:solidFill>
+          <a:schemeClr val="phClr"/>
+        </a:solidFill>
+        <a:solidFill>
+          <a:schemeClr val="phClr">
+            <a:tint val="95000"/>
+            <a:satMod val="170000"/>
+          </a:schemeClr>
+        </a:solidFill>
+        <a:gradFill rotWithShape="1">
+          <a:gsLst>
+            <a:gs pos="0">
+              <a:schemeClr val="phClr">
+                <a:tint val="93000"/>
+                <a:satMod val="150000"/>
+                <a:shade val="98000"/>
+                <a:lumMod val="102000"/>
+              </a:schemeClr>
+            </a:gs>
+            <a:gs pos="50000">
+              <a:schemeClr val="phClr">
+                <a:tint val="98000"/>
+                <a:satMod val="130000"/>
+                <a:shade val="90000"/>
+                <a:lumMod val="103000"/>
+              </a:schemeClr>
+            </a:gs>
+            <a:gs pos="100000">
+              <a:schemeClr val="phClr">
+                <a:shade val="63000"/>
+                <a:satMod val="120000"/>
+              </a:schemeClr>
+            </a:gs>
+          </a:gsLst>
+          <a:lin ang="5400000" scaled="0"/>
+        </a:gradFill>
+      </a:bgFillStyleLst>
+    </a:fmtScheme>
+  </a:themeElements>
+  <a:objectDefaults/>
+  <a:extraClrSchemeLst/>
+  <a:extLst>
+    <a:ext uri="{05A4C25C-085E-4340-85A3-A5531E510DB2}">
+      <thm15:themeFamily xmlns:thm15="http://schemas.microsoft.com/office/thememl/2012/main" name="Office Theme" id="{62F939B6-93AF-4DB8-9C6B-D6C7DFDC589F}" vid="{4A3C46E8-61CC-4603-A589-7422A47A8E4A}"/>
+    </a:ext>
+  </a:extLst>
+</a:theme>
 </file>
--- a/Presentations/Sprint 2 Review.pptx
+++ b/Presentations/Sprint 2 Review.pptx
@@ -1,23 +1,123 @@
 
 <file path=ppt/presentation.xml><?xml version="1.0" encoding="utf-8"?>
-<p:presentation xmlns:a="http://schemas.openxmlformats.org/drawingml/2006/main" xmlns:p="http://schemas.openxmlformats.org/presentationml/2006/main" xmlns:r="http://schemas.openxmlformats.org/officeDocument/2006/relationships" xmlns:p14="http://schemas.microsoft.com/office/powerpoint/2010/main" xmlns:p15="http://schemas.microsoft.com/office/powerpoint/2012/main" xmlns:mc="http://schemas.openxmlformats.org/markup-compatibility/2006">
+<p:presentation xmlns:a="http://schemas.openxmlformats.org/drawingml/2006/main" xmlns:r="http://schemas.openxmlformats.org/officeDocument/2006/relationships" xmlns:p="http://schemas.openxmlformats.org/presentationml/2006/main">
   <p:sldMasterIdLst>
-    <p:sldMasterId id="2147483648" r:id="rId2"/>
-    <p:sldMasterId id="2147483661" r:id="rId3"/>
+    <p:sldMasterId id="2147483648" r:id="rId1"/>
+    <p:sldMasterId id="2147483661" r:id="rId2"/>
   </p:sldMasterIdLst>
   <p:sldIdLst>
-    <p:sldId id="256" r:id="rId4"/>
-    <p:sldId id="257" r:id="rId5"/>
-    <p:sldId id="258" r:id="rId6"/>
-    <p:sldId id="259" r:id="rId7"/>
+    <p:sldId id="256" r:id="rId3"/>
+    <p:sldId id="257" r:id="rId4"/>
+    <p:sldId id="258" r:id="rId5"/>
+    <p:sldId id="259" r:id="rId6"/>
   </p:sldIdLst>
   <p:sldSz cx="12192000" cy="6858000"/>
   <p:notesSz cx="7772400" cy="10058400"/>
+  <p:defaultTextStyle>
+    <a:defPPr>
+      <a:defRPr lang="en-US"/>
+    </a:defPPr>
+    <a:lvl1pPr marL="0" algn="l" defTabSz="914400" rtl="0" eaLnBrk="1" latinLnBrk="0" hangingPunct="1">
+      <a:defRPr sz="1800" kern="1200">
+        <a:solidFill>
+          <a:schemeClr val="tx1"/>
+        </a:solidFill>
+        <a:latin typeface="+mn-lt"/>
+        <a:ea typeface="+mn-ea"/>
+        <a:cs typeface="+mn-cs"/>
+      </a:defRPr>
+    </a:lvl1pPr>
+    <a:lvl2pPr marL="457200" algn="l" defTabSz="914400" rtl="0" eaLnBrk="1" latinLnBrk="0" hangingPunct="1">
+      <a:defRPr sz="1800" kern="1200">
+        <a:solidFill>
+          <a:schemeClr val="tx1"/>
+        </a:solidFill>
+        <a:latin typeface="+mn-lt"/>
+        <a:ea typeface="+mn-ea"/>
+        <a:cs typeface="+mn-cs"/>
+      </a:defRPr>
+    </a:lvl2pPr>
+    <a:lvl3pPr marL="914400" algn="l" defTabSz="914400" rtl="0" eaLnBrk="1" latinLnBrk="0" hangingPunct="1">
+      <a:defRPr sz="1800" kern="1200">
+        <a:solidFill>
+          <a:schemeClr val="tx1"/>
+        </a:solidFill>
+        <a:latin typeface="+mn-lt"/>
+        <a:ea typeface="+mn-ea"/>
+        <a:cs typeface="+mn-cs"/>
+      </a:defRPr>
+    </a:lvl3pPr>
+    <a:lvl4pPr marL="1371600" algn="l" defTabSz="914400" rtl="0" eaLnBrk="1" latinLnBrk="0" hangingPunct="1">
+      <a:defRPr sz="1800" kern="1200">
+        <a:solidFill>
+          <a:schemeClr val="tx1"/>
+        </a:solidFill>
+        <a:latin typeface="+mn-lt"/>
+        <a:ea typeface="+mn-ea"/>
+        <a:cs typeface="+mn-cs"/>
+      </a:defRPr>
+    </a:lvl4pPr>
+    <a:lvl5pPr marL="1828800" algn="l" defTabSz="914400" rtl="0" eaLnBrk="1" latinLnBrk="0" hangingPunct="1">
+      <a:defRPr sz="1800" kern="1200">
+        <a:solidFill>
+          <a:schemeClr val="tx1"/>
+        </a:solidFill>
+        <a:latin typeface="+mn-lt"/>
+        <a:ea typeface="+mn-ea"/>
+        <a:cs typeface="+mn-cs"/>
+      </a:defRPr>
+    </a:lvl5pPr>
+    <a:lvl6pPr marL="2286000" algn="l" defTabSz="914400" rtl="0" eaLnBrk="1" latinLnBrk="0" hangingPunct="1">
+      <a:defRPr sz="1800" kern="1200">
+        <a:solidFill>
+          <a:schemeClr val="tx1"/>
+        </a:solidFill>
+        <a:latin typeface="+mn-lt"/>
+        <a:ea typeface="+mn-ea"/>
+        <a:cs typeface="+mn-cs"/>
+      </a:defRPr>
+    </a:lvl6pPr>
+    <a:lvl7pPr marL="2743200" algn="l" defTabSz="914400" rtl="0" eaLnBrk="1" latinLnBrk="0" hangingPunct="1">
+      <a:defRPr sz="1800" kern="1200">
+        <a:solidFill>
+          <a:schemeClr val="tx1"/>
+        </a:solidFill>
+        <a:latin typeface="+mn-lt"/>
+        <a:ea typeface="+mn-ea"/>
+        <a:cs typeface="+mn-cs"/>
+      </a:defRPr>
+    </a:lvl7pPr>
+    <a:lvl8pPr marL="3200400" algn="l" defTabSz="914400" rtl="0" eaLnBrk="1" latinLnBrk="0" hangingPunct="1">
+      <a:defRPr sz="1800" kern="1200">
+        <a:solidFill>
+          <a:schemeClr val="tx1"/>
+        </a:solidFill>
+        <a:latin typeface="+mn-lt"/>
+        <a:ea typeface="+mn-ea"/>
+        <a:cs typeface="+mn-cs"/>
+      </a:defRPr>
+    </a:lvl8pPr>
+    <a:lvl9pPr marL="3657600" algn="l" defTabSz="914400" rtl="0" eaLnBrk="1" latinLnBrk="0" hangingPunct="1">
+      <a:defRPr sz="1800" kern="1200">
+        <a:solidFill>
+          <a:schemeClr val="tx1"/>
+        </a:solidFill>
+        <a:latin typeface="+mn-lt"/>
+        <a:ea typeface="+mn-ea"/>
+        <a:cs typeface="+mn-cs"/>
+      </a:defRPr>
+    </a:lvl9pPr>
+  </p:defaultTextStyle>
+  <p:extLst>
+    <p:ext uri="{EFAFB233-063F-42B5-8137-9DF3F51BA10A}">
+      <p15:sldGuideLst xmlns:p15="http://schemas.microsoft.com/office/powerpoint/2012/main"/>
+    </p:ext>
+  </p:extLst>
 </p:presentation>
 </file>
 
 <file path=ppt/slideLayouts/slideLayout1.xml><?xml version="1.0" encoding="utf-8"?>
-<p:sldLayout xmlns:a="http://schemas.openxmlformats.org/drawingml/2006/main" xmlns:p="http://schemas.openxmlformats.org/presentationml/2006/main" xmlns:r="http://schemas.openxmlformats.org/officeDocument/2006/relationships" xmlns:p14="http://schemas.microsoft.com/office/powerpoint/2010/main" xmlns:p15="http://schemas.microsoft.com/office/powerpoint/2012/main" xmlns:mc="http://schemas.openxmlformats.org/markup-compatibility/2006" type="blank" preserve="1">
+<p:sldLayout xmlns:a="http://schemas.openxmlformats.org/drawingml/2006/main" xmlns:r="http://schemas.openxmlformats.org/officeDocument/2006/relationships" xmlns:p="http://schemas.openxmlformats.org/presentationml/2006/main" type="blank" preserve="1">
   <p:cSld name="Blank Slide">
     <p:spTree>
       <p:nvGrpSpPr>
@@ -35,11 +135,14 @@
       </p:grpSpPr>
     </p:spTree>
   </p:cSld>
+  <p:clrMapOvr>
+    <a:masterClrMapping/>
+  </p:clrMapOvr>
 </p:sldLayout>
 </file>
 
 <file path=ppt/slideLayouts/slideLayout10.xml><?xml version="1.0" encoding="utf-8"?>
-<p:sldLayout xmlns:a="http://schemas.openxmlformats.org/drawingml/2006/main" xmlns:p="http://schemas.openxmlformats.org/presentationml/2006/main" xmlns:r="http://schemas.openxmlformats.org/officeDocument/2006/relationships" xmlns:p14="http://schemas.microsoft.com/office/powerpoint/2010/main" xmlns:p15="http://schemas.microsoft.com/office/powerpoint/2012/main" xmlns:mc="http://schemas.openxmlformats.org/markup-compatibility/2006" type="objOverTx" preserve="1">
+<p:sldLayout xmlns:a="http://schemas.openxmlformats.org/drawingml/2006/main" xmlns:r="http://schemas.openxmlformats.org/officeDocument/2006/relationships" xmlns:p="http://schemas.openxmlformats.org/presentationml/2006/main" type="objOverTx" preserve="1">
   <p:cSld name="Title, Content over Content">
     <p:spTree>
       <p:nvGrpSpPr>
@@ -75,15 +178,16 @@
           </a:prstGeom>
         </p:spPr>
         <p:txBody>
-          <a:bodyPr lIns="0" rIns="0" tIns="0" bIns="0" anchor="ctr"/>
-          <a:p>
-            <a:endParaRPr b="0" lang="en-US" sz="1800" spc="-1" strike="noStrike">
+          <a:bodyPr lIns="0" tIns="0" rIns="0" bIns="0" anchor="ctr"/>
+          <a:lstStyle/>
+          <a:p>
+            <a:endParaRPr lang="en-US" sz="1800" b="0" strike="noStrike" spc="-1">
               <a:solidFill>
                 <a:srgbClr val="000000"/>
               </a:solidFill>
               <a:uFill>
                 <a:solidFill>
-                  <a:srgbClr val="ffffff"/>
+                  <a:srgbClr val="FFFFFF"/>
                 </a:solidFill>
               </a:uFill>
               <a:latin typeface="Gill Sans MT"/>
@@ -111,15 +215,16 @@
           </a:prstGeom>
         </p:spPr>
         <p:txBody>
-          <a:bodyPr lIns="0" rIns="0" tIns="0" bIns="0"/>
-          <a:p>
-            <a:endParaRPr b="0" lang="en-US" sz="1800" spc="-1" strike="noStrike">
+          <a:bodyPr lIns="0" tIns="0" rIns="0" bIns="0"/>
+          <a:lstStyle/>
+          <a:p>
+            <a:endParaRPr lang="en-US" sz="1800" b="0" strike="noStrike" spc="-1">
               <a:solidFill>
                 <a:srgbClr val="262626"/>
               </a:solidFill>
               <a:uFill>
                 <a:solidFill>
-                  <a:srgbClr val="ffffff"/>
+                  <a:srgbClr val="FFFFFF"/>
                 </a:solidFill>
               </a:uFill>
               <a:latin typeface="Gill Sans MT"/>
@@ -147,15 +252,16 @@
           </a:prstGeom>
         </p:spPr>
         <p:txBody>
-          <a:bodyPr lIns="0" rIns="0" tIns="0" bIns="0"/>
-          <a:p>
-            <a:endParaRPr b="0" lang="en-US" sz="1800" spc="-1" strike="noStrike">
+          <a:bodyPr lIns="0" tIns="0" rIns="0" bIns="0"/>
+          <a:lstStyle/>
+          <a:p>
+            <a:endParaRPr lang="en-US" sz="1800" b="0" strike="noStrike" spc="-1">
               <a:solidFill>
                 <a:srgbClr val="262626"/>
               </a:solidFill>
               <a:uFill>
                 <a:solidFill>
-                  <a:srgbClr val="ffffff"/>
+                  <a:srgbClr val="FFFFFF"/>
                 </a:solidFill>
               </a:uFill>
               <a:latin typeface="Gill Sans MT"/>
@@ -165,11 +271,14 @@
       </p:sp>
     </p:spTree>
   </p:cSld>
+  <p:clrMapOvr>
+    <a:masterClrMapping/>
+  </p:clrMapOvr>
 </p:sldLayout>
 </file>
 
 <file path=ppt/slideLayouts/slideLayout11.xml><?xml version="1.0" encoding="utf-8"?>
-<p:sldLayout xmlns:a="http://schemas.openxmlformats.org/drawingml/2006/main" xmlns:p="http://schemas.openxmlformats.org/presentationml/2006/main" xmlns:r="http://schemas.openxmlformats.org/officeDocument/2006/relationships" xmlns:p14="http://schemas.microsoft.com/office/powerpoint/2010/main" xmlns:p15="http://schemas.microsoft.com/office/powerpoint/2012/main" xmlns:mc="http://schemas.openxmlformats.org/markup-compatibility/2006" type="fourObj" preserve="1">
+<p:sldLayout xmlns:a="http://schemas.openxmlformats.org/drawingml/2006/main" xmlns:r="http://schemas.openxmlformats.org/officeDocument/2006/relationships" xmlns:p="http://schemas.openxmlformats.org/presentationml/2006/main" type="fourObj" preserve="1">
   <p:cSld name="Title, 4 Content">
     <p:spTree>
       <p:nvGrpSpPr>
@@ -205,15 +314,16 @@
           </a:prstGeom>
         </p:spPr>
         <p:txBody>
-          <a:bodyPr lIns="0" rIns="0" tIns="0" bIns="0" anchor="ctr"/>
-          <a:p>
-            <a:endParaRPr b="0" lang="en-US" sz="1800" spc="-1" strike="noStrike">
+          <a:bodyPr lIns="0" tIns="0" rIns="0" bIns="0" anchor="ctr"/>
+          <a:lstStyle/>
+          <a:p>
+            <a:endParaRPr lang="en-US" sz="1800" b="0" strike="noStrike" spc="-1">
               <a:solidFill>
                 <a:srgbClr val="000000"/>
               </a:solidFill>
               <a:uFill>
                 <a:solidFill>
-                  <a:srgbClr val="ffffff"/>
+                  <a:srgbClr val="FFFFFF"/>
                 </a:solidFill>
               </a:uFill>
               <a:latin typeface="Gill Sans MT"/>
@@ -241,15 +351,16 @@
           </a:prstGeom>
         </p:spPr>
         <p:txBody>
-          <a:bodyPr lIns="0" rIns="0" tIns="0" bIns="0"/>
-          <a:p>
-            <a:endParaRPr b="0" lang="en-US" sz="1800" spc="-1" strike="noStrike">
+          <a:bodyPr lIns="0" tIns="0" rIns="0" bIns="0"/>
+          <a:lstStyle/>
+          <a:p>
+            <a:endParaRPr lang="en-US" sz="1800" b="0" strike="noStrike" spc="-1">
               <a:solidFill>
                 <a:srgbClr val="262626"/>
               </a:solidFill>
               <a:uFill>
                 <a:solidFill>
-                  <a:srgbClr val="ffffff"/>
+                  <a:srgbClr val="FFFFFF"/>
                 </a:solidFill>
               </a:uFill>
               <a:latin typeface="Gill Sans MT"/>
@@ -277,15 +388,16 @@
           </a:prstGeom>
         </p:spPr>
         <p:txBody>
-          <a:bodyPr lIns="0" rIns="0" tIns="0" bIns="0"/>
-          <a:p>
-            <a:endParaRPr b="0" lang="en-US" sz="1800" spc="-1" strike="noStrike">
+          <a:bodyPr lIns="0" tIns="0" rIns="0" bIns="0"/>
+          <a:lstStyle/>
+          <a:p>
+            <a:endParaRPr lang="en-US" sz="1800" b="0" strike="noStrike" spc="-1">
               <a:solidFill>
                 <a:srgbClr val="262626"/>
               </a:solidFill>
               <a:uFill>
                 <a:solidFill>
-                  <a:srgbClr val="ffffff"/>
+                  <a:srgbClr val="FFFFFF"/>
                 </a:solidFill>
               </a:uFill>
               <a:latin typeface="Gill Sans MT"/>
@@ -313,15 +425,16 @@
           </a:prstGeom>
         </p:spPr>
         <p:txBody>
-          <a:bodyPr lIns="0" rIns="0" tIns="0" bIns="0"/>
-          <a:p>
-            <a:endParaRPr b="0" lang="en-US" sz="1800" spc="-1" strike="noStrike">
+          <a:bodyPr lIns="0" tIns="0" rIns="0" bIns="0"/>
+          <a:lstStyle/>
+          <a:p>
+            <a:endParaRPr lang="en-US" sz="1800" b="0" strike="noStrike" spc="-1">
               <a:solidFill>
                 <a:srgbClr val="262626"/>
               </a:solidFill>
               <a:uFill>
                 <a:solidFill>
-                  <a:srgbClr val="ffffff"/>
+                  <a:srgbClr val="FFFFFF"/>
                 </a:solidFill>
               </a:uFill>
               <a:latin typeface="Gill Sans MT"/>
@@ -349,15 +462,16 @@
           </a:prstGeom>
         </p:spPr>
         <p:txBody>
-          <a:bodyPr lIns="0" rIns="0" tIns="0" bIns="0"/>
-          <a:p>
-            <a:endParaRPr b="0" lang="en-US" sz="1800" spc="-1" strike="noStrike">
+          <a:bodyPr lIns="0" tIns="0" rIns="0" bIns="0"/>
+          <a:lstStyle/>
+          <a:p>
+            <a:endParaRPr lang="en-US" sz="1800" b="0" strike="noStrike" spc="-1">
               <a:solidFill>
                 <a:srgbClr val="262626"/>
               </a:solidFill>
               <a:uFill>
                 <a:solidFill>
-                  <a:srgbClr val="ffffff"/>
+                  <a:srgbClr val="FFFFFF"/>
                 </a:solidFill>
               </a:uFill>
               <a:latin typeface="Gill Sans MT"/>
@@ -367,11 +481,14 @@
       </p:sp>
     </p:spTree>
   </p:cSld>
+  <p:clrMapOvr>
+    <a:masterClrMapping/>
+  </p:clrMapOvr>
 </p:sldLayout>
 </file>
 
 <file path=ppt/slideLayouts/slideLayout12.xml><?xml version="1.0" encoding="utf-8"?>
-<p:sldLayout xmlns:a="http://schemas.openxmlformats.org/drawingml/2006/main" xmlns:p="http://schemas.openxmlformats.org/presentationml/2006/main" xmlns:r="http://schemas.openxmlformats.org/officeDocument/2006/relationships" xmlns:p14="http://schemas.microsoft.com/office/powerpoint/2010/main" xmlns:p15="http://schemas.microsoft.com/office/powerpoint/2012/main" xmlns:mc="http://schemas.openxmlformats.org/markup-compatibility/2006" type="blank" preserve="1">
+<p:sldLayout xmlns:a="http://schemas.openxmlformats.org/drawingml/2006/main" xmlns:r="http://schemas.openxmlformats.org/officeDocument/2006/relationships" xmlns:p="http://schemas.openxmlformats.org/presentationml/2006/main" type="blank" preserve="1">
   <p:cSld name="Title, 6 Content">
     <p:spTree>
       <p:nvGrpSpPr>
@@ -407,15 +524,16 @@
           </a:prstGeom>
         </p:spPr>
         <p:txBody>
-          <a:bodyPr lIns="0" rIns="0" tIns="0" bIns="0" anchor="ctr"/>
-          <a:p>
-            <a:endParaRPr b="0" lang="en-US" sz="1800" spc="-1" strike="noStrike">
+          <a:bodyPr lIns="0" tIns="0" rIns="0" bIns="0" anchor="ctr"/>
+          <a:lstStyle/>
+          <a:p>
+            <a:endParaRPr lang="en-US" sz="1800" b="0" strike="noStrike" spc="-1">
               <a:solidFill>
                 <a:srgbClr val="000000"/>
               </a:solidFill>
               <a:uFill>
                 <a:solidFill>
-                  <a:srgbClr val="ffffff"/>
+                  <a:srgbClr val="FFFFFF"/>
                 </a:solidFill>
               </a:uFill>
               <a:latin typeface="Gill Sans MT"/>
@@ -443,15 +561,16 @@
           </a:prstGeom>
         </p:spPr>
         <p:txBody>
-          <a:bodyPr lIns="0" rIns="0" tIns="0" bIns="0"/>
-          <a:p>
-            <a:endParaRPr b="0" lang="en-US" sz="1800" spc="-1" strike="noStrike">
+          <a:bodyPr lIns="0" tIns="0" rIns="0" bIns="0"/>
+          <a:lstStyle/>
+          <a:p>
+            <a:endParaRPr lang="en-US" sz="1800" b="0" strike="noStrike" spc="-1">
               <a:solidFill>
                 <a:srgbClr val="262626"/>
               </a:solidFill>
               <a:uFill>
                 <a:solidFill>
-                  <a:srgbClr val="ffffff"/>
+                  <a:srgbClr val="FFFFFF"/>
                 </a:solidFill>
               </a:uFill>
               <a:latin typeface="Gill Sans MT"/>
@@ -479,15 +598,16 @@
           </a:prstGeom>
         </p:spPr>
         <p:txBody>
-          <a:bodyPr lIns="0" rIns="0" tIns="0" bIns="0"/>
-          <a:p>
-            <a:endParaRPr b="0" lang="en-US" sz="1800" spc="-1" strike="noStrike">
+          <a:bodyPr lIns="0" tIns="0" rIns="0" bIns="0"/>
+          <a:lstStyle/>
+          <a:p>
+            <a:endParaRPr lang="en-US" sz="1800" b="0" strike="noStrike" spc="-1">
               <a:solidFill>
                 <a:srgbClr val="262626"/>
               </a:solidFill>
               <a:uFill>
                 <a:solidFill>
-                  <a:srgbClr val="ffffff"/>
+                  <a:srgbClr val="FFFFFF"/>
                 </a:solidFill>
               </a:uFill>
               <a:latin typeface="Gill Sans MT"/>
@@ -497,7 +617,7 @@
       </p:sp>
       <p:pic>
         <p:nvPicPr>
-          <p:cNvPr id="37" name="" descr=""/>
+          <p:cNvPr id="37" name="Picture 36"/>
           <p:cNvPicPr/>
           <p:nvPr/>
         </p:nvPicPr>
@@ -520,12 +640,12 @@
       </p:pic>
       <p:pic>
         <p:nvPicPr>
-          <p:cNvPr id="38" name="" descr=""/>
+          <p:cNvPr id="38" name="Picture 37"/>
           <p:cNvPicPr/>
           <p:nvPr/>
         </p:nvPicPr>
         <p:blipFill>
-          <a:blip r:embed="rId3"/>
+          <a:blip r:embed="rId2"/>
           <a:stretch/>
         </p:blipFill>
         <p:spPr>
@@ -543,11 +663,14 @@
       </p:pic>
     </p:spTree>
   </p:cSld>
+  <p:clrMapOvr>
+    <a:masterClrMapping/>
+  </p:clrMapOvr>
 </p:sldLayout>
 </file>
 
 <file path=ppt/slideLayouts/slideLayout13.xml><?xml version="1.0" encoding="utf-8"?>
-<p:sldLayout xmlns:a="http://schemas.openxmlformats.org/drawingml/2006/main" xmlns:p="http://schemas.openxmlformats.org/presentationml/2006/main" xmlns:r="http://schemas.openxmlformats.org/officeDocument/2006/relationships" xmlns:p14="http://schemas.microsoft.com/office/powerpoint/2010/main" xmlns:p15="http://schemas.microsoft.com/office/powerpoint/2012/main" xmlns:mc="http://schemas.openxmlformats.org/markup-compatibility/2006" type="blank" preserve="1">
+<p:sldLayout xmlns:a="http://schemas.openxmlformats.org/drawingml/2006/main" xmlns:r="http://schemas.openxmlformats.org/officeDocument/2006/relationships" xmlns:p="http://schemas.openxmlformats.org/presentationml/2006/main" type="blank" preserve="1">
   <p:cSld name="Blank Slide">
     <p:spTree>
       <p:nvGrpSpPr>
@@ -565,11 +688,14 @@
       </p:grpSpPr>
     </p:spTree>
   </p:cSld>
+  <p:clrMapOvr>
+    <a:masterClrMapping/>
+  </p:clrMapOvr>
 </p:sldLayout>
 </file>
 
 <file path=ppt/slideLayouts/slideLayout14.xml><?xml version="1.0" encoding="utf-8"?>
-<p:sldLayout xmlns:a="http://schemas.openxmlformats.org/drawingml/2006/main" xmlns:p="http://schemas.openxmlformats.org/presentationml/2006/main" xmlns:r="http://schemas.openxmlformats.org/officeDocument/2006/relationships" xmlns:p14="http://schemas.microsoft.com/office/powerpoint/2010/main" xmlns:p15="http://schemas.microsoft.com/office/powerpoint/2012/main" xmlns:mc="http://schemas.openxmlformats.org/markup-compatibility/2006" type="tx" preserve="1">
+<p:sldLayout xmlns:a="http://schemas.openxmlformats.org/drawingml/2006/main" xmlns:r="http://schemas.openxmlformats.org/officeDocument/2006/relationships" xmlns:p="http://schemas.openxmlformats.org/presentationml/2006/main" type="tx" preserve="1">
   <p:cSld name="Title Slide">
     <p:spTree>
       <p:nvGrpSpPr>
@@ -605,15 +731,16 @@
           </a:prstGeom>
         </p:spPr>
         <p:txBody>
-          <a:bodyPr lIns="0" rIns="0" tIns="0" bIns="0" anchor="ctr"/>
-          <a:p>
-            <a:endParaRPr b="0" lang="en-US" sz="1800" spc="-1" strike="noStrike">
+          <a:bodyPr lIns="0" tIns="0" rIns="0" bIns="0" anchor="ctr"/>
+          <a:lstStyle/>
+          <a:p>
+            <a:endParaRPr lang="en-US" sz="1800" b="0" strike="noStrike" spc="-1">
               <a:solidFill>
                 <a:srgbClr val="000000"/>
               </a:solidFill>
               <a:uFill>
                 <a:solidFill>
-                  <a:srgbClr val="ffffff"/>
+                  <a:srgbClr val="FFFFFF"/>
                 </a:solidFill>
               </a:uFill>
               <a:latin typeface="Gill Sans MT"/>
@@ -641,16 +768,17 @@
           </a:prstGeom>
         </p:spPr>
         <p:txBody>
-          <a:bodyPr lIns="0" rIns="0" tIns="0" bIns="0" anchor="ctr"/>
+          <a:bodyPr lIns="0" tIns="0" rIns="0" bIns="0" anchor="ctr"/>
+          <a:lstStyle/>
           <a:p>
             <a:pPr algn="ctr"/>
-            <a:endParaRPr b="0" lang="en-US" sz="3200" spc="-1" strike="noStrike">
+            <a:endParaRPr lang="en-US" sz="3200" b="0" strike="noStrike" spc="-1">
               <a:solidFill>
                 <a:srgbClr val="000000"/>
               </a:solidFill>
               <a:uFill>
                 <a:solidFill>
-                  <a:srgbClr val="ffffff"/>
+                  <a:srgbClr val="FFFFFF"/>
                 </a:solidFill>
               </a:uFill>
               <a:latin typeface="Arial"/>
@@ -660,11 +788,14 @@
       </p:sp>
     </p:spTree>
   </p:cSld>
+  <p:clrMapOvr>
+    <a:masterClrMapping/>
+  </p:clrMapOvr>
 </p:sldLayout>
 </file>
 
 <file path=ppt/slideLayouts/slideLayout15.xml><?xml version="1.0" encoding="utf-8"?>
-<p:sldLayout xmlns:a="http://schemas.openxmlformats.org/drawingml/2006/main" xmlns:p="http://schemas.openxmlformats.org/presentationml/2006/main" xmlns:r="http://schemas.openxmlformats.org/officeDocument/2006/relationships" xmlns:p14="http://schemas.microsoft.com/office/powerpoint/2010/main" xmlns:p15="http://schemas.microsoft.com/office/powerpoint/2012/main" xmlns:mc="http://schemas.openxmlformats.org/markup-compatibility/2006" type="obj" preserve="1">
+<p:sldLayout xmlns:a="http://schemas.openxmlformats.org/drawingml/2006/main" xmlns:r="http://schemas.openxmlformats.org/officeDocument/2006/relationships" xmlns:p="http://schemas.openxmlformats.org/presentationml/2006/main" type="obj" preserve="1">
   <p:cSld name="Title, Content">
     <p:spTree>
       <p:nvGrpSpPr>
@@ -700,15 +831,16 @@
           </a:prstGeom>
         </p:spPr>
         <p:txBody>
-          <a:bodyPr lIns="0" rIns="0" tIns="0" bIns="0" anchor="ctr"/>
-          <a:p>
-            <a:endParaRPr b="0" lang="en-US" sz="1800" spc="-1" strike="noStrike">
+          <a:bodyPr lIns="0" tIns="0" rIns="0" bIns="0" anchor="ctr"/>
+          <a:lstStyle/>
+          <a:p>
+            <a:endParaRPr lang="en-US" sz="1800" b="0" strike="noStrike" spc="-1">
               <a:solidFill>
                 <a:srgbClr val="000000"/>
               </a:solidFill>
               <a:uFill>
                 <a:solidFill>
-                  <a:srgbClr val="ffffff"/>
+                  <a:srgbClr val="FFFFFF"/>
                 </a:solidFill>
               </a:uFill>
               <a:latin typeface="Gill Sans MT"/>
@@ -736,15 +868,16 @@
           </a:prstGeom>
         </p:spPr>
         <p:txBody>
-          <a:bodyPr lIns="0" rIns="0" tIns="0" bIns="0"/>
-          <a:p>
-            <a:endParaRPr b="0" lang="en-US" sz="1800" spc="-1" strike="noStrike">
+          <a:bodyPr lIns="0" tIns="0" rIns="0" bIns="0"/>
+          <a:lstStyle/>
+          <a:p>
+            <a:endParaRPr lang="en-US" sz="1800" b="0" strike="noStrike" spc="-1">
               <a:solidFill>
                 <a:srgbClr val="262626"/>
               </a:solidFill>
               <a:uFill>
                 <a:solidFill>
-                  <a:srgbClr val="ffffff"/>
+                  <a:srgbClr val="FFFFFF"/>
                 </a:solidFill>
               </a:uFill>
               <a:latin typeface="Gill Sans MT"/>
@@ -754,11 +887,14 @@
       </p:sp>
     </p:spTree>
   </p:cSld>
+  <p:clrMapOvr>
+    <a:masterClrMapping/>
+  </p:clrMapOvr>
 </p:sldLayout>
 </file>
 
 <file path=ppt/slideLayouts/slideLayout16.xml><?xml version="1.0" encoding="utf-8"?>
-<p:sldLayout xmlns:a="http://schemas.openxmlformats.org/drawingml/2006/main" xmlns:p="http://schemas.openxmlformats.org/presentationml/2006/main" xmlns:r="http://schemas.openxmlformats.org/officeDocument/2006/relationships" xmlns:p14="http://schemas.microsoft.com/office/powerpoint/2010/main" xmlns:p15="http://schemas.microsoft.com/office/powerpoint/2012/main" xmlns:mc="http://schemas.openxmlformats.org/markup-compatibility/2006" type="twoObj" preserve="1">
+<p:sldLayout xmlns:a="http://schemas.openxmlformats.org/drawingml/2006/main" xmlns:r="http://schemas.openxmlformats.org/officeDocument/2006/relationships" xmlns:p="http://schemas.openxmlformats.org/presentationml/2006/main" type="twoObj" preserve="1">
   <p:cSld name="Title, 2 Content">
     <p:spTree>
       <p:nvGrpSpPr>
@@ -794,15 +930,16 @@
           </a:prstGeom>
         </p:spPr>
         <p:txBody>
-          <a:bodyPr lIns="0" rIns="0" tIns="0" bIns="0" anchor="ctr"/>
-          <a:p>
-            <a:endParaRPr b="0" lang="en-US" sz="1800" spc="-1" strike="noStrike">
+          <a:bodyPr lIns="0" tIns="0" rIns="0" bIns="0" anchor="ctr"/>
+          <a:lstStyle/>
+          <a:p>
+            <a:endParaRPr lang="en-US" sz="1800" b="0" strike="noStrike" spc="-1">
               <a:solidFill>
                 <a:srgbClr val="000000"/>
               </a:solidFill>
               <a:uFill>
                 <a:solidFill>
-                  <a:srgbClr val="ffffff"/>
+                  <a:srgbClr val="FFFFFF"/>
                 </a:solidFill>
               </a:uFill>
               <a:latin typeface="Gill Sans MT"/>
@@ -830,15 +967,16 @@
           </a:prstGeom>
         </p:spPr>
         <p:txBody>
-          <a:bodyPr lIns="0" rIns="0" tIns="0" bIns="0"/>
-          <a:p>
-            <a:endParaRPr b="0" lang="en-US" sz="1800" spc="-1" strike="noStrike">
+          <a:bodyPr lIns="0" tIns="0" rIns="0" bIns="0"/>
+          <a:lstStyle/>
+          <a:p>
+            <a:endParaRPr lang="en-US" sz="1800" b="0" strike="noStrike" spc="-1">
               <a:solidFill>
                 <a:srgbClr val="262626"/>
               </a:solidFill>
               <a:uFill>
                 <a:solidFill>
-                  <a:srgbClr val="ffffff"/>
+                  <a:srgbClr val="FFFFFF"/>
                 </a:solidFill>
               </a:uFill>
               <a:latin typeface="Gill Sans MT"/>
@@ -866,15 +1004,16 @@
           </a:prstGeom>
         </p:spPr>
         <p:txBody>
-          <a:bodyPr lIns="0" rIns="0" tIns="0" bIns="0"/>
-          <a:p>
-            <a:endParaRPr b="0" lang="en-US" sz="1800" spc="-1" strike="noStrike">
+          <a:bodyPr lIns="0" tIns="0" rIns="0" bIns="0"/>
+          <a:lstStyle/>
+          <a:p>
+            <a:endParaRPr lang="en-US" sz="1800" b="0" strike="noStrike" spc="-1">
               <a:solidFill>
                 <a:srgbClr val="262626"/>
               </a:solidFill>
               <a:uFill>
                 <a:solidFill>
-                  <a:srgbClr val="ffffff"/>
+                  <a:srgbClr val="FFFFFF"/>
                 </a:solidFill>
               </a:uFill>
               <a:latin typeface="Gill Sans MT"/>
@@ -884,11 +1023,14 @@
       </p:sp>
     </p:spTree>
   </p:cSld>
+  <p:clrMapOvr>
+    <a:masterClrMapping/>
+  </p:clrMapOvr>
 </p:sldLayout>
 </file>
 
 <file path=ppt/slideLayouts/slideLayout17.xml><?xml version="1.0" encoding="utf-8"?>
-<p:sldLayout xmlns:a="http://schemas.openxmlformats.org/drawingml/2006/main" xmlns:p="http://schemas.openxmlformats.org/presentationml/2006/main" xmlns:r="http://schemas.openxmlformats.org/officeDocument/2006/relationships" xmlns:p14="http://schemas.microsoft.com/office/powerpoint/2010/main" xmlns:p15="http://schemas.microsoft.com/office/powerpoint/2012/main" xmlns:mc="http://schemas.openxmlformats.org/markup-compatibility/2006" type="titleOnly" preserve="1">
+<p:sldLayout xmlns:a="http://schemas.openxmlformats.org/drawingml/2006/main" xmlns:r="http://schemas.openxmlformats.org/officeDocument/2006/relationships" xmlns:p="http://schemas.openxmlformats.org/presentationml/2006/main" type="titleOnly" preserve="1">
   <p:cSld name="Title Only">
     <p:spTree>
       <p:nvGrpSpPr>
@@ -924,15 +1066,16 @@
           </a:prstGeom>
         </p:spPr>
         <p:txBody>
-          <a:bodyPr lIns="0" rIns="0" tIns="0" bIns="0" anchor="ctr"/>
-          <a:p>
-            <a:endParaRPr b="0" lang="en-US" sz="1800" spc="-1" strike="noStrike">
+          <a:bodyPr lIns="0" tIns="0" rIns="0" bIns="0" anchor="ctr"/>
+          <a:lstStyle/>
+          <a:p>
+            <a:endParaRPr lang="en-US" sz="1800" b="0" strike="noStrike" spc="-1">
               <a:solidFill>
                 <a:srgbClr val="000000"/>
               </a:solidFill>
               <a:uFill>
                 <a:solidFill>
-                  <a:srgbClr val="ffffff"/>
+                  <a:srgbClr val="FFFFFF"/>
                 </a:solidFill>
               </a:uFill>
               <a:latin typeface="Gill Sans MT"/>
@@ -942,11 +1085,14 @@
       </p:sp>
     </p:spTree>
   </p:cSld>
+  <p:clrMapOvr>
+    <a:masterClrMapping/>
+  </p:clrMapOvr>
 </p:sldLayout>
 </file>
 
 <file path=ppt/slideLayouts/slideLayout18.xml><?xml version="1.0" encoding="utf-8"?>
-<p:sldLayout xmlns:a="http://schemas.openxmlformats.org/drawingml/2006/main" xmlns:p="http://schemas.openxmlformats.org/presentationml/2006/main" xmlns:r="http://schemas.openxmlformats.org/officeDocument/2006/relationships" xmlns:p14="http://schemas.microsoft.com/office/powerpoint/2010/main" xmlns:p15="http://schemas.microsoft.com/office/powerpoint/2012/main" xmlns:mc="http://schemas.openxmlformats.org/markup-compatibility/2006" type="objOnly" preserve="1">
+<p:sldLayout xmlns:a="http://schemas.openxmlformats.org/drawingml/2006/main" xmlns:r="http://schemas.openxmlformats.org/officeDocument/2006/relationships" xmlns:p="http://schemas.openxmlformats.org/presentationml/2006/main" type="objOnly" preserve="1">
   <p:cSld name="Centered Text">
     <p:spTree>
       <p:nvGrpSpPr>
@@ -982,16 +1128,17 @@
           </a:prstGeom>
         </p:spPr>
         <p:txBody>
-          <a:bodyPr lIns="0" rIns="0" tIns="0" bIns="0" anchor="ctr"/>
+          <a:bodyPr lIns="0" tIns="0" rIns="0" bIns="0" anchor="ctr"/>
+          <a:lstStyle/>
           <a:p>
             <a:pPr algn="ctr"/>
-            <a:endParaRPr b="0" lang="en-US" sz="3200" spc="-1" strike="noStrike">
+            <a:endParaRPr lang="en-US" sz="3200" b="0" strike="noStrike" spc="-1">
               <a:solidFill>
                 <a:srgbClr val="000000"/>
               </a:solidFill>
               <a:uFill>
                 <a:solidFill>
-                  <a:srgbClr val="ffffff"/>
+                  <a:srgbClr val="FFFFFF"/>
                 </a:solidFill>
               </a:uFill>
               <a:latin typeface="Arial"/>
@@ -1001,11 +1148,14 @@
       </p:sp>
     </p:spTree>
   </p:cSld>
+  <p:clrMapOvr>
+    <a:masterClrMapping/>
+  </p:clrMapOvr>
 </p:sldLayout>
 </file>
 
 <file path=ppt/slideLayouts/slideLayout19.xml><?xml version="1.0" encoding="utf-8"?>
-<p:sldLayout xmlns:a="http://schemas.openxmlformats.org/drawingml/2006/main" xmlns:p="http://schemas.openxmlformats.org/presentationml/2006/main" xmlns:r="http://schemas.openxmlformats.org/officeDocument/2006/relationships" xmlns:p14="http://schemas.microsoft.com/office/powerpoint/2010/main" xmlns:p15="http://schemas.microsoft.com/office/powerpoint/2012/main" xmlns:mc="http://schemas.openxmlformats.org/markup-compatibility/2006" type="twoObjAndObj" preserve="1">
+<p:sldLayout xmlns:a="http://schemas.openxmlformats.org/drawingml/2006/main" xmlns:r="http://schemas.openxmlformats.org/officeDocument/2006/relationships" xmlns:p="http://schemas.openxmlformats.org/presentationml/2006/main" type="twoObjAndObj" preserve="1">
   <p:cSld name="Title, 2 Content and Content">
     <p:spTree>
       <p:nvGrpSpPr>
@@ -1041,15 +1191,16 @@
           </a:prstGeom>
         </p:spPr>
         <p:txBody>
-          <a:bodyPr lIns="0" rIns="0" tIns="0" bIns="0" anchor="ctr"/>
-          <a:p>
-            <a:endParaRPr b="0" lang="en-US" sz="1800" spc="-1" strike="noStrike">
+          <a:bodyPr lIns="0" tIns="0" rIns="0" bIns="0" anchor="ctr"/>
+          <a:lstStyle/>
+          <a:p>
+            <a:endParaRPr lang="en-US" sz="1800" b="0" strike="noStrike" spc="-1">
               <a:solidFill>
                 <a:srgbClr val="000000"/>
               </a:solidFill>
               <a:uFill>
                 <a:solidFill>
-                  <a:srgbClr val="ffffff"/>
+                  <a:srgbClr val="FFFFFF"/>
                 </a:solidFill>
               </a:uFill>
               <a:latin typeface="Gill Sans MT"/>
@@ -1077,15 +1228,16 @@
           </a:prstGeom>
         </p:spPr>
         <p:txBody>
-          <a:bodyPr lIns="0" rIns="0" tIns="0" bIns="0"/>
-          <a:p>
-            <a:endParaRPr b="0" lang="en-US" sz="1800" spc="-1" strike="noStrike">
+          <a:bodyPr lIns="0" tIns="0" rIns="0" bIns="0"/>
+          <a:lstStyle/>
+          <a:p>
+            <a:endParaRPr lang="en-US" sz="1800" b="0" strike="noStrike" spc="-1">
               <a:solidFill>
                 <a:srgbClr val="262626"/>
               </a:solidFill>
               <a:uFill>
                 <a:solidFill>
-                  <a:srgbClr val="ffffff"/>
+                  <a:srgbClr val="FFFFFF"/>
                 </a:solidFill>
               </a:uFill>
               <a:latin typeface="Gill Sans MT"/>
@@ -1113,15 +1265,16 @@
           </a:prstGeom>
         </p:spPr>
         <p:txBody>
-          <a:bodyPr lIns="0" rIns="0" tIns="0" bIns="0"/>
-          <a:p>
-            <a:endParaRPr b="0" lang="en-US" sz="1800" spc="-1" strike="noStrike">
+          <a:bodyPr lIns="0" tIns="0" rIns="0" bIns="0"/>
+          <a:lstStyle/>
+          <a:p>
+            <a:endParaRPr lang="en-US" sz="1800" b="0" strike="noStrike" spc="-1">
               <a:solidFill>
                 <a:srgbClr val="262626"/>
               </a:solidFill>
               <a:uFill>
                 <a:solidFill>
-                  <a:srgbClr val="ffffff"/>
+                  <a:srgbClr val="FFFFFF"/>
                 </a:solidFill>
               </a:uFill>
               <a:latin typeface="Gill Sans MT"/>
@@ -1149,15 +1302,16 @@
           </a:prstGeom>
         </p:spPr>
         <p:txBody>
-          <a:bodyPr lIns="0" rIns="0" tIns="0" bIns="0"/>
-          <a:p>
-            <a:endParaRPr b="0" lang="en-US" sz="1800" spc="-1" strike="noStrike">
+          <a:bodyPr lIns="0" tIns="0" rIns="0" bIns="0"/>
+          <a:lstStyle/>
+          <a:p>
+            <a:endParaRPr lang="en-US" sz="1800" b="0" strike="noStrike" spc="-1">
               <a:solidFill>
                 <a:srgbClr val="262626"/>
               </a:solidFill>
               <a:uFill>
                 <a:solidFill>
-                  <a:srgbClr val="ffffff"/>
+                  <a:srgbClr val="FFFFFF"/>
                 </a:solidFill>
               </a:uFill>
               <a:latin typeface="Gill Sans MT"/>
@@ -1167,11 +1321,14 @@
       </p:sp>
     </p:spTree>
   </p:cSld>
+  <p:clrMapOvr>
+    <a:masterClrMapping/>
+  </p:clrMapOvr>
 </p:sldLayout>
 </file>
 
 <file path=ppt/slideLayouts/slideLayout2.xml><?xml version="1.0" encoding="utf-8"?>
-<p:sldLayout xmlns:a="http://schemas.openxmlformats.org/drawingml/2006/main" xmlns:p="http://schemas.openxmlformats.org/presentationml/2006/main" xmlns:r="http://schemas.openxmlformats.org/officeDocument/2006/relationships" xmlns:p14="http://schemas.microsoft.com/office/powerpoint/2010/main" xmlns:p15="http://schemas.microsoft.com/office/powerpoint/2012/main" xmlns:mc="http://schemas.openxmlformats.org/markup-compatibility/2006" type="tx" preserve="1">
+<p:sldLayout xmlns:a="http://schemas.openxmlformats.org/drawingml/2006/main" xmlns:r="http://schemas.openxmlformats.org/officeDocument/2006/relationships" xmlns:p="http://schemas.openxmlformats.org/presentationml/2006/main" type="tx" preserve="1">
   <p:cSld name="Title Slide">
     <p:spTree>
       <p:nvGrpSpPr>
@@ -1207,15 +1364,16 @@
           </a:prstGeom>
         </p:spPr>
         <p:txBody>
-          <a:bodyPr lIns="0" rIns="0" tIns="0" bIns="0" anchor="ctr"/>
-          <a:p>
-            <a:endParaRPr b="0" lang="en-US" sz="1800" spc="-1" strike="noStrike">
+          <a:bodyPr lIns="0" tIns="0" rIns="0" bIns="0" anchor="ctr"/>
+          <a:lstStyle/>
+          <a:p>
+            <a:endParaRPr lang="en-US" sz="1800" b="0" strike="noStrike" spc="-1">
               <a:solidFill>
                 <a:srgbClr val="000000"/>
               </a:solidFill>
               <a:uFill>
                 <a:solidFill>
-                  <a:srgbClr val="ffffff"/>
+                  <a:srgbClr val="FFFFFF"/>
                 </a:solidFill>
               </a:uFill>
               <a:latin typeface="Gill Sans MT"/>
@@ -1243,16 +1401,17 @@
           </a:prstGeom>
         </p:spPr>
         <p:txBody>
-          <a:bodyPr lIns="0" rIns="0" tIns="0" bIns="0" anchor="ctr"/>
+          <a:bodyPr lIns="0" tIns="0" rIns="0" bIns="0" anchor="ctr"/>
+          <a:lstStyle/>
           <a:p>
             <a:pPr algn="ctr"/>
-            <a:endParaRPr b="0" lang="en-US" sz="3200" spc="-1" strike="noStrike">
+            <a:endParaRPr lang="en-US" sz="3200" b="0" strike="noStrike" spc="-1">
               <a:solidFill>
                 <a:srgbClr val="000000"/>
               </a:solidFill>
               <a:uFill>
                 <a:solidFill>
-                  <a:srgbClr val="ffffff"/>
+                  <a:srgbClr val="FFFFFF"/>
                 </a:solidFill>
               </a:uFill>
               <a:latin typeface="Arial"/>
@@ -1262,11 +1421,14 @@
       </p:sp>
     </p:spTree>
   </p:cSld>
+  <p:clrMapOvr>
+    <a:masterClrMapping/>
+  </p:clrMapOvr>
 </p:sldLayout>
 </file>
 
 <file path=ppt/slideLayouts/slideLayout20.xml><?xml version="1.0" encoding="utf-8"?>
-<p:sldLayout xmlns:a="http://schemas.openxmlformats.org/drawingml/2006/main" xmlns:p="http://schemas.openxmlformats.org/presentationml/2006/main" xmlns:r="http://schemas.openxmlformats.org/officeDocument/2006/relationships" xmlns:p14="http://schemas.microsoft.com/office/powerpoint/2010/main" xmlns:p15="http://schemas.microsoft.com/office/powerpoint/2012/main" xmlns:mc="http://schemas.openxmlformats.org/markup-compatibility/2006" type="objAndTwoObj" preserve="1">
+<p:sldLayout xmlns:a="http://schemas.openxmlformats.org/drawingml/2006/main" xmlns:r="http://schemas.openxmlformats.org/officeDocument/2006/relationships" xmlns:p="http://schemas.openxmlformats.org/presentationml/2006/main" type="objAndTwoObj" preserve="1">
   <p:cSld name="Title Content and 2 Content">
     <p:spTree>
       <p:nvGrpSpPr>
@@ -1302,15 +1464,16 @@
           </a:prstGeom>
         </p:spPr>
         <p:txBody>
-          <a:bodyPr lIns="0" rIns="0" tIns="0" bIns="0" anchor="ctr"/>
-          <a:p>
-            <a:endParaRPr b="0" lang="en-US" sz="1800" spc="-1" strike="noStrike">
+          <a:bodyPr lIns="0" tIns="0" rIns="0" bIns="0" anchor="ctr"/>
+          <a:lstStyle/>
+          <a:p>
+            <a:endParaRPr lang="en-US" sz="1800" b="0" strike="noStrike" spc="-1">
               <a:solidFill>
                 <a:srgbClr val="000000"/>
               </a:solidFill>
               <a:uFill>
                 <a:solidFill>
-                  <a:srgbClr val="ffffff"/>
+                  <a:srgbClr val="FFFFFF"/>
                 </a:solidFill>
               </a:uFill>
               <a:latin typeface="Gill Sans MT"/>
@@ -1338,15 +1501,16 @@
           </a:prstGeom>
         </p:spPr>
         <p:txBody>
-          <a:bodyPr lIns="0" rIns="0" tIns="0" bIns="0"/>
-          <a:p>
-            <a:endParaRPr b="0" lang="en-US" sz="1800" spc="-1" strike="noStrike">
+          <a:bodyPr lIns="0" tIns="0" rIns="0" bIns="0"/>
+          <a:lstStyle/>
+          <a:p>
+            <a:endParaRPr lang="en-US" sz="1800" b="0" strike="noStrike" spc="-1">
               <a:solidFill>
                 <a:srgbClr val="262626"/>
               </a:solidFill>
               <a:uFill>
                 <a:solidFill>
-                  <a:srgbClr val="ffffff"/>
+                  <a:srgbClr val="FFFFFF"/>
                 </a:solidFill>
               </a:uFill>
               <a:latin typeface="Gill Sans MT"/>
@@ -1374,15 +1538,16 @@
           </a:prstGeom>
         </p:spPr>
         <p:txBody>
-          <a:bodyPr lIns="0" rIns="0" tIns="0" bIns="0"/>
-          <a:p>
-            <a:endParaRPr b="0" lang="en-US" sz="1800" spc="-1" strike="noStrike">
+          <a:bodyPr lIns="0" tIns="0" rIns="0" bIns="0"/>
+          <a:lstStyle/>
+          <a:p>
+            <a:endParaRPr lang="en-US" sz="1800" b="0" strike="noStrike" spc="-1">
               <a:solidFill>
                 <a:srgbClr val="262626"/>
               </a:solidFill>
               <a:uFill>
                 <a:solidFill>
-                  <a:srgbClr val="ffffff"/>
+                  <a:srgbClr val="FFFFFF"/>
                 </a:solidFill>
               </a:uFill>
               <a:latin typeface="Gill Sans MT"/>
@@ -1410,15 +1575,16 @@
           </a:prstGeom>
         </p:spPr>
         <p:txBody>
-          <a:bodyPr lIns="0" rIns="0" tIns="0" bIns="0"/>
-          <a:p>
-            <a:endParaRPr b="0" lang="en-US" sz="1800" spc="-1" strike="noStrike">
+          <a:bodyPr lIns="0" tIns="0" rIns="0" bIns="0"/>
+          <a:lstStyle/>
+          <a:p>
+            <a:endParaRPr lang="en-US" sz="1800" b="0" strike="noStrike" spc="-1">
               <a:solidFill>
                 <a:srgbClr val="262626"/>
               </a:solidFill>
               <a:uFill>
                 <a:solidFill>
-                  <a:srgbClr val="ffffff"/>
+                  <a:srgbClr val="FFFFFF"/>
                 </a:solidFill>
               </a:uFill>
               <a:latin typeface="Gill Sans MT"/>
@@ -1428,11 +1594,14 @@
       </p:sp>
     </p:spTree>
   </p:cSld>
+  <p:clrMapOvr>
+    <a:masterClrMapping/>
+  </p:clrMapOvr>
 </p:sldLayout>
 </file>
 
 <file path=ppt/slideLayouts/slideLayout21.xml><?xml version="1.0" encoding="utf-8"?>
-<p:sldLayout xmlns:a="http://schemas.openxmlformats.org/drawingml/2006/main" xmlns:p="http://schemas.openxmlformats.org/presentationml/2006/main" xmlns:r="http://schemas.openxmlformats.org/officeDocument/2006/relationships" xmlns:p14="http://schemas.microsoft.com/office/powerpoint/2010/main" xmlns:p15="http://schemas.microsoft.com/office/powerpoint/2012/main" xmlns:mc="http://schemas.openxmlformats.org/markup-compatibility/2006" type="twoObjOverTx" preserve="1">
+<p:sldLayout xmlns:a="http://schemas.openxmlformats.org/drawingml/2006/main" xmlns:r="http://schemas.openxmlformats.org/officeDocument/2006/relationships" xmlns:p="http://schemas.openxmlformats.org/presentationml/2006/main" type="twoObjOverTx" preserve="1">
   <p:cSld name="Title, 2 Content over Content">
     <p:spTree>
       <p:nvGrpSpPr>
@@ -1468,15 +1637,16 @@
           </a:prstGeom>
         </p:spPr>
         <p:txBody>
-          <a:bodyPr lIns="0" rIns="0" tIns="0" bIns="0" anchor="ctr"/>
-          <a:p>
-            <a:endParaRPr b="0" lang="en-US" sz="1800" spc="-1" strike="noStrike">
+          <a:bodyPr lIns="0" tIns="0" rIns="0" bIns="0" anchor="ctr"/>
+          <a:lstStyle/>
+          <a:p>
+            <a:endParaRPr lang="en-US" sz="1800" b="0" strike="noStrike" spc="-1">
               <a:solidFill>
                 <a:srgbClr val="000000"/>
               </a:solidFill>
               <a:uFill>
                 <a:solidFill>
-                  <a:srgbClr val="ffffff"/>
+                  <a:srgbClr val="FFFFFF"/>
                 </a:solidFill>
               </a:uFill>
               <a:latin typeface="Gill Sans MT"/>
@@ -1504,15 +1674,16 @@
           </a:prstGeom>
         </p:spPr>
         <p:txBody>
-          <a:bodyPr lIns="0" rIns="0" tIns="0" bIns="0"/>
-          <a:p>
-            <a:endParaRPr b="0" lang="en-US" sz="1800" spc="-1" strike="noStrike">
+          <a:bodyPr lIns="0" tIns="0" rIns="0" bIns="0"/>
+          <a:lstStyle/>
+          <a:p>
+            <a:endParaRPr lang="en-US" sz="1800" b="0" strike="noStrike" spc="-1">
               <a:solidFill>
                 <a:srgbClr val="262626"/>
               </a:solidFill>
               <a:uFill>
                 <a:solidFill>
-                  <a:srgbClr val="ffffff"/>
+                  <a:srgbClr val="FFFFFF"/>
                 </a:solidFill>
               </a:uFill>
               <a:latin typeface="Gill Sans MT"/>
@@ -1540,15 +1711,16 @@
           </a:prstGeom>
         </p:spPr>
         <p:txBody>
-          <a:bodyPr lIns="0" rIns="0" tIns="0" bIns="0"/>
-          <a:p>
-            <a:endParaRPr b="0" lang="en-US" sz="1800" spc="-1" strike="noStrike">
+          <a:bodyPr lIns="0" tIns="0" rIns="0" bIns="0"/>
+          <a:lstStyle/>
+          <a:p>
+            <a:endParaRPr lang="en-US" sz="1800" b="0" strike="noStrike" spc="-1">
               <a:solidFill>
                 <a:srgbClr val="262626"/>
               </a:solidFill>
               <a:uFill>
                 <a:solidFill>
-                  <a:srgbClr val="ffffff"/>
+                  <a:srgbClr val="FFFFFF"/>
                 </a:solidFill>
               </a:uFill>
               <a:latin typeface="Gill Sans MT"/>
@@ -1576,15 +1748,16 @@
           </a:prstGeom>
         </p:spPr>
         <p:txBody>
-          <a:bodyPr lIns="0" rIns="0" tIns="0" bIns="0"/>
-          <a:p>
-            <a:endParaRPr b="0" lang="en-US" sz="1800" spc="-1" strike="noStrike">
+          <a:bodyPr lIns="0" tIns="0" rIns="0" bIns="0"/>
+          <a:lstStyle/>
+          <a:p>
+            <a:endParaRPr lang="en-US" sz="1800" b="0" strike="noStrike" spc="-1">
               <a:solidFill>
                 <a:srgbClr val="262626"/>
               </a:solidFill>
               <a:uFill>
                 <a:solidFill>
-                  <a:srgbClr val="ffffff"/>
+                  <a:srgbClr val="FFFFFF"/>
                 </a:solidFill>
               </a:uFill>
               <a:latin typeface="Gill Sans MT"/>
@@ -1594,11 +1767,14 @@
       </p:sp>
     </p:spTree>
   </p:cSld>
+  <p:clrMapOvr>
+    <a:masterClrMapping/>
+  </p:clrMapOvr>
 </p:sldLayout>
 </file>
 
 <file path=ppt/slideLayouts/slideLayout22.xml><?xml version="1.0" encoding="utf-8"?>
-<p:sldLayout xmlns:a="http://schemas.openxmlformats.org/drawingml/2006/main" xmlns:p="http://schemas.openxmlformats.org/presentationml/2006/main" xmlns:r="http://schemas.openxmlformats.org/officeDocument/2006/relationships" xmlns:p14="http://schemas.microsoft.com/office/powerpoint/2010/main" xmlns:p15="http://schemas.microsoft.com/office/powerpoint/2012/main" xmlns:mc="http://schemas.openxmlformats.org/markup-compatibility/2006" type="objOverTx" preserve="1">
+<p:sldLayout xmlns:a="http://schemas.openxmlformats.org/drawingml/2006/main" xmlns:r="http://schemas.openxmlformats.org/officeDocument/2006/relationships" xmlns:p="http://schemas.openxmlformats.org/presentationml/2006/main" type="objOverTx" preserve="1">
   <p:cSld name="Title, Content over Content">
     <p:spTree>
       <p:nvGrpSpPr>
@@ -1634,15 +1810,16 @@
           </a:prstGeom>
         </p:spPr>
         <p:txBody>
-          <a:bodyPr lIns="0" rIns="0" tIns="0" bIns="0" anchor="ctr"/>
-          <a:p>
-            <a:endParaRPr b="0" lang="en-US" sz="1800" spc="-1" strike="noStrike">
+          <a:bodyPr lIns="0" tIns="0" rIns="0" bIns="0" anchor="ctr"/>
+          <a:lstStyle/>
+          <a:p>
+            <a:endParaRPr lang="en-US" sz="1800" b="0" strike="noStrike" spc="-1">
               <a:solidFill>
                 <a:srgbClr val="000000"/>
               </a:solidFill>
               <a:uFill>
                 <a:solidFill>
-                  <a:srgbClr val="ffffff"/>
+                  <a:srgbClr val="FFFFFF"/>
                 </a:solidFill>
               </a:uFill>
               <a:latin typeface="Gill Sans MT"/>
@@ -1670,15 +1847,16 @@
           </a:prstGeom>
         </p:spPr>
         <p:txBody>
-          <a:bodyPr lIns="0" rIns="0" tIns="0" bIns="0"/>
-          <a:p>
-            <a:endParaRPr b="0" lang="en-US" sz="1800" spc="-1" strike="noStrike">
+          <a:bodyPr lIns="0" tIns="0" rIns="0" bIns="0"/>
+          <a:lstStyle/>
+          <a:p>
+            <a:endParaRPr lang="en-US" sz="1800" b="0" strike="noStrike" spc="-1">
               <a:solidFill>
                 <a:srgbClr val="262626"/>
               </a:solidFill>
               <a:uFill>
                 <a:solidFill>
-                  <a:srgbClr val="ffffff"/>
+                  <a:srgbClr val="FFFFFF"/>
                 </a:solidFill>
               </a:uFill>
               <a:latin typeface="Gill Sans MT"/>
@@ -1706,15 +1884,16 @@
           </a:prstGeom>
         </p:spPr>
         <p:txBody>
-          <a:bodyPr lIns="0" rIns="0" tIns="0" bIns="0"/>
-          <a:p>
-            <a:endParaRPr b="0" lang="en-US" sz="1800" spc="-1" strike="noStrike">
+          <a:bodyPr lIns="0" tIns="0" rIns="0" bIns="0"/>
+          <a:lstStyle/>
+          <a:p>
+            <a:endParaRPr lang="en-US" sz="1800" b="0" strike="noStrike" spc="-1">
               <a:solidFill>
                 <a:srgbClr val="262626"/>
               </a:solidFill>
               <a:uFill>
                 <a:solidFill>
-                  <a:srgbClr val="ffffff"/>
+                  <a:srgbClr val="FFFFFF"/>
                 </a:solidFill>
               </a:uFill>
               <a:latin typeface="Gill Sans MT"/>
@@ -1724,11 +1903,14 @@
       </p:sp>
     </p:spTree>
   </p:cSld>
+  <p:clrMapOvr>
+    <a:masterClrMapping/>
+  </p:clrMapOvr>
 </p:sldLayout>
 </file>
 
 <file path=ppt/slideLayouts/slideLayout23.xml><?xml version="1.0" encoding="utf-8"?>
-<p:sldLayout xmlns:a="http://schemas.openxmlformats.org/drawingml/2006/main" xmlns:p="http://schemas.openxmlformats.org/presentationml/2006/main" xmlns:r="http://schemas.openxmlformats.org/officeDocument/2006/relationships" xmlns:p14="http://schemas.microsoft.com/office/powerpoint/2010/main" xmlns:p15="http://schemas.microsoft.com/office/powerpoint/2012/main" xmlns:mc="http://schemas.openxmlformats.org/markup-compatibility/2006" type="fourObj" preserve="1">
+<p:sldLayout xmlns:a="http://schemas.openxmlformats.org/drawingml/2006/main" xmlns:r="http://schemas.openxmlformats.org/officeDocument/2006/relationships" xmlns:p="http://schemas.openxmlformats.org/presentationml/2006/main" type="fourObj" preserve="1">
   <p:cSld name="Title, 4 Content">
     <p:spTree>
       <p:nvGrpSpPr>
@@ -1764,15 +1946,16 @@
           </a:prstGeom>
         </p:spPr>
         <p:txBody>
-          <a:bodyPr lIns="0" rIns="0" tIns="0" bIns="0" anchor="ctr"/>
-          <a:p>
-            <a:endParaRPr b="0" lang="en-US" sz="1800" spc="-1" strike="noStrike">
+          <a:bodyPr lIns="0" tIns="0" rIns="0" bIns="0" anchor="ctr"/>
+          <a:lstStyle/>
+          <a:p>
+            <a:endParaRPr lang="en-US" sz="1800" b="0" strike="noStrike" spc="-1">
               <a:solidFill>
                 <a:srgbClr val="000000"/>
               </a:solidFill>
               <a:uFill>
                 <a:solidFill>
-                  <a:srgbClr val="ffffff"/>
+                  <a:srgbClr val="FFFFFF"/>
                 </a:solidFill>
               </a:uFill>
               <a:latin typeface="Gill Sans MT"/>
@@ -1800,15 +1983,16 @@
           </a:prstGeom>
         </p:spPr>
         <p:txBody>
-          <a:bodyPr lIns="0" rIns="0" tIns="0" bIns="0"/>
-          <a:p>
-            <a:endParaRPr b="0" lang="en-US" sz="1800" spc="-1" strike="noStrike">
+          <a:bodyPr lIns="0" tIns="0" rIns="0" bIns="0"/>
+          <a:lstStyle/>
+          <a:p>
+            <a:endParaRPr lang="en-US" sz="1800" b="0" strike="noStrike" spc="-1">
               <a:solidFill>
                 <a:srgbClr val="262626"/>
               </a:solidFill>
               <a:uFill>
                 <a:solidFill>
-                  <a:srgbClr val="ffffff"/>
+                  <a:srgbClr val="FFFFFF"/>
                 </a:solidFill>
               </a:uFill>
               <a:latin typeface="Gill Sans MT"/>
@@ -1836,15 +2020,16 @@
           </a:prstGeom>
         </p:spPr>
         <p:txBody>
-          <a:bodyPr lIns="0" rIns="0" tIns="0" bIns="0"/>
-          <a:p>
-            <a:endParaRPr b="0" lang="en-US" sz="1800" spc="-1" strike="noStrike">
+          <a:bodyPr lIns="0" tIns="0" rIns="0" bIns="0"/>
+          <a:lstStyle/>
+          <a:p>
+            <a:endParaRPr lang="en-US" sz="1800" b="0" strike="noStrike" spc="-1">
               <a:solidFill>
                 <a:srgbClr val="262626"/>
               </a:solidFill>
               <a:uFill>
                 <a:solidFill>
-                  <a:srgbClr val="ffffff"/>
+                  <a:srgbClr val="FFFFFF"/>
                 </a:solidFill>
               </a:uFill>
               <a:latin typeface="Gill Sans MT"/>
@@ -1872,15 +2057,16 @@
           </a:prstGeom>
         </p:spPr>
         <p:txBody>
-          <a:bodyPr lIns="0" rIns="0" tIns="0" bIns="0"/>
-          <a:p>
-            <a:endParaRPr b="0" lang="en-US" sz="1800" spc="-1" strike="noStrike">
+          <a:bodyPr lIns="0" tIns="0" rIns="0" bIns="0"/>
+          <a:lstStyle/>
+          <a:p>
+            <a:endParaRPr lang="en-US" sz="1800" b="0" strike="noStrike" spc="-1">
               <a:solidFill>
                 <a:srgbClr val="262626"/>
               </a:solidFill>
               <a:uFill>
                 <a:solidFill>
-                  <a:srgbClr val="ffffff"/>
+                  <a:srgbClr val="FFFFFF"/>
                 </a:solidFill>
               </a:uFill>
               <a:latin typeface="Gill Sans MT"/>
@@ -1908,15 +2094,16 @@
           </a:prstGeom>
         </p:spPr>
         <p:txBody>
-          <a:bodyPr lIns="0" rIns="0" tIns="0" bIns="0"/>
-          <a:p>
-            <a:endParaRPr b="0" lang="en-US" sz="1800" spc="-1" strike="noStrike">
+          <a:bodyPr lIns="0" tIns="0" rIns="0" bIns="0"/>
+          <a:lstStyle/>
+          <a:p>
+            <a:endParaRPr lang="en-US" sz="1800" b="0" strike="noStrike" spc="-1">
               <a:solidFill>
                 <a:srgbClr val="262626"/>
               </a:solidFill>
               <a:uFill>
                 <a:solidFill>
-                  <a:srgbClr val="ffffff"/>
+                  <a:srgbClr val="FFFFFF"/>
                 </a:solidFill>
               </a:uFill>
               <a:latin typeface="Gill Sans MT"/>
@@ -1926,11 +2113,14 @@
       </p:sp>
     </p:spTree>
   </p:cSld>
+  <p:clrMapOvr>
+    <a:masterClrMapping/>
+  </p:clrMapOvr>
 </p:sldLayout>
 </file>
 
 <file path=ppt/slideLayouts/slideLayout24.xml><?xml version="1.0" encoding="utf-8"?>
-<p:sldLayout xmlns:a="http://schemas.openxmlformats.org/drawingml/2006/main" xmlns:p="http://schemas.openxmlformats.org/presentationml/2006/main" xmlns:r="http://schemas.openxmlformats.org/officeDocument/2006/relationships" xmlns:p14="http://schemas.microsoft.com/office/powerpoint/2010/main" xmlns:p15="http://schemas.microsoft.com/office/powerpoint/2012/main" xmlns:mc="http://schemas.openxmlformats.org/markup-compatibility/2006" type="blank" preserve="1">
+<p:sldLayout xmlns:a="http://schemas.openxmlformats.org/drawingml/2006/main" xmlns:r="http://schemas.openxmlformats.org/officeDocument/2006/relationships" xmlns:p="http://schemas.openxmlformats.org/presentationml/2006/main" type="blank" preserve="1">
   <p:cSld name="Title, 6 Content">
     <p:spTree>
       <p:nvGrpSpPr>
@@ -1966,15 +2156,16 @@
           </a:prstGeom>
         </p:spPr>
         <p:txBody>
-          <a:bodyPr lIns="0" rIns="0" tIns="0" bIns="0" anchor="ctr"/>
-          <a:p>
-            <a:endParaRPr b="0" lang="en-US" sz="1800" spc="-1" strike="noStrike">
+          <a:bodyPr lIns="0" tIns="0" rIns="0" bIns="0" anchor="ctr"/>
+          <a:lstStyle/>
+          <a:p>
+            <a:endParaRPr lang="en-US" sz="1800" b="0" strike="noStrike" spc="-1">
               <a:solidFill>
                 <a:srgbClr val="000000"/>
               </a:solidFill>
               <a:uFill>
                 <a:solidFill>
-                  <a:srgbClr val="ffffff"/>
+                  <a:srgbClr val="FFFFFF"/>
                 </a:solidFill>
               </a:uFill>
               <a:latin typeface="Gill Sans MT"/>
@@ -2002,15 +2193,16 @@
           </a:prstGeom>
         </p:spPr>
         <p:txBody>
-          <a:bodyPr lIns="0" rIns="0" tIns="0" bIns="0"/>
-          <a:p>
-            <a:endParaRPr b="0" lang="en-US" sz="1800" spc="-1" strike="noStrike">
+          <a:bodyPr lIns="0" tIns="0" rIns="0" bIns="0"/>
+          <a:lstStyle/>
+          <a:p>
+            <a:endParaRPr lang="en-US" sz="1800" b="0" strike="noStrike" spc="-1">
               <a:solidFill>
                 <a:srgbClr val="262626"/>
               </a:solidFill>
               <a:uFill>
                 <a:solidFill>
-                  <a:srgbClr val="ffffff"/>
+                  <a:srgbClr val="FFFFFF"/>
                 </a:solidFill>
               </a:uFill>
               <a:latin typeface="Gill Sans MT"/>
@@ -2038,15 +2230,16 @@
           </a:prstGeom>
         </p:spPr>
         <p:txBody>
-          <a:bodyPr lIns="0" rIns="0" tIns="0" bIns="0"/>
-          <a:p>
-            <a:endParaRPr b="0" lang="en-US" sz="1800" spc="-1" strike="noStrike">
+          <a:bodyPr lIns="0" tIns="0" rIns="0" bIns="0"/>
+          <a:lstStyle/>
+          <a:p>
+            <a:endParaRPr lang="en-US" sz="1800" b="0" strike="noStrike" spc="-1">
               <a:solidFill>
                 <a:srgbClr val="262626"/>
               </a:solidFill>
               <a:uFill>
                 <a:solidFill>
-                  <a:srgbClr val="ffffff"/>
+                  <a:srgbClr val="FFFFFF"/>
                 </a:solidFill>
               </a:uFill>
               <a:latin typeface="Gill Sans MT"/>
@@ -2056,7 +2249,7 @@
       </p:sp>
       <p:pic>
         <p:nvPicPr>
-          <p:cNvPr id="76" name="" descr=""/>
+          <p:cNvPr id="76" name="Picture 75"/>
           <p:cNvPicPr/>
           <p:nvPr/>
         </p:nvPicPr>
@@ -2079,12 +2272,12 @@
       </p:pic>
       <p:pic>
         <p:nvPicPr>
-          <p:cNvPr id="77" name="" descr=""/>
+          <p:cNvPr id="77" name="Picture 76"/>
           <p:cNvPicPr/>
           <p:nvPr/>
         </p:nvPicPr>
         <p:blipFill>
-          <a:blip r:embed="rId3"/>
+          <a:blip r:embed="rId2"/>
           <a:stretch/>
         </p:blipFill>
         <p:spPr>
@@ -2102,11 +2295,14 @@
       </p:pic>
     </p:spTree>
   </p:cSld>
+  <p:clrMapOvr>
+    <a:masterClrMapping/>
+  </p:clrMapOvr>
 </p:sldLayout>
 </file>
 
 <file path=ppt/slideLayouts/slideLayout3.xml><?xml version="1.0" encoding="utf-8"?>
-<p:sldLayout xmlns:a="http://schemas.openxmlformats.org/drawingml/2006/main" xmlns:p="http://schemas.openxmlformats.org/presentationml/2006/main" xmlns:r="http://schemas.openxmlformats.org/officeDocument/2006/relationships" xmlns:p14="http://schemas.microsoft.com/office/powerpoint/2010/main" xmlns:p15="http://schemas.microsoft.com/office/powerpoint/2012/main" xmlns:mc="http://schemas.openxmlformats.org/markup-compatibility/2006" type="obj" preserve="1">
+<p:sldLayout xmlns:a="http://schemas.openxmlformats.org/drawingml/2006/main" xmlns:r="http://schemas.openxmlformats.org/officeDocument/2006/relationships" xmlns:p="http://schemas.openxmlformats.org/presentationml/2006/main" type="obj" preserve="1">
   <p:cSld name="Title, Content">
     <p:spTree>
       <p:nvGrpSpPr>
@@ -2142,15 +2338,16 @@
           </a:prstGeom>
         </p:spPr>
         <p:txBody>
-          <a:bodyPr lIns="0" rIns="0" tIns="0" bIns="0" anchor="ctr"/>
-          <a:p>
-            <a:endParaRPr b="0" lang="en-US" sz="1800" spc="-1" strike="noStrike">
+          <a:bodyPr lIns="0" tIns="0" rIns="0" bIns="0" anchor="ctr"/>
+          <a:lstStyle/>
+          <a:p>
+            <a:endParaRPr lang="en-US" sz="1800" b="0" strike="noStrike" spc="-1">
               <a:solidFill>
                 <a:srgbClr val="000000"/>
               </a:solidFill>
               <a:uFill>
                 <a:solidFill>
-                  <a:srgbClr val="ffffff"/>
+                  <a:srgbClr val="FFFFFF"/>
                 </a:solidFill>
               </a:uFill>
               <a:latin typeface="Gill Sans MT"/>
@@ -2178,15 +2375,16 @@
           </a:prstGeom>
         </p:spPr>
         <p:txBody>
-          <a:bodyPr lIns="0" rIns="0" tIns="0" bIns="0"/>
-          <a:p>
-            <a:endParaRPr b="0" lang="en-US" sz="1800" spc="-1" strike="noStrike">
+          <a:bodyPr lIns="0" tIns="0" rIns="0" bIns="0"/>
+          <a:lstStyle/>
+          <a:p>
+            <a:endParaRPr lang="en-US" sz="1800" b="0" strike="noStrike" spc="-1">
               <a:solidFill>
                 <a:srgbClr val="262626"/>
               </a:solidFill>
               <a:uFill>
                 <a:solidFill>
-                  <a:srgbClr val="ffffff"/>
+                  <a:srgbClr val="FFFFFF"/>
                 </a:solidFill>
               </a:uFill>
               <a:latin typeface="Gill Sans MT"/>
@@ -2196,11 +2394,14 @@
       </p:sp>
     </p:spTree>
   </p:cSld>
+  <p:clrMapOvr>
+    <a:masterClrMapping/>
+  </p:clrMapOvr>
 </p:sldLayout>
 </file>
 
 <file path=ppt/slideLayouts/slideLayout4.xml><?xml version="1.0" encoding="utf-8"?>
-<p:sldLayout xmlns:a="http://schemas.openxmlformats.org/drawingml/2006/main" xmlns:p="http://schemas.openxmlformats.org/presentationml/2006/main" xmlns:r="http://schemas.openxmlformats.org/officeDocument/2006/relationships" xmlns:p14="http://schemas.microsoft.com/office/powerpoint/2010/main" xmlns:p15="http://schemas.microsoft.com/office/powerpoint/2012/main" xmlns:mc="http://schemas.openxmlformats.org/markup-compatibility/2006" type="twoObj" preserve="1">
+<p:sldLayout xmlns:a="http://schemas.openxmlformats.org/drawingml/2006/main" xmlns:r="http://schemas.openxmlformats.org/officeDocument/2006/relationships" xmlns:p="http://schemas.openxmlformats.org/presentationml/2006/main" type="twoObj" preserve="1">
   <p:cSld name="Title, 2 Content">
     <p:spTree>
       <p:nvGrpSpPr>
@@ -2236,15 +2437,16 @@
           </a:prstGeom>
         </p:spPr>
         <p:txBody>
-          <a:bodyPr lIns="0" rIns="0" tIns="0" bIns="0" anchor="ctr"/>
-          <a:p>
-            <a:endParaRPr b="0" lang="en-US" sz="1800" spc="-1" strike="noStrike">
+          <a:bodyPr lIns="0" tIns="0" rIns="0" bIns="0" anchor="ctr"/>
+          <a:lstStyle/>
+          <a:p>
+            <a:endParaRPr lang="en-US" sz="1800" b="0" strike="noStrike" spc="-1">
               <a:solidFill>
                 <a:srgbClr val="000000"/>
               </a:solidFill>
               <a:uFill>
                 <a:solidFill>
-                  <a:srgbClr val="ffffff"/>
+                  <a:srgbClr val="FFFFFF"/>
                 </a:solidFill>
               </a:uFill>
               <a:latin typeface="Gill Sans MT"/>
@@ -2272,15 +2474,16 @@
           </a:prstGeom>
         </p:spPr>
         <p:txBody>
-          <a:bodyPr lIns="0" rIns="0" tIns="0" bIns="0"/>
-          <a:p>
-            <a:endParaRPr b="0" lang="en-US" sz="1800" spc="-1" strike="noStrike">
+          <a:bodyPr lIns="0" tIns="0" rIns="0" bIns="0"/>
+          <a:lstStyle/>
+          <a:p>
+            <a:endParaRPr lang="en-US" sz="1800" b="0" strike="noStrike" spc="-1">
               <a:solidFill>
                 <a:srgbClr val="262626"/>
               </a:solidFill>
               <a:uFill>
                 <a:solidFill>
-                  <a:srgbClr val="ffffff"/>
+                  <a:srgbClr val="FFFFFF"/>
                 </a:solidFill>
               </a:uFill>
               <a:latin typeface="Gill Sans MT"/>
@@ -2308,15 +2511,16 @@
           </a:prstGeom>
         </p:spPr>
         <p:txBody>
-          <a:bodyPr lIns="0" rIns="0" tIns="0" bIns="0"/>
-          <a:p>
-            <a:endParaRPr b="0" lang="en-US" sz="1800" spc="-1" strike="noStrike">
+          <a:bodyPr lIns="0" tIns="0" rIns="0" bIns="0"/>
+          <a:lstStyle/>
+          <a:p>
+            <a:endParaRPr lang="en-US" sz="1800" b="0" strike="noStrike" spc="-1">
               <a:solidFill>
                 <a:srgbClr val="262626"/>
               </a:solidFill>
               <a:uFill>
                 <a:solidFill>
-                  <a:srgbClr val="ffffff"/>
+                  <a:srgbClr val="FFFFFF"/>
                 </a:solidFill>
               </a:uFill>
               <a:latin typeface="Gill Sans MT"/>
@@ -2326,11 +2530,14 @@
       </p:sp>
     </p:spTree>
   </p:cSld>
+  <p:clrMapOvr>
+    <a:masterClrMapping/>
+  </p:clrMapOvr>
 </p:sldLayout>
 </file>
 
 <file path=ppt/slideLayouts/slideLayout5.xml><?xml version="1.0" encoding="utf-8"?>
-<p:sldLayout xmlns:a="http://schemas.openxmlformats.org/drawingml/2006/main" xmlns:p="http://schemas.openxmlformats.org/presentationml/2006/main" xmlns:r="http://schemas.openxmlformats.org/officeDocument/2006/relationships" xmlns:p14="http://schemas.microsoft.com/office/powerpoint/2010/main" xmlns:p15="http://schemas.microsoft.com/office/powerpoint/2012/main" xmlns:mc="http://schemas.openxmlformats.org/markup-compatibility/2006" type="titleOnly" preserve="1">
+<p:sldLayout xmlns:a="http://schemas.openxmlformats.org/drawingml/2006/main" xmlns:r="http://schemas.openxmlformats.org/officeDocument/2006/relationships" xmlns:p="http://schemas.openxmlformats.org/presentationml/2006/main" type="titleOnly" preserve="1">
   <p:cSld name="Title Only">
     <p:spTree>
       <p:nvGrpSpPr>
@@ -2366,15 +2573,16 @@
           </a:prstGeom>
         </p:spPr>
         <p:txBody>
-          <a:bodyPr lIns="0" rIns="0" tIns="0" bIns="0" anchor="ctr"/>
-          <a:p>
-            <a:endParaRPr b="0" lang="en-US" sz="1800" spc="-1" strike="noStrike">
+          <a:bodyPr lIns="0" tIns="0" rIns="0" bIns="0" anchor="ctr"/>
+          <a:lstStyle/>
+          <a:p>
+            <a:endParaRPr lang="en-US" sz="1800" b="0" strike="noStrike" spc="-1">
               <a:solidFill>
                 <a:srgbClr val="000000"/>
               </a:solidFill>
               <a:uFill>
                 <a:solidFill>
-                  <a:srgbClr val="ffffff"/>
+                  <a:srgbClr val="FFFFFF"/>
                 </a:solidFill>
               </a:uFill>
               <a:latin typeface="Gill Sans MT"/>
@@ -2384,11 +2592,14 @@
       </p:sp>
     </p:spTree>
   </p:cSld>
+  <p:clrMapOvr>
+    <a:masterClrMapping/>
+  </p:clrMapOvr>
 </p:sldLayout>
 </file>
 
 <file path=ppt/slideLayouts/slideLayout6.xml><?xml version="1.0" encoding="utf-8"?>
-<p:sldLayout xmlns:a="http://schemas.openxmlformats.org/drawingml/2006/main" xmlns:p="http://schemas.openxmlformats.org/presentationml/2006/main" xmlns:r="http://schemas.openxmlformats.org/officeDocument/2006/relationships" xmlns:p14="http://schemas.microsoft.com/office/powerpoint/2010/main" xmlns:p15="http://schemas.microsoft.com/office/powerpoint/2012/main" xmlns:mc="http://schemas.openxmlformats.org/markup-compatibility/2006" type="objOnly" preserve="1">
+<p:sldLayout xmlns:a="http://schemas.openxmlformats.org/drawingml/2006/main" xmlns:r="http://schemas.openxmlformats.org/officeDocument/2006/relationships" xmlns:p="http://schemas.openxmlformats.org/presentationml/2006/main" type="objOnly" preserve="1">
   <p:cSld name="Centered Text">
     <p:spTree>
       <p:nvGrpSpPr>
@@ -2424,16 +2635,17 @@
           </a:prstGeom>
         </p:spPr>
         <p:txBody>
-          <a:bodyPr lIns="0" rIns="0" tIns="0" bIns="0" anchor="ctr"/>
+          <a:bodyPr lIns="0" tIns="0" rIns="0" bIns="0" anchor="ctr"/>
+          <a:lstStyle/>
           <a:p>
             <a:pPr algn="ctr"/>
-            <a:endParaRPr b="0" lang="en-US" sz="3200" spc="-1" strike="noStrike">
+            <a:endParaRPr lang="en-US" sz="3200" b="0" strike="noStrike" spc="-1">
               <a:solidFill>
                 <a:srgbClr val="000000"/>
               </a:solidFill>
               <a:uFill>
                 <a:solidFill>
-                  <a:srgbClr val="ffffff"/>
+                  <a:srgbClr val="FFFFFF"/>
                 </a:solidFill>
               </a:uFill>
               <a:latin typeface="Arial"/>
@@ -2443,11 +2655,14 @@
       </p:sp>
     </p:spTree>
   </p:cSld>
+  <p:clrMapOvr>
+    <a:masterClrMapping/>
+  </p:clrMapOvr>
 </p:sldLayout>
 </file>
 
 <file path=ppt/slideLayouts/slideLayout7.xml><?xml version="1.0" encoding="utf-8"?>
-<p:sldLayout xmlns:a="http://schemas.openxmlformats.org/drawingml/2006/main" xmlns:p="http://schemas.openxmlformats.org/presentationml/2006/main" xmlns:r="http://schemas.openxmlformats.org/officeDocument/2006/relationships" xmlns:p14="http://schemas.microsoft.com/office/powerpoint/2010/main" xmlns:p15="http://schemas.microsoft.com/office/powerpoint/2012/main" xmlns:mc="http://schemas.openxmlformats.org/markup-compatibility/2006" type="twoObjAndObj" preserve="1">
+<p:sldLayout xmlns:a="http://schemas.openxmlformats.org/drawingml/2006/main" xmlns:r="http://schemas.openxmlformats.org/officeDocument/2006/relationships" xmlns:p="http://schemas.openxmlformats.org/presentationml/2006/main" type="twoObjAndObj" preserve="1">
   <p:cSld name="Title, 2 Content and Content">
     <p:spTree>
       <p:nvGrpSpPr>
@@ -2483,15 +2698,16 @@
           </a:prstGeom>
         </p:spPr>
         <p:txBody>
-          <a:bodyPr lIns="0" rIns="0" tIns="0" bIns="0" anchor="ctr"/>
-          <a:p>
-            <a:endParaRPr b="0" lang="en-US" sz="1800" spc="-1" strike="noStrike">
+          <a:bodyPr lIns="0" tIns="0" rIns="0" bIns="0" anchor="ctr"/>
+          <a:lstStyle/>
+          <a:p>
+            <a:endParaRPr lang="en-US" sz="1800" b="0" strike="noStrike" spc="-1">
               <a:solidFill>
                 <a:srgbClr val="000000"/>
               </a:solidFill>
               <a:uFill>
                 <a:solidFill>
-                  <a:srgbClr val="ffffff"/>
+                  <a:srgbClr val="FFFFFF"/>
                 </a:solidFill>
               </a:uFill>
               <a:latin typeface="Gill Sans MT"/>
@@ -2519,15 +2735,16 @@
           </a:prstGeom>
         </p:spPr>
         <p:txBody>
-          <a:bodyPr lIns="0" rIns="0" tIns="0" bIns="0"/>
-          <a:p>
-            <a:endParaRPr b="0" lang="en-US" sz="1800" spc="-1" strike="noStrike">
+          <a:bodyPr lIns="0" tIns="0" rIns="0" bIns="0"/>
+          <a:lstStyle/>
+          <a:p>
+            <a:endParaRPr lang="en-US" sz="1800" b="0" strike="noStrike" spc="-1">
               <a:solidFill>
                 <a:srgbClr val="262626"/>
               </a:solidFill>
               <a:uFill>
                 <a:solidFill>
-                  <a:srgbClr val="ffffff"/>
+                  <a:srgbClr val="FFFFFF"/>
                 </a:solidFill>
               </a:uFill>
               <a:latin typeface="Gill Sans MT"/>
@@ -2555,15 +2772,16 @@
           </a:prstGeom>
         </p:spPr>
         <p:txBody>
-          <a:bodyPr lIns="0" rIns="0" tIns="0" bIns="0"/>
-          <a:p>
-            <a:endParaRPr b="0" lang="en-US" sz="1800" spc="-1" strike="noStrike">
+          <a:bodyPr lIns="0" tIns="0" rIns="0" bIns="0"/>
+          <a:lstStyle/>
+          <a:p>
+            <a:endParaRPr lang="en-US" sz="1800" b="0" strike="noStrike" spc="-1">
               <a:solidFill>
                 <a:srgbClr val="262626"/>
               </a:solidFill>
               <a:uFill>
                 <a:solidFill>
-                  <a:srgbClr val="ffffff"/>
+                  <a:srgbClr val="FFFFFF"/>
                 </a:solidFill>
               </a:uFill>
               <a:latin typeface="Gill Sans MT"/>
@@ -2591,15 +2809,16 @@
           </a:prstGeom>
         </p:spPr>
         <p:txBody>
-          <a:bodyPr lIns="0" rIns="0" tIns="0" bIns="0"/>
-          <a:p>
-            <a:endParaRPr b="0" lang="en-US" sz="1800" spc="-1" strike="noStrike">
+          <a:bodyPr lIns="0" tIns="0" rIns="0" bIns="0"/>
+          <a:lstStyle/>
+          <a:p>
+            <a:endParaRPr lang="en-US" sz="1800" b="0" strike="noStrike" spc="-1">
               <a:solidFill>
                 <a:srgbClr val="262626"/>
               </a:solidFill>
               <a:uFill>
                 <a:solidFill>
-                  <a:srgbClr val="ffffff"/>
+                  <a:srgbClr val="FFFFFF"/>
                 </a:solidFill>
               </a:uFill>
               <a:latin typeface="Gill Sans MT"/>
@@ -2609,11 +2828,14 @@
       </p:sp>
     </p:spTree>
   </p:cSld>
+  <p:clrMapOvr>
+    <a:masterClrMapping/>
+  </p:clrMapOvr>
 </p:sldLayout>
 </file>
 
 <file path=ppt/slideLayouts/slideLayout8.xml><?xml version="1.0" encoding="utf-8"?>
-<p:sldLayout xmlns:a="http://schemas.openxmlformats.org/drawingml/2006/main" xmlns:p="http://schemas.openxmlformats.org/presentationml/2006/main" xmlns:r="http://schemas.openxmlformats.org/officeDocument/2006/relationships" xmlns:p14="http://schemas.microsoft.com/office/powerpoint/2010/main" xmlns:p15="http://schemas.microsoft.com/office/powerpoint/2012/main" xmlns:mc="http://schemas.openxmlformats.org/markup-compatibility/2006" type="objAndTwoObj" preserve="1">
+<p:sldLayout xmlns:a="http://schemas.openxmlformats.org/drawingml/2006/main" xmlns:r="http://schemas.openxmlformats.org/officeDocument/2006/relationships" xmlns:p="http://schemas.openxmlformats.org/presentationml/2006/main" type="objAndTwoObj" preserve="1">
   <p:cSld name="Title Content and 2 Content">
     <p:spTree>
       <p:nvGrpSpPr>
@@ -2649,15 +2871,16 @@
           </a:prstGeom>
         </p:spPr>
         <p:txBody>
-          <a:bodyPr lIns="0" rIns="0" tIns="0" bIns="0" anchor="ctr"/>
-          <a:p>
-            <a:endParaRPr b="0" lang="en-US" sz="1800" spc="-1" strike="noStrike">
+          <a:bodyPr lIns="0" tIns="0" rIns="0" bIns="0" anchor="ctr"/>
+          <a:lstStyle/>
+          <a:p>
+            <a:endParaRPr lang="en-US" sz="1800" b="0" strike="noStrike" spc="-1">
               <a:solidFill>
                 <a:srgbClr val="000000"/>
               </a:solidFill>
               <a:uFill>
                 <a:solidFill>
-                  <a:srgbClr val="ffffff"/>
+                  <a:srgbClr val="FFFFFF"/>
                 </a:solidFill>
               </a:uFill>
               <a:latin typeface="Gill Sans MT"/>
@@ -2685,15 +2908,16 @@
           </a:prstGeom>
         </p:spPr>
         <p:txBody>
-          <a:bodyPr lIns="0" rIns="0" tIns="0" bIns="0"/>
-          <a:p>
-            <a:endParaRPr b="0" lang="en-US" sz="1800" spc="-1" strike="noStrike">
+          <a:bodyPr lIns="0" tIns="0" rIns="0" bIns="0"/>
+          <a:lstStyle/>
+          <a:p>
+            <a:endParaRPr lang="en-US" sz="1800" b="0" strike="noStrike" spc="-1">
               <a:solidFill>
                 <a:srgbClr val="262626"/>
               </a:solidFill>
               <a:uFill>
                 <a:solidFill>
-                  <a:srgbClr val="ffffff"/>
+                  <a:srgbClr val="FFFFFF"/>
                 </a:solidFill>
               </a:uFill>
               <a:latin typeface="Gill Sans MT"/>
@@ -2721,15 +2945,16 @@
           </a:prstGeom>
         </p:spPr>
         <p:txBody>
-          <a:bodyPr lIns="0" rIns="0" tIns="0" bIns="0"/>
-          <a:p>
-            <a:endParaRPr b="0" lang="en-US" sz="1800" spc="-1" strike="noStrike">
+          <a:bodyPr lIns="0" tIns="0" rIns="0" bIns="0"/>
+          <a:lstStyle/>
+          <a:p>
+            <a:endParaRPr lang="en-US" sz="1800" b="0" strike="noStrike" spc="-1">
               <a:solidFill>
                 <a:srgbClr val="262626"/>
               </a:solidFill>
               <a:uFill>
                 <a:solidFill>
-                  <a:srgbClr val="ffffff"/>
+                  <a:srgbClr val="FFFFFF"/>
                 </a:solidFill>
               </a:uFill>
               <a:latin typeface="Gill Sans MT"/>
@@ -2757,15 +2982,16 @@
           </a:prstGeom>
         </p:spPr>
         <p:txBody>
-          <a:bodyPr lIns="0" rIns="0" tIns="0" bIns="0"/>
-          <a:p>
-            <a:endParaRPr b="0" lang="en-US" sz="1800" spc="-1" strike="noStrike">
+          <a:bodyPr lIns="0" tIns="0" rIns="0" bIns="0"/>
+          <a:lstStyle/>
+          <a:p>
+            <a:endParaRPr lang="en-US" sz="1800" b="0" strike="noStrike" spc="-1">
               <a:solidFill>
                 <a:srgbClr val="262626"/>
               </a:solidFill>
               <a:uFill>
                 <a:solidFill>
-                  <a:srgbClr val="ffffff"/>
+                  <a:srgbClr val="FFFFFF"/>
                 </a:solidFill>
               </a:uFill>
               <a:latin typeface="Gill Sans MT"/>
@@ -2775,11 +3001,14 @@
       </p:sp>
     </p:spTree>
   </p:cSld>
+  <p:clrMapOvr>
+    <a:masterClrMapping/>
+  </p:clrMapOvr>
 </p:sldLayout>
 </file>
 
 <file path=ppt/slideLayouts/slideLayout9.xml><?xml version="1.0" encoding="utf-8"?>
-<p:sldLayout xmlns:a="http://schemas.openxmlformats.org/drawingml/2006/main" xmlns:p="http://schemas.openxmlformats.org/presentationml/2006/main" xmlns:r="http://schemas.openxmlformats.org/officeDocument/2006/relationships" xmlns:p14="http://schemas.microsoft.com/office/powerpoint/2010/main" xmlns:p15="http://schemas.microsoft.com/office/powerpoint/2012/main" xmlns:mc="http://schemas.openxmlformats.org/markup-compatibility/2006" type="twoObjOverTx" preserve="1">
+<p:sldLayout xmlns:a="http://schemas.openxmlformats.org/drawingml/2006/main" xmlns:r="http://schemas.openxmlformats.org/officeDocument/2006/relationships" xmlns:p="http://schemas.openxmlformats.org/presentationml/2006/main" type="twoObjOverTx" preserve="1">
   <p:cSld name="Title, 2 Content over Content">
     <p:spTree>
       <p:nvGrpSpPr>
@@ -2815,15 +3044,16 @@
           </a:prstGeom>
         </p:spPr>
         <p:txBody>
-          <a:bodyPr lIns="0" rIns="0" tIns="0" bIns="0" anchor="ctr"/>
-          <a:p>
-            <a:endParaRPr b="0" lang="en-US" sz="1800" spc="-1" strike="noStrike">
+          <a:bodyPr lIns="0" tIns="0" rIns="0" bIns="0" anchor="ctr"/>
+          <a:lstStyle/>
+          <a:p>
+            <a:endParaRPr lang="en-US" sz="1800" b="0" strike="noStrike" spc="-1">
               <a:solidFill>
                 <a:srgbClr val="000000"/>
               </a:solidFill>
               <a:uFill>
                 <a:solidFill>
-                  <a:srgbClr val="ffffff"/>
+                  <a:srgbClr val="FFFFFF"/>
                 </a:solidFill>
               </a:uFill>
               <a:latin typeface="Gill Sans MT"/>
@@ -2851,15 +3081,16 @@
           </a:prstGeom>
         </p:spPr>
         <p:txBody>
-          <a:bodyPr lIns="0" rIns="0" tIns="0" bIns="0"/>
-          <a:p>
-            <a:endParaRPr b="0" lang="en-US" sz="1800" spc="-1" strike="noStrike">
+          <a:bodyPr lIns="0" tIns="0" rIns="0" bIns="0"/>
+          <a:lstStyle/>
+          <a:p>
+            <a:endParaRPr lang="en-US" sz="1800" b="0" strike="noStrike" spc="-1">
               <a:solidFill>
                 <a:srgbClr val="262626"/>
               </a:solidFill>
               <a:uFill>
                 <a:solidFill>
-                  <a:srgbClr val="ffffff"/>
+                  <a:srgbClr val="FFFFFF"/>
                 </a:solidFill>
               </a:uFill>
               <a:latin typeface="Gill Sans MT"/>
@@ -2887,15 +3118,16 @@
           </a:prstGeom>
         </p:spPr>
         <p:txBody>
-          <a:bodyPr lIns="0" rIns="0" tIns="0" bIns="0"/>
-          <a:p>
-            <a:endParaRPr b="0" lang="en-US" sz="1800" spc="-1" strike="noStrike">
+          <a:bodyPr lIns="0" tIns="0" rIns="0" bIns="0"/>
+          <a:lstStyle/>
+          <a:p>
+            <a:endParaRPr lang="en-US" sz="1800" b="0" strike="noStrike" spc="-1">
               <a:solidFill>
                 <a:srgbClr val="262626"/>
               </a:solidFill>
               <a:uFill>
                 <a:solidFill>
-                  <a:srgbClr val="ffffff"/>
+                  <a:srgbClr val="FFFFFF"/>
                 </a:solidFill>
               </a:uFill>
               <a:latin typeface="Gill Sans MT"/>
@@ -2923,15 +3155,16 @@
           </a:prstGeom>
         </p:spPr>
         <p:txBody>
-          <a:bodyPr lIns="0" rIns="0" tIns="0" bIns="0"/>
-          <a:p>
-            <a:endParaRPr b="0" lang="en-US" sz="1800" spc="-1" strike="noStrike">
+          <a:bodyPr lIns="0" tIns="0" rIns="0" bIns="0"/>
+          <a:lstStyle/>
+          <a:p>
+            <a:endParaRPr lang="en-US" sz="1800" b="0" strike="noStrike" spc="-1">
               <a:solidFill>
                 <a:srgbClr val="262626"/>
               </a:solidFill>
               <a:uFill>
                 <a:solidFill>
-                  <a:srgbClr val="ffffff"/>
+                  <a:srgbClr val="FFFFFF"/>
                 </a:solidFill>
               </a:uFill>
               <a:latin typeface="Gill Sans MT"/>
@@ -2941,17 +3174,21 @@
       </p:sp>
     </p:spTree>
   </p:cSld>
+  <p:clrMapOvr>
+    <a:masterClrMapping/>
+  </p:clrMapOvr>
 </p:sldLayout>
 </file>
 
 <file path=ppt/slideMasters/slideMaster1.xml><?xml version="1.0" encoding="utf-8"?>
-<p:sldMaster xmlns:a="http://schemas.openxmlformats.org/drawingml/2006/main" xmlns:p="http://schemas.openxmlformats.org/presentationml/2006/main" xmlns:r="http://schemas.openxmlformats.org/officeDocument/2006/relationships" xmlns:p14="http://schemas.microsoft.com/office/powerpoint/2010/main" xmlns:p15="http://schemas.microsoft.com/office/powerpoint/2012/main" xmlns:mc="http://schemas.openxmlformats.org/markup-compatibility/2006">
+<p:sldMaster xmlns:a="http://schemas.openxmlformats.org/drawingml/2006/main" xmlns:r="http://schemas.openxmlformats.org/officeDocument/2006/relationships" xmlns:p="http://schemas.openxmlformats.org/presentationml/2006/main">
   <p:cSld>
     <p:bg>
       <p:bgPr>
         <a:solidFill>
-          <a:srgbClr val="418ab3"/>
+          <a:srgbClr val="418AB3"/>
         </a:solidFill>
+        <a:effectLst/>
       </p:bgPr>
     </p:bg>
     <p:spTree>
@@ -2970,7 +3207,7 @@
       </p:grpSpPr>
       <p:sp>
         <p:nvSpPr>
-          <p:cNvPr id="0" name="PlaceHolder 1"/>
+          <p:cNvPr id="5" name="PlaceHolder 1"/>
           <p:cNvSpPr>
             <a:spLocks noGrp="1"/>
           </p:cNvSpPr>
@@ -2988,7 +3225,8 @@
           </a:prstGeom>
         </p:spPr>
         <p:txBody>
-          <a:bodyPr lIns="274320" rIns="274320" tIns="182880" bIns="182880" anchor="ctr" anchorCtr="1"/>
+          <a:bodyPr lIns="274320" tIns="182880" rIns="274320" bIns="182880" anchor="ctr" anchorCtr="1"/>
+          <a:lstStyle/>
           <a:p>
             <a:pPr algn="ctr">
               <a:lnSpc>
@@ -2996,50 +3234,36 @@
               </a:lnSpc>
             </a:pPr>
             <a:r>
-              <a:rPr b="0" lang="en-US" sz="3800" spc="199" strike="noStrike" cap="all">
+              <a:rPr lang="en-US" sz="3800" b="0" strike="noStrike" cap="all" spc="199">
                 <a:solidFill>
                   <a:srgbClr val="262626"/>
                 </a:solidFill>
                 <a:uFill>
                   <a:solidFill>
-                    <a:srgbClr val="ffffff"/>
+                    <a:srgbClr val="FFFFFF"/>
                   </a:solidFill>
                 </a:uFill>
                 <a:latin typeface="Gill Sans MT"/>
               </a:rPr>
-              <a:t>Click to edit Master </a:t>
+              <a:t>Click to edit Master title style</a:t>
             </a:r>
-            <a:r>
-              <a:rPr b="0" lang="en-US" sz="3800" spc="199" strike="noStrike" cap="all">
-                <a:solidFill>
-                  <a:srgbClr val="262626"/>
-                </a:solidFill>
-                <a:uFill>
-                  <a:solidFill>
-                    <a:srgbClr val="ffffff"/>
-                  </a:solidFill>
-                </a:uFill>
-                <a:latin typeface="Gill Sans MT"/>
-              </a:rPr>
-              <a:t>title style</a:t>
-            </a:r>
-            <a:endParaRPr b="0" lang="en-US" sz="1800" spc="-1" strike="noStrike">
-              <a:solidFill>
-                <a:srgbClr val="ffffff"/>
-              </a:solidFill>
-              <a:uFill>
-                <a:solidFill>
-                  <a:srgbClr val="ffffff"/>
-                </a:solidFill>
-              </a:uFill>
-              <a:latin typeface="Gill Sans MT"/>
-            </a:endParaRPr>
-          </a:p>
-        </p:txBody>
-      </p:sp>
-      <p:sp>
-        <p:nvSpPr>
-          <p:cNvPr id="1" name="PlaceHolder 2"/>
+            <a:endParaRPr lang="en-US" sz="1800" b="0" strike="noStrike" spc="-1">
+              <a:solidFill>
+                <a:srgbClr val="FFFFFF"/>
+              </a:solidFill>
+              <a:uFill>
+                <a:solidFill>
+                  <a:srgbClr val="FFFFFF"/>
+                </a:solidFill>
+              </a:uFill>
+              <a:latin typeface="Gill Sans MT"/>
+            </a:endParaRPr>
+          </a:p>
+        </p:txBody>
+      </p:sp>
+      <p:sp>
+        <p:nvSpPr>
+          <p:cNvPr id="6" name="PlaceHolder 2"/>
           <p:cNvSpPr>
             <a:spLocks noGrp="1"/>
           </p:cNvSpPr>
@@ -3058,6 +3282,7 @@
         </p:spPr>
         <p:txBody>
           <a:bodyPr anchor="ctr"/>
+          <a:lstStyle/>
           <a:p>
             <a:pPr algn="r">
               <a:lnSpc>
@@ -3065,26 +3290,26 @@
               </a:lnSpc>
             </a:pPr>
             <a:r>
-              <a:rPr b="0" lang="en-US" sz="1050" spc="-1" strike="noStrike">
-                <a:solidFill>
-                  <a:srgbClr val="ffffff"/>
+              <a:rPr lang="en-US" sz="1050" b="0" strike="noStrike" spc="-1">
+                <a:solidFill>
+                  <a:srgbClr val="FFFFFF"/>
                 </a:solidFill>
                 <a:uFill>
                   <a:solidFill>
-                    <a:srgbClr val="ffffff"/>
+                    <a:srgbClr val="FFFFFF"/>
                   </a:solidFill>
                 </a:uFill>
                 <a:latin typeface="Gill Sans MT"/>
               </a:rPr>
               <a:t>4/10/17</a:t>
             </a:r>
-            <a:endParaRPr b="0" lang="en-US" sz="1400" spc="-1" strike="noStrike">
+            <a:endParaRPr lang="en-US" sz="1400" b="0" strike="noStrike" spc="-1">
               <a:solidFill>
                 <a:srgbClr val="000000"/>
               </a:solidFill>
               <a:uFill>
                 <a:solidFill>
-                  <a:srgbClr val="ffffff"/>
+                  <a:srgbClr val="FFFFFF"/>
                 </a:solidFill>
               </a:uFill>
               <a:latin typeface="Times New Roman"/>
@@ -3113,14 +3338,15 @@
         </p:spPr>
         <p:txBody>
           <a:bodyPr anchor="ctr"/>
-          <a:p>
-            <a:endParaRPr b="0" lang="en-US" sz="2400" spc="-1" strike="noStrike">
+          <a:lstStyle/>
+          <a:p>
+            <a:endParaRPr lang="en-US" sz="2400" b="0" strike="noStrike" spc="-1">
               <a:solidFill>
                 <a:srgbClr val="000000"/>
               </a:solidFill>
               <a:uFill>
                 <a:solidFill>
-                  <a:srgbClr val="ffffff"/>
+                  <a:srgbClr val="FFFFFF"/>
                 </a:solidFill>
               </a:uFill>
               <a:latin typeface="Times New Roman"/>
@@ -3149,6 +3375,7 @@
         </p:spPr>
         <p:txBody>
           <a:bodyPr lIns="18360" rIns="18360" anchor="ctr"/>
+          <a:lstStyle/>
           <a:p>
             <a:pPr algn="ctr">
               <a:lnSpc>
@@ -3156,26 +3383,26 @@
               </a:lnSpc>
             </a:pPr>
             <a:fld id="{224C6E90-D370-489F-9AFE-C8CCA88FEE10}" type="slidenum">
-              <a:rPr b="0" lang="en-US" sz="1100" spc="-1" strike="noStrike">
-                <a:solidFill>
-                  <a:srgbClr val="ffffff"/>
+              <a:rPr lang="en-US" sz="1100" b="0" strike="noStrike" spc="-1">
+                <a:solidFill>
+                  <a:srgbClr val="FFFFFF"/>
                 </a:solidFill>
                 <a:uFill>
                   <a:solidFill>
-                    <a:srgbClr val="ffffff"/>
+                    <a:srgbClr val="FFFFFF"/>
                   </a:solidFill>
                 </a:uFill>
                 <a:latin typeface="Gill Sans MT"/>
               </a:rPr>
-              <a:t>&lt;number&gt;</a:t>
+              <a:t>‹#›</a:t>
             </a:fld>
-            <a:endParaRPr b="0" lang="en-US" sz="1400" spc="-1" strike="noStrike">
+            <a:endParaRPr lang="en-US" sz="1400" b="0" strike="noStrike" spc="-1">
               <a:solidFill>
                 <a:srgbClr val="000000"/>
               </a:solidFill>
               <a:uFill>
                 <a:solidFill>
-                  <a:srgbClr val="ffffff"/>
+                  <a:srgbClr val="FFFFFF"/>
                 </a:solidFill>
               </a:uFill>
               <a:latin typeface="Times New Roman"/>
@@ -3203,7 +3430,8 @@
           </a:prstGeom>
         </p:spPr>
         <p:txBody>
-          <a:bodyPr lIns="0" rIns="0" tIns="0" bIns="0"/>
+          <a:bodyPr lIns="0" tIns="0" rIns="0" bIns="0"/>
+          <a:lstStyle/>
           <a:p>
             <a:pPr marL="432000" indent="-324000">
               <a:buClr>
@@ -3214,33 +3442,22 @@
               <a:buChar char=""/>
             </a:pPr>
             <a:r>
-              <a:rPr b="0" lang="en-US" sz="1800" spc="-1" strike="noStrike">
-                <a:solidFill>
-                  <a:srgbClr val="ffffff"/>
+              <a:rPr lang="en-US" sz="1800" b="0" strike="noStrike" spc="-1">
+                <a:solidFill>
+                  <a:srgbClr val="FFFFFF"/>
                 </a:solidFill>
                 <a:uFill>
                   <a:solidFill>
-                    <a:srgbClr val="ffffff"/>
+                    <a:srgbClr val="FFFFFF"/>
                   </a:solidFill>
                 </a:uFill>
                 <a:latin typeface="Gill Sans MT"/>
               </a:rPr>
               <a:t>Click to edit the outline text format</a:t>
             </a:r>
-            <a:endParaRPr b="0" lang="en-US" sz="1800" spc="-1" strike="noStrike">
-              <a:solidFill>
-                <a:srgbClr val="ffffff"/>
-              </a:solidFill>
-              <a:uFill>
-                <a:solidFill>
-                  <a:srgbClr val="ffffff"/>
-                </a:solidFill>
-              </a:uFill>
-              <a:latin typeface="Gill Sans MT"/>
-            </a:endParaRPr>
-          </a:p>
-          <a:p>
-            <a:pPr lvl="1" marL="864000" indent="-324000">
+          </a:p>
+          <a:p>
+            <a:pPr marL="864000" lvl="1" indent="-324000">
               <a:buClr>
                 <a:srgbClr val="000000"/>
               </a:buClr>
@@ -3249,33 +3466,22 @@
               <a:buChar char=""/>
             </a:pPr>
             <a:r>
-              <a:rPr b="0" lang="en-US" sz="1600" spc="-1" strike="noStrike">
-                <a:solidFill>
-                  <a:srgbClr val="ffffff"/>
+              <a:rPr lang="en-US" sz="1600" b="0" strike="noStrike" spc="-1">
+                <a:solidFill>
+                  <a:srgbClr val="FFFFFF"/>
                 </a:solidFill>
                 <a:uFill>
                   <a:solidFill>
-                    <a:srgbClr val="ffffff"/>
+                    <a:srgbClr val="FFFFFF"/>
                   </a:solidFill>
                 </a:uFill>
                 <a:latin typeface="Gill Sans MT"/>
               </a:rPr>
               <a:t>Second Outline Level</a:t>
             </a:r>
-            <a:endParaRPr b="0" lang="en-US" sz="1600" spc="-1" strike="noStrike">
-              <a:solidFill>
-                <a:srgbClr val="ffffff"/>
-              </a:solidFill>
-              <a:uFill>
-                <a:solidFill>
-                  <a:srgbClr val="ffffff"/>
-                </a:solidFill>
-              </a:uFill>
-              <a:latin typeface="Gill Sans MT"/>
-            </a:endParaRPr>
-          </a:p>
-          <a:p>
-            <a:pPr lvl="2" marL="1296000" indent="-288000">
+          </a:p>
+          <a:p>
+            <a:pPr marL="1296000" lvl="2" indent="-288000">
               <a:buClr>
                 <a:srgbClr val="000000"/>
               </a:buClr>
@@ -3284,33 +3490,22 @@
               <a:buChar char=""/>
             </a:pPr>
             <a:r>
-              <a:rPr b="0" lang="en-US" sz="1600" spc="-1" strike="noStrike">
-                <a:solidFill>
-                  <a:srgbClr val="ffffff"/>
+              <a:rPr lang="en-US" sz="1600" b="0" strike="noStrike" spc="-1">
+                <a:solidFill>
+                  <a:srgbClr val="FFFFFF"/>
                 </a:solidFill>
                 <a:uFill>
                   <a:solidFill>
-                    <a:srgbClr val="ffffff"/>
+                    <a:srgbClr val="FFFFFF"/>
                   </a:solidFill>
                 </a:uFill>
                 <a:latin typeface="Gill Sans MT"/>
               </a:rPr>
               <a:t>Third Outline Level</a:t>
             </a:r>
-            <a:endParaRPr b="0" lang="en-US" sz="1600" spc="-1" strike="noStrike">
-              <a:solidFill>
-                <a:srgbClr val="ffffff"/>
-              </a:solidFill>
-              <a:uFill>
-                <a:solidFill>
-                  <a:srgbClr val="ffffff"/>
-                </a:solidFill>
-              </a:uFill>
-              <a:latin typeface="Gill Sans MT"/>
-            </a:endParaRPr>
-          </a:p>
-          <a:p>
-            <a:pPr lvl="3" marL="1728000" indent="-216000">
+          </a:p>
+          <a:p>
+            <a:pPr marL="1728000" lvl="3" indent="-216000">
               <a:buClr>
                 <a:srgbClr val="000000"/>
               </a:buClr>
@@ -3319,33 +3514,22 @@
               <a:buChar char=""/>
             </a:pPr>
             <a:r>
-              <a:rPr b="0" lang="en-US" sz="1600" spc="-1" strike="noStrike">
-                <a:solidFill>
-                  <a:srgbClr val="ffffff"/>
+              <a:rPr lang="en-US" sz="1600" b="0" strike="noStrike" spc="-1">
+                <a:solidFill>
+                  <a:srgbClr val="FFFFFF"/>
                 </a:solidFill>
                 <a:uFill>
                   <a:solidFill>
-                    <a:srgbClr val="ffffff"/>
+                    <a:srgbClr val="FFFFFF"/>
                   </a:solidFill>
                 </a:uFill>
                 <a:latin typeface="Gill Sans MT"/>
               </a:rPr>
               <a:t>Fourth Outline Level</a:t>
             </a:r>
-            <a:endParaRPr b="0" lang="en-US" sz="1600" spc="-1" strike="noStrike">
-              <a:solidFill>
-                <a:srgbClr val="ffffff"/>
-              </a:solidFill>
-              <a:uFill>
-                <a:solidFill>
-                  <a:srgbClr val="ffffff"/>
-                </a:solidFill>
-              </a:uFill>
-              <a:latin typeface="Gill Sans MT"/>
-            </a:endParaRPr>
-          </a:p>
-          <a:p>
-            <a:pPr lvl="4" marL="2160000" indent="-216000">
+          </a:p>
+          <a:p>
+            <a:pPr marL="2160000" lvl="4" indent="-216000">
               <a:buClr>
                 <a:srgbClr val="000000"/>
               </a:buClr>
@@ -3354,33 +3538,22 @@
               <a:buChar char=""/>
             </a:pPr>
             <a:r>
-              <a:rPr b="0" lang="en-US" sz="2000" spc="-1" strike="noStrike">
-                <a:solidFill>
-                  <a:srgbClr val="ffffff"/>
+              <a:rPr lang="en-US" sz="2000" b="0" strike="noStrike" spc="-1">
+                <a:solidFill>
+                  <a:srgbClr val="FFFFFF"/>
                 </a:solidFill>
                 <a:uFill>
                   <a:solidFill>
-                    <a:srgbClr val="ffffff"/>
+                    <a:srgbClr val="FFFFFF"/>
                   </a:solidFill>
                 </a:uFill>
                 <a:latin typeface="Gill Sans MT"/>
               </a:rPr>
               <a:t>Fifth Outline Level</a:t>
             </a:r>
-            <a:endParaRPr b="0" lang="en-US" sz="2000" spc="-1" strike="noStrike">
-              <a:solidFill>
-                <a:srgbClr val="ffffff"/>
-              </a:solidFill>
-              <a:uFill>
-                <a:solidFill>
-                  <a:srgbClr val="ffffff"/>
-                </a:solidFill>
-              </a:uFill>
-              <a:latin typeface="Gill Sans MT"/>
-            </a:endParaRPr>
-          </a:p>
-          <a:p>
-            <a:pPr lvl="5" marL="2592000" indent="-216000">
+          </a:p>
+          <a:p>
+            <a:pPr marL="2592000" lvl="5" indent="-216000">
               <a:buClr>
                 <a:srgbClr val="000000"/>
               </a:buClr>
@@ -3389,33 +3562,22 @@
               <a:buChar char=""/>
             </a:pPr>
             <a:r>
-              <a:rPr b="0" lang="en-US" sz="2000" spc="-1" strike="noStrike">
-                <a:solidFill>
-                  <a:srgbClr val="ffffff"/>
+              <a:rPr lang="en-US" sz="2000" b="0" strike="noStrike" spc="-1">
+                <a:solidFill>
+                  <a:srgbClr val="FFFFFF"/>
                 </a:solidFill>
                 <a:uFill>
                   <a:solidFill>
-                    <a:srgbClr val="ffffff"/>
+                    <a:srgbClr val="FFFFFF"/>
                   </a:solidFill>
                 </a:uFill>
                 <a:latin typeface="Gill Sans MT"/>
               </a:rPr>
               <a:t>Sixth Outline Level</a:t>
             </a:r>
-            <a:endParaRPr b="0" lang="en-US" sz="2000" spc="-1" strike="noStrike">
-              <a:solidFill>
-                <a:srgbClr val="ffffff"/>
-              </a:solidFill>
-              <a:uFill>
-                <a:solidFill>
-                  <a:srgbClr val="ffffff"/>
-                </a:solidFill>
-              </a:uFill>
-              <a:latin typeface="Gill Sans MT"/>
-            </a:endParaRPr>
-          </a:p>
-          <a:p>
-            <a:pPr lvl="6" marL="3024000" indent="-216000">
+          </a:p>
+          <a:p>
+            <a:pPr marL="3024000" lvl="6" indent="-216000">
               <a:buClr>
                 <a:srgbClr val="000000"/>
               </a:buClr>
@@ -3424,61 +3586,331 @@
               <a:buChar char=""/>
             </a:pPr>
             <a:r>
-              <a:rPr b="0" lang="en-US" sz="2000" spc="-1" strike="noStrike">
-                <a:solidFill>
-                  <a:srgbClr val="ffffff"/>
+              <a:rPr lang="en-US" sz="2000" b="0" strike="noStrike" spc="-1">
+                <a:solidFill>
+                  <a:srgbClr val="FFFFFF"/>
                 </a:solidFill>
                 <a:uFill>
                   <a:solidFill>
-                    <a:srgbClr val="ffffff"/>
+                    <a:srgbClr val="FFFFFF"/>
                   </a:solidFill>
                 </a:uFill>
                 <a:latin typeface="Gill Sans MT"/>
               </a:rPr>
               <a:t>Seventh Outline Level</a:t>
             </a:r>
-            <a:endParaRPr b="0" lang="en-US" sz="2000" spc="-1" strike="noStrike">
-              <a:solidFill>
-                <a:srgbClr val="ffffff"/>
-              </a:solidFill>
-              <a:uFill>
-                <a:solidFill>
-                  <a:srgbClr val="ffffff"/>
-                </a:solidFill>
-              </a:uFill>
-              <a:latin typeface="Gill Sans MT"/>
-            </a:endParaRPr>
           </a:p>
         </p:txBody>
       </p:sp>
     </p:spTree>
   </p:cSld>
-  <p:clrMap bg1="lt1" bg2="lt2" tx1="dk1" tx2="dk2" accent1="accent1" accent2="accent2" accent3="accent3" accent4="accent4" accent5="accent5" accent6="accent6" hlink="hlink" folHlink="folHlink"/>
+  <p:clrMap bg1="lt1" tx1="dk1" bg2="lt2" tx2="dk2" accent1="accent1" accent2="accent2" accent3="accent3" accent4="accent4" accent5="accent5" accent6="accent6" hlink="hlink" folHlink="folHlink"/>
   <p:sldLayoutIdLst>
-    <p:sldLayoutId id="2147483649" r:id="rId2"/>
-    <p:sldLayoutId id="2147483650" r:id="rId3"/>
-    <p:sldLayoutId id="2147483651" r:id="rId4"/>
-    <p:sldLayoutId id="2147483652" r:id="rId5"/>
-    <p:sldLayoutId id="2147483653" r:id="rId6"/>
-    <p:sldLayoutId id="2147483654" r:id="rId7"/>
-    <p:sldLayoutId id="2147483655" r:id="rId8"/>
-    <p:sldLayoutId id="2147483656" r:id="rId9"/>
-    <p:sldLayoutId id="2147483657" r:id="rId10"/>
-    <p:sldLayoutId id="2147483658" r:id="rId11"/>
-    <p:sldLayoutId id="2147483659" r:id="rId12"/>
-    <p:sldLayoutId id="2147483660" r:id="rId13"/>
+    <p:sldLayoutId id="2147483649" r:id="rId1"/>
+    <p:sldLayoutId id="2147483650" r:id="rId2"/>
+    <p:sldLayoutId id="2147483651" r:id="rId3"/>
+    <p:sldLayoutId id="2147483652" r:id="rId4"/>
+    <p:sldLayoutId id="2147483653" r:id="rId5"/>
+    <p:sldLayoutId id="2147483654" r:id="rId6"/>
+    <p:sldLayoutId id="2147483655" r:id="rId7"/>
+    <p:sldLayoutId id="2147483656" r:id="rId8"/>
+    <p:sldLayoutId id="2147483657" r:id="rId9"/>
+    <p:sldLayoutId id="2147483658" r:id="rId10"/>
+    <p:sldLayoutId id="2147483659" r:id="rId11"/>
+    <p:sldLayoutId id="2147483660" r:id="rId12"/>
   </p:sldLayoutIdLst>
+  <p:txStyles>
+    <p:titleStyle>
+      <a:lvl1pPr algn="l" defTabSz="914400" rtl="0" eaLnBrk="1" latinLnBrk="0" hangingPunct="1">
+        <a:lnSpc>
+          <a:spcPct val="90000"/>
+        </a:lnSpc>
+        <a:spcBef>
+          <a:spcPct val="0"/>
+        </a:spcBef>
+        <a:buNone/>
+        <a:defRPr sz="4400" kern="1200">
+          <a:solidFill>
+            <a:schemeClr val="tx1"/>
+          </a:solidFill>
+          <a:latin typeface="+mj-lt"/>
+          <a:ea typeface="+mj-ea"/>
+          <a:cs typeface="+mj-cs"/>
+        </a:defRPr>
+      </a:lvl1pPr>
+    </p:titleStyle>
+    <p:bodyStyle>
+      <a:lvl1pPr marL="228600" indent="-228600" algn="l" defTabSz="914400" rtl="0" eaLnBrk="1" latinLnBrk="0" hangingPunct="1">
+        <a:lnSpc>
+          <a:spcPct val="90000"/>
+        </a:lnSpc>
+        <a:spcBef>
+          <a:spcPts val="1000"/>
+        </a:spcBef>
+        <a:buFont typeface="Arial" panose="020B0604020202020204" pitchFamily="34" charset="0"/>
+        <a:buChar char="•"/>
+        <a:defRPr sz="2800" kern="1200">
+          <a:solidFill>
+            <a:schemeClr val="tx1"/>
+          </a:solidFill>
+          <a:latin typeface="+mn-lt"/>
+          <a:ea typeface="+mn-ea"/>
+          <a:cs typeface="+mn-cs"/>
+        </a:defRPr>
+      </a:lvl1pPr>
+      <a:lvl2pPr marL="685800" indent="-228600" algn="l" defTabSz="914400" rtl="0" eaLnBrk="1" latinLnBrk="0" hangingPunct="1">
+        <a:lnSpc>
+          <a:spcPct val="90000"/>
+        </a:lnSpc>
+        <a:spcBef>
+          <a:spcPts val="500"/>
+        </a:spcBef>
+        <a:buFont typeface="Arial" panose="020B0604020202020204" pitchFamily="34" charset="0"/>
+        <a:buChar char="•"/>
+        <a:defRPr sz="2400" kern="1200">
+          <a:solidFill>
+            <a:schemeClr val="tx1"/>
+          </a:solidFill>
+          <a:latin typeface="+mn-lt"/>
+          <a:ea typeface="+mn-ea"/>
+          <a:cs typeface="+mn-cs"/>
+        </a:defRPr>
+      </a:lvl2pPr>
+      <a:lvl3pPr marL="1143000" indent="-228600" algn="l" defTabSz="914400" rtl="0" eaLnBrk="1" latinLnBrk="0" hangingPunct="1">
+        <a:lnSpc>
+          <a:spcPct val="90000"/>
+        </a:lnSpc>
+        <a:spcBef>
+          <a:spcPts val="500"/>
+        </a:spcBef>
+        <a:buFont typeface="Arial" panose="020B0604020202020204" pitchFamily="34" charset="0"/>
+        <a:buChar char="•"/>
+        <a:defRPr sz="2000" kern="1200">
+          <a:solidFill>
+            <a:schemeClr val="tx1"/>
+          </a:solidFill>
+          <a:latin typeface="+mn-lt"/>
+          <a:ea typeface="+mn-ea"/>
+          <a:cs typeface="+mn-cs"/>
+        </a:defRPr>
+      </a:lvl3pPr>
+      <a:lvl4pPr marL="1600200" indent="-228600" algn="l" defTabSz="914400" rtl="0" eaLnBrk="1" latinLnBrk="0" hangingPunct="1">
+        <a:lnSpc>
+          <a:spcPct val="90000"/>
+        </a:lnSpc>
+        <a:spcBef>
+          <a:spcPts val="500"/>
+        </a:spcBef>
+        <a:buFont typeface="Arial" panose="020B0604020202020204" pitchFamily="34" charset="0"/>
+        <a:buChar char="•"/>
+        <a:defRPr sz="1800" kern="1200">
+          <a:solidFill>
+            <a:schemeClr val="tx1"/>
+          </a:solidFill>
+          <a:latin typeface="+mn-lt"/>
+          <a:ea typeface="+mn-ea"/>
+          <a:cs typeface="+mn-cs"/>
+        </a:defRPr>
+      </a:lvl4pPr>
+      <a:lvl5pPr marL="2057400" indent="-228600" algn="l" defTabSz="914400" rtl="0" eaLnBrk="1" latinLnBrk="0" hangingPunct="1">
+        <a:lnSpc>
+          <a:spcPct val="90000"/>
+        </a:lnSpc>
+        <a:spcBef>
+          <a:spcPts val="500"/>
+        </a:spcBef>
+        <a:buFont typeface="Arial" panose="020B0604020202020204" pitchFamily="34" charset="0"/>
+        <a:buChar char="•"/>
+        <a:defRPr sz="1800" kern="1200">
+          <a:solidFill>
+            <a:schemeClr val="tx1"/>
+          </a:solidFill>
+          <a:latin typeface="+mn-lt"/>
+          <a:ea typeface="+mn-ea"/>
+          <a:cs typeface="+mn-cs"/>
+        </a:defRPr>
+      </a:lvl5pPr>
+      <a:lvl6pPr marL="2514600" indent="-228600" algn="l" defTabSz="914400" rtl="0" eaLnBrk="1" latinLnBrk="0" hangingPunct="1">
+        <a:lnSpc>
+          <a:spcPct val="90000"/>
+        </a:lnSpc>
+        <a:spcBef>
+          <a:spcPts val="500"/>
+        </a:spcBef>
+        <a:buFont typeface="Arial" panose="020B0604020202020204" pitchFamily="34" charset="0"/>
+        <a:buChar char="•"/>
+        <a:defRPr sz="1800" kern="1200">
+          <a:solidFill>
+            <a:schemeClr val="tx1"/>
+          </a:solidFill>
+          <a:latin typeface="+mn-lt"/>
+          <a:ea typeface="+mn-ea"/>
+          <a:cs typeface="+mn-cs"/>
+        </a:defRPr>
+      </a:lvl6pPr>
+      <a:lvl7pPr marL="2971800" indent="-228600" algn="l" defTabSz="914400" rtl="0" eaLnBrk="1" latinLnBrk="0" hangingPunct="1">
+        <a:lnSpc>
+          <a:spcPct val="90000"/>
+        </a:lnSpc>
+        <a:spcBef>
+          <a:spcPts val="500"/>
+        </a:spcBef>
+        <a:buFont typeface="Arial" panose="020B0604020202020204" pitchFamily="34" charset="0"/>
+        <a:buChar char="•"/>
+        <a:defRPr sz="1800" kern="1200">
+          <a:solidFill>
+            <a:schemeClr val="tx1"/>
+          </a:solidFill>
+          <a:latin typeface="+mn-lt"/>
+          <a:ea typeface="+mn-ea"/>
+          <a:cs typeface="+mn-cs"/>
+        </a:defRPr>
+      </a:lvl7pPr>
+      <a:lvl8pPr marL="3429000" indent="-228600" algn="l" defTabSz="914400" rtl="0" eaLnBrk="1" latinLnBrk="0" hangingPunct="1">
+        <a:lnSpc>
+          <a:spcPct val="90000"/>
+        </a:lnSpc>
+        <a:spcBef>
+          <a:spcPts val="500"/>
+        </a:spcBef>
+        <a:buFont typeface="Arial" panose="020B0604020202020204" pitchFamily="34" charset="0"/>
+        <a:buChar char="•"/>
+        <a:defRPr sz="1800" kern="1200">
+          <a:solidFill>
+            <a:schemeClr val="tx1"/>
+          </a:solidFill>
+          <a:latin typeface="+mn-lt"/>
+          <a:ea typeface="+mn-ea"/>
+          <a:cs typeface="+mn-cs"/>
+        </a:defRPr>
+      </a:lvl8pPr>
+      <a:lvl9pPr marL="3886200" indent="-228600" algn="l" defTabSz="914400" rtl="0" eaLnBrk="1" latinLnBrk="0" hangingPunct="1">
+        <a:lnSpc>
+          <a:spcPct val="90000"/>
+        </a:lnSpc>
+        <a:spcBef>
+          <a:spcPts val="500"/>
+        </a:spcBef>
+        <a:buFont typeface="Arial" panose="020B0604020202020204" pitchFamily="34" charset="0"/>
+        <a:buChar char="•"/>
+        <a:defRPr sz="1800" kern="1200">
+          <a:solidFill>
+            <a:schemeClr val="tx1"/>
+          </a:solidFill>
+          <a:latin typeface="+mn-lt"/>
+          <a:ea typeface="+mn-ea"/>
+          <a:cs typeface="+mn-cs"/>
+        </a:defRPr>
+      </a:lvl9pPr>
+    </p:bodyStyle>
+    <p:otherStyle>
+      <a:defPPr>
+        <a:defRPr lang="en-US"/>
+      </a:defPPr>
+      <a:lvl1pPr marL="0" algn="l" defTabSz="914400" rtl="0" eaLnBrk="1" latinLnBrk="0" hangingPunct="1">
+        <a:defRPr sz="1800" kern="1200">
+          <a:solidFill>
+            <a:schemeClr val="tx1"/>
+          </a:solidFill>
+          <a:latin typeface="+mn-lt"/>
+          <a:ea typeface="+mn-ea"/>
+          <a:cs typeface="+mn-cs"/>
+        </a:defRPr>
+      </a:lvl1pPr>
+      <a:lvl2pPr marL="457200" algn="l" defTabSz="914400" rtl="0" eaLnBrk="1" latinLnBrk="0" hangingPunct="1">
+        <a:defRPr sz="1800" kern="1200">
+          <a:solidFill>
+            <a:schemeClr val="tx1"/>
+          </a:solidFill>
+          <a:latin typeface="+mn-lt"/>
+          <a:ea typeface="+mn-ea"/>
+          <a:cs typeface="+mn-cs"/>
+        </a:defRPr>
+      </a:lvl2pPr>
+      <a:lvl3pPr marL="914400" algn="l" defTabSz="914400" rtl="0" eaLnBrk="1" latinLnBrk="0" hangingPunct="1">
+        <a:defRPr sz="1800" kern="1200">
+          <a:solidFill>
+            <a:schemeClr val="tx1"/>
+          </a:solidFill>
+          <a:latin typeface="+mn-lt"/>
+          <a:ea typeface="+mn-ea"/>
+          <a:cs typeface="+mn-cs"/>
+        </a:defRPr>
+      </a:lvl3pPr>
+      <a:lvl4pPr marL="1371600" algn="l" defTabSz="914400" rtl="0" eaLnBrk="1" latinLnBrk="0" hangingPunct="1">
+        <a:defRPr sz="1800" kern="1200">
+          <a:solidFill>
+            <a:schemeClr val="tx1"/>
+          </a:solidFill>
+          <a:latin typeface="+mn-lt"/>
+          <a:ea typeface="+mn-ea"/>
+          <a:cs typeface="+mn-cs"/>
+        </a:defRPr>
+      </a:lvl4pPr>
+      <a:lvl5pPr marL="1828800" algn="l" defTabSz="914400" rtl="0" eaLnBrk="1" latinLnBrk="0" hangingPunct="1">
+        <a:defRPr sz="1800" kern="1200">
+          <a:solidFill>
+            <a:schemeClr val="tx1"/>
+          </a:solidFill>
+          <a:latin typeface="+mn-lt"/>
+          <a:ea typeface="+mn-ea"/>
+          <a:cs typeface="+mn-cs"/>
+        </a:defRPr>
+      </a:lvl5pPr>
+      <a:lvl6pPr marL="2286000" algn="l" defTabSz="914400" rtl="0" eaLnBrk="1" latinLnBrk="0" hangingPunct="1">
+        <a:defRPr sz="1800" kern="1200">
+          <a:solidFill>
+            <a:schemeClr val="tx1"/>
+          </a:solidFill>
+          <a:latin typeface="+mn-lt"/>
+          <a:ea typeface="+mn-ea"/>
+          <a:cs typeface="+mn-cs"/>
+        </a:defRPr>
+      </a:lvl6pPr>
+      <a:lvl7pPr marL="2743200" algn="l" defTabSz="914400" rtl="0" eaLnBrk="1" latinLnBrk="0" hangingPunct="1">
+        <a:defRPr sz="1800" kern="1200">
+          <a:solidFill>
+            <a:schemeClr val="tx1"/>
+          </a:solidFill>
+          <a:latin typeface="+mn-lt"/>
+          <a:ea typeface="+mn-ea"/>
+          <a:cs typeface="+mn-cs"/>
+        </a:defRPr>
+      </a:lvl7pPr>
+      <a:lvl8pPr marL="3200400" algn="l" defTabSz="914400" rtl="0" eaLnBrk="1" latinLnBrk="0" hangingPunct="1">
+        <a:defRPr sz="1800" kern="1200">
+          <a:solidFill>
+            <a:schemeClr val="tx1"/>
+          </a:solidFill>
+          <a:latin typeface="+mn-lt"/>
+          <a:ea typeface="+mn-ea"/>
+          <a:cs typeface="+mn-cs"/>
+        </a:defRPr>
+      </a:lvl8pPr>
+      <a:lvl9pPr marL="3657600" algn="l" defTabSz="914400" rtl="0" eaLnBrk="1" latinLnBrk="0" hangingPunct="1">
+        <a:defRPr sz="1800" kern="1200">
+          <a:solidFill>
+            <a:schemeClr val="tx1"/>
+          </a:solidFill>
+          <a:latin typeface="+mn-lt"/>
+          <a:ea typeface="+mn-ea"/>
+          <a:cs typeface="+mn-cs"/>
+        </a:defRPr>
+      </a:lvl9pPr>
+    </p:otherStyle>
+  </p:txStyles>
 </p:sldMaster>
 </file>
 
 <file path=ppt/slideMasters/slideMaster2.xml><?xml version="1.0" encoding="utf-8"?>
-<p:sldMaster xmlns:a="http://schemas.openxmlformats.org/drawingml/2006/main" xmlns:p="http://schemas.openxmlformats.org/presentationml/2006/main" xmlns:r="http://schemas.openxmlformats.org/officeDocument/2006/relationships" xmlns:p14="http://schemas.microsoft.com/office/powerpoint/2010/main" xmlns:p15="http://schemas.microsoft.com/office/powerpoint/2012/main" xmlns:mc="http://schemas.openxmlformats.org/markup-compatibility/2006">
+<p:sldMaster xmlns:a="http://schemas.openxmlformats.org/drawingml/2006/main" xmlns:r="http://schemas.openxmlformats.org/officeDocument/2006/relationships" xmlns:p="http://schemas.openxmlformats.org/presentationml/2006/main">
   <p:cSld>
     <p:bg>
       <p:bgPr>
         <a:solidFill>
-          <a:srgbClr val="dddddd"/>
+          <a:srgbClr val="DDDDDD"/>
         </a:solidFill>
+        <a:effectLst/>
       </p:bgPr>
     </p:bg>
     <p:spTree>
@@ -3515,7 +3947,8 @@
           </a:prstGeom>
         </p:spPr>
         <p:txBody>
-          <a:bodyPr lIns="182880" rIns="182880" tIns="182880" bIns="182880" anchor="ctr"/>
+          <a:bodyPr lIns="182880" tIns="182880" rIns="182880" bIns="182880" anchor="ctr"/>
+          <a:lstStyle/>
           <a:p>
             <a:pPr algn="ctr">
               <a:lnSpc>
@@ -3523,26 +3956,26 @@
               </a:lnSpc>
             </a:pPr>
             <a:r>
-              <a:rPr b="0" lang="en-US" sz="2800" spc="199" strike="noStrike" cap="all">
+              <a:rPr lang="en-US" sz="2800" b="0" strike="noStrike" cap="all" spc="199">
                 <a:solidFill>
                   <a:srgbClr val="262626"/>
                 </a:solidFill>
                 <a:uFill>
                   <a:solidFill>
-                    <a:srgbClr val="ffffff"/>
+                    <a:srgbClr val="FFFFFF"/>
                   </a:solidFill>
                 </a:uFill>
                 <a:latin typeface="Gill Sans MT"/>
               </a:rPr>
               <a:t>Click to edit Master title style</a:t>
             </a:r>
-            <a:endParaRPr b="0" lang="en-US" sz="1800" spc="-1" strike="noStrike">
+            <a:endParaRPr lang="en-US" sz="1800" b="0" strike="noStrike" spc="-1">
               <a:solidFill>
                 <a:srgbClr val="000000"/>
               </a:solidFill>
               <a:uFill>
                 <a:solidFill>
-                  <a:srgbClr val="ffffff"/>
+                  <a:srgbClr val="FFFFFF"/>
                 </a:solidFill>
               </a:uFill>
               <a:latin typeface="Gill Sans MT"/>
@@ -3571,6 +4004,7 @@
         </p:spPr>
         <p:txBody>
           <a:bodyPr/>
+          <a:lstStyle/>
           <a:p>
             <a:pPr marL="432000" indent="-324000">
               <a:buClr>
@@ -3581,33 +4015,22 @@
               <a:buChar char=""/>
             </a:pPr>
             <a:r>
-              <a:rPr b="0" lang="en-US" sz="1800" spc="-1" strike="noStrike">
+              <a:rPr lang="en-US" sz="1800" b="0" strike="noStrike" spc="-1">
                 <a:solidFill>
                   <a:srgbClr val="262626"/>
                 </a:solidFill>
                 <a:uFill>
                   <a:solidFill>
-                    <a:srgbClr val="ffffff"/>
+                    <a:srgbClr val="FFFFFF"/>
                   </a:solidFill>
                 </a:uFill>
                 <a:latin typeface="Gill Sans MT"/>
               </a:rPr>
               <a:t>Click to edit the outline text format</a:t>
             </a:r>
-            <a:endParaRPr b="0" lang="en-US" sz="1800" spc="-1" strike="noStrike">
-              <a:solidFill>
-                <a:srgbClr val="262626"/>
-              </a:solidFill>
-              <a:uFill>
-                <a:solidFill>
-                  <a:srgbClr val="ffffff"/>
-                </a:solidFill>
-              </a:uFill>
-              <a:latin typeface="Gill Sans MT"/>
-            </a:endParaRPr>
-          </a:p>
-          <a:p>
-            <a:pPr lvl="1" marL="864000" indent="-324000">
+          </a:p>
+          <a:p>
+            <a:pPr marL="864000" lvl="1" indent="-324000">
               <a:buClr>
                 <a:srgbClr val="000000"/>
               </a:buClr>
@@ -3616,33 +4039,22 @@
               <a:buChar char=""/>
             </a:pPr>
             <a:r>
-              <a:rPr b="0" lang="en-US" sz="1800" spc="-1" strike="noStrike">
+              <a:rPr lang="en-US" sz="1800" b="0" strike="noStrike" spc="-1">
                 <a:solidFill>
                   <a:srgbClr val="262626"/>
                 </a:solidFill>
                 <a:uFill>
                   <a:solidFill>
-                    <a:srgbClr val="ffffff"/>
+                    <a:srgbClr val="FFFFFF"/>
                   </a:solidFill>
                 </a:uFill>
                 <a:latin typeface="Gill Sans MT"/>
               </a:rPr>
               <a:t>Second Outline Level</a:t>
             </a:r>
-            <a:endParaRPr b="0" lang="en-US" sz="1800" spc="-1" strike="noStrike">
-              <a:solidFill>
-                <a:srgbClr val="262626"/>
-              </a:solidFill>
-              <a:uFill>
-                <a:solidFill>
-                  <a:srgbClr val="ffffff"/>
-                </a:solidFill>
-              </a:uFill>
-              <a:latin typeface="Gill Sans MT"/>
-            </a:endParaRPr>
-          </a:p>
-          <a:p>
-            <a:pPr lvl="2" marL="1296000" indent="-288000">
+          </a:p>
+          <a:p>
+            <a:pPr marL="1296000" lvl="2" indent="-288000">
               <a:buClr>
                 <a:srgbClr val="000000"/>
               </a:buClr>
@@ -3651,33 +4063,22 @@
               <a:buChar char=""/>
             </a:pPr>
             <a:r>
-              <a:rPr b="0" lang="en-US" sz="1800" spc="-1" strike="noStrike">
+              <a:rPr lang="en-US" sz="1800" b="0" strike="noStrike" spc="-1">
                 <a:solidFill>
                   <a:srgbClr val="262626"/>
                 </a:solidFill>
                 <a:uFill>
                   <a:solidFill>
-                    <a:srgbClr val="ffffff"/>
+                    <a:srgbClr val="FFFFFF"/>
                   </a:solidFill>
                 </a:uFill>
                 <a:latin typeface="Gill Sans MT"/>
               </a:rPr>
               <a:t>Third Outline Level</a:t>
             </a:r>
-            <a:endParaRPr b="0" lang="en-US" sz="1800" spc="-1" strike="noStrike">
-              <a:solidFill>
-                <a:srgbClr val="262626"/>
-              </a:solidFill>
-              <a:uFill>
-                <a:solidFill>
-                  <a:srgbClr val="ffffff"/>
-                </a:solidFill>
-              </a:uFill>
-              <a:latin typeface="Gill Sans MT"/>
-            </a:endParaRPr>
-          </a:p>
-          <a:p>
-            <a:pPr lvl="3" marL="1728000" indent="-216000">
+          </a:p>
+          <a:p>
+            <a:pPr marL="1728000" lvl="3" indent="-216000">
               <a:buClr>
                 <a:srgbClr val="000000"/>
               </a:buClr>
@@ -3686,33 +4087,22 @@
               <a:buChar char=""/>
             </a:pPr>
             <a:r>
-              <a:rPr b="0" lang="en-US" sz="1800" spc="-1" strike="noStrike">
+              <a:rPr lang="en-US" sz="1800" b="0" strike="noStrike" spc="-1">
                 <a:solidFill>
                   <a:srgbClr val="262626"/>
                 </a:solidFill>
                 <a:uFill>
                   <a:solidFill>
-                    <a:srgbClr val="ffffff"/>
+                    <a:srgbClr val="FFFFFF"/>
                   </a:solidFill>
                 </a:uFill>
                 <a:latin typeface="Gill Sans MT"/>
               </a:rPr>
               <a:t>Fourth Outline Level</a:t>
             </a:r>
-            <a:endParaRPr b="0" lang="en-US" sz="1800" spc="-1" strike="noStrike">
-              <a:solidFill>
-                <a:srgbClr val="262626"/>
-              </a:solidFill>
-              <a:uFill>
-                <a:solidFill>
-                  <a:srgbClr val="ffffff"/>
-                </a:solidFill>
-              </a:uFill>
-              <a:latin typeface="Gill Sans MT"/>
-            </a:endParaRPr>
-          </a:p>
-          <a:p>
-            <a:pPr lvl="4" marL="2160000" indent="-216000">
+          </a:p>
+          <a:p>
+            <a:pPr marL="2160000" lvl="4" indent="-216000">
               <a:buClr>
                 <a:srgbClr val="000000"/>
               </a:buClr>
@@ -3721,33 +4111,22 @@
               <a:buChar char=""/>
             </a:pPr>
             <a:r>
-              <a:rPr b="0" lang="en-US" sz="1800" spc="-1" strike="noStrike">
+              <a:rPr lang="en-US" sz="1800" b="0" strike="noStrike" spc="-1">
                 <a:solidFill>
                   <a:srgbClr val="262626"/>
                 </a:solidFill>
                 <a:uFill>
                   <a:solidFill>
-                    <a:srgbClr val="ffffff"/>
+                    <a:srgbClr val="FFFFFF"/>
                   </a:solidFill>
                 </a:uFill>
                 <a:latin typeface="Gill Sans MT"/>
               </a:rPr>
               <a:t>Fifth Outline Level</a:t>
             </a:r>
-            <a:endParaRPr b="0" lang="en-US" sz="1800" spc="-1" strike="noStrike">
-              <a:solidFill>
-                <a:srgbClr val="262626"/>
-              </a:solidFill>
-              <a:uFill>
-                <a:solidFill>
-                  <a:srgbClr val="ffffff"/>
-                </a:solidFill>
-              </a:uFill>
-              <a:latin typeface="Gill Sans MT"/>
-            </a:endParaRPr>
-          </a:p>
-          <a:p>
-            <a:pPr lvl="5" marL="2592000" indent="-216000">
+          </a:p>
+          <a:p>
+            <a:pPr marL="2592000" lvl="5" indent="-216000">
               <a:buClr>
                 <a:srgbClr val="000000"/>
               </a:buClr>
@@ -3756,30 +4135,19 @@
               <a:buChar char=""/>
             </a:pPr>
             <a:r>
-              <a:rPr b="0" lang="en-US" sz="1800" spc="-1" strike="noStrike">
+              <a:rPr lang="en-US" sz="1800" b="0" strike="noStrike" spc="-1">
                 <a:solidFill>
                   <a:srgbClr val="262626"/>
                 </a:solidFill>
                 <a:uFill>
                   <a:solidFill>
-                    <a:srgbClr val="ffffff"/>
+                    <a:srgbClr val="FFFFFF"/>
                   </a:solidFill>
                 </a:uFill>
                 <a:latin typeface="Gill Sans MT"/>
               </a:rPr>
               <a:t>Sixth Outline Level</a:t>
             </a:r>
-            <a:endParaRPr b="0" lang="en-US" sz="1800" spc="-1" strike="noStrike">
-              <a:solidFill>
-                <a:srgbClr val="262626"/>
-              </a:solidFill>
-              <a:uFill>
-                <a:solidFill>
-                  <a:srgbClr val="ffffff"/>
-                </a:solidFill>
-              </a:uFill>
-              <a:latin typeface="Gill Sans MT"/>
-            </a:endParaRPr>
           </a:p>
           <a:p>
             <a:pPr marL="228600" indent="-228240">
@@ -3787,180 +4155,169 @@
                 <a:spcPct val="100000"/>
               </a:lnSpc>
               <a:buClr>
-                <a:srgbClr val="418ab3"/>
+                <a:srgbClr val="418AB3"/>
               </a:buClr>
               <a:buFont typeface="Arial"/>
               <a:buChar char="•"/>
             </a:pPr>
             <a:r>
-              <a:rPr b="0" lang="en-US" sz="1800" spc="-1" strike="noStrike">
+              <a:rPr lang="en-US" sz="1800" b="0" strike="noStrike" spc="-1">
                 <a:solidFill>
                   <a:srgbClr val="262626"/>
                 </a:solidFill>
                 <a:uFill>
                   <a:solidFill>
-                    <a:srgbClr val="ffffff"/>
+                    <a:srgbClr val="FFFFFF"/>
                   </a:solidFill>
                 </a:uFill>
                 <a:latin typeface="Gill Sans MT"/>
               </a:rPr>
               <a:t>Seventh Outline LevelEdit Master text styles</a:t>
             </a:r>
-            <a:endParaRPr b="0" lang="en-US" sz="1800" spc="-1" strike="noStrike">
-              <a:solidFill>
-                <a:srgbClr val="262626"/>
-              </a:solidFill>
-              <a:uFill>
-                <a:solidFill>
-                  <a:srgbClr val="ffffff"/>
-                </a:solidFill>
-              </a:uFill>
-              <a:latin typeface="Gill Sans MT"/>
-            </a:endParaRPr>
-          </a:p>
-          <a:p>
-            <a:pPr lvl="1" marL="457200" indent="-228240">
+          </a:p>
+          <a:p>
+            <a:pPr marL="457200" lvl="1" indent="-228240">
               <a:lnSpc>
                 <a:spcPct val="100000"/>
               </a:lnSpc>
               <a:buClr>
-                <a:srgbClr val="418ab3"/>
+                <a:srgbClr val="418AB3"/>
               </a:buClr>
               <a:buFont typeface="Arial"/>
               <a:buChar char="•"/>
             </a:pPr>
             <a:r>
-              <a:rPr b="0" lang="en-US" sz="1600" spc="-1" strike="noStrike">
+              <a:rPr lang="en-US" sz="1600" b="0" strike="noStrike" spc="-1">
                 <a:solidFill>
                   <a:srgbClr val="262626"/>
                 </a:solidFill>
                 <a:uFill>
                   <a:solidFill>
-                    <a:srgbClr val="ffffff"/>
+                    <a:srgbClr val="FFFFFF"/>
                   </a:solidFill>
                 </a:uFill>
                 <a:latin typeface="Gill Sans MT"/>
               </a:rPr>
               <a:t>Second level</a:t>
             </a:r>
-            <a:endParaRPr b="0" lang="en-US" sz="1800" spc="-1" strike="noStrike">
+            <a:endParaRPr lang="en-US" sz="1800" b="0" strike="noStrike" spc="-1">
               <a:solidFill>
                 <a:srgbClr val="262626"/>
               </a:solidFill>
               <a:uFill>
                 <a:solidFill>
-                  <a:srgbClr val="ffffff"/>
-                </a:solidFill>
-              </a:uFill>
-              <a:latin typeface="Gill Sans MT"/>
-            </a:endParaRPr>
-          </a:p>
-          <a:p>
-            <a:pPr lvl="2" marL="685800" indent="-228240">
+                  <a:srgbClr val="FFFFFF"/>
+                </a:solidFill>
+              </a:uFill>
+              <a:latin typeface="Gill Sans MT"/>
+            </a:endParaRPr>
+          </a:p>
+          <a:p>
+            <a:pPr marL="685800" lvl="2" indent="-228240">
               <a:lnSpc>
                 <a:spcPct val="100000"/>
               </a:lnSpc>
               <a:buClr>
-                <a:srgbClr val="418ab3"/>
+                <a:srgbClr val="418AB3"/>
               </a:buClr>
               <a:buFont typeface="Arial"/>
               <a:buChar char="•"/>
             </a:pPr>
             <a:r>
-              <a:rPr b="0" lang="en-US" sz="1600" spc="-1" strike="noStrike">
+              <a:rPr lang="en-US" sz="1600" b="0" strike="noStrike" spc="-1">
                 <a:solidFill>
                   <a:srgbClr val="262626"/>
                 </a:solidFill>
                 <a:uFill>
                   <a:solidFill>
-                    <a:srgbClr val="ffffff"/>
+                    <a:srgbClr val="FFFFFF"/>
                   </a:solidFill>
                 </a:uFill>
                 <a:latin typeface="Gill Sans MT"/>
               </a:rPr>
               <a:t>Third level</a:t>
             </a:r>
-            <a:endParaRPr b="0" lang="en-US" sz="1800" spc="-1" strike="noStrike">
+            <a:endParaRPr lang="en-US" sz="1800" b="0" strike="noStrike" spc="-1">
               <a:solidFill>
                 <a:srgbClr val="262626"/>
               </a:solidFill>
               <a:uFill>
                 <a:solidFill>
-                  <a:srgbClr val="ffffff"/>
-                </a:solidFill>
-              </a:uFill>
-              <a:latin typeface="Gill Sans MT"/>
-            </a:endParaRPr>
-          </a:p>
-          <a:p>
-            <a:pPr lvl="3" marL="914400" indent="-228240">
+                  <a:srgbClr val="FFFFFF"/>
+                </a:solidFill>
+              </a:uFill>
+              <a:latin typeface="Gill Sans MT"/>
+            </a:endParaRPr>
+          </a:p>
+          <a:p>
+            <a:pPr marL="914400" lvl="3" indent="-228240">
               <a:lnSpc>
                 <a:spcPct val="100000"/>
               </a:lnSpc>
               <a:buClr>
-                <a:srgbClr val="418ab3"/>
+                <a:srgbClr val="418AB3"/>
               </a:buClr>
               <a:buFont typeface="Arial"/>
               <a:buChar char="•"/>
             </a:pPr>
             <a:r>
-              <a:rPr b="0" lang="en-US" sz="1600" spc="-1" strike="noStrike">
+              <a:rPr lang="en-US" sz="1600" b="0" strike="noStrike" spc="-1">
                 <a:solidFill>
                   <a:srgbClr val="262626"/>
                 </a:solidFill>
                 <a:uFill>
                   <a:solidFill>
-                    <a:srgbClr val="ffffff"/>
+                    <a:srgbClr val="FFFFFF"/>
                   </a:solidFill>
                 </a:uFill>
                 <a:latin typeface="Gill Sans MT"/>
               </a:rPr>
               <a:t>Fourth level</a:t>
             </a:r>
-            <a:endParaRPr b="0" lang="en-US" sz="1800" spc="-1" strike="noStrike">
+            <a:endParaRPr lang="en-US" sz="1800" b="0" strike="noStrike" spc="-1">
               <a:solidFill>
                 <a:srgbClr val="262626"/>
               </a:solidFill>
               <a:uFill>
                 <a:solidFill>
-                  <a:srgbClr val="ffffff"/>
-                </a:solidFill>
-              </a:uFill>
-              <a:latin typeface="Gill Sans MT"/>
-            </a:endParaRPr>
-          </a:p>
-          <a:p>
-            <a:pPr lvl="4" marL="1143000" indent="-228240">
+                  <a:srgbClr val="FFFFFF"/>
+                </a:solidFill>
+              </a:uFill>
+              <a:latin typeface="Gill Sans MT"/>
+            </a:endParaRPr>
+          </a:p>
+          <a:p>
+            <a:pPr marL="1143000" lvl="4" indent="-228240">
               <a:lnSpc>
                 <a:spcPct val="100000"/>
               </a:lnSpc>
               <a:buClr>
-                <a:srgbClr val="418ab3"/>
+                <a:srgbClr val="418AB3"/>
               </a:buClr>
               <a:buFont typeface="Arial"/>
               <a:buChar char="•"/>
             </a:pPr>
             <a:r>
-              <a:rPr b="0" lang="en-US" sz="1600" spc="-1" strike="noStrike">
+              <a:rPr lang="en-US" sz="1600" b="0" strike="noStrike" spc="-1">
                 <a:solidFill>
                   <a:srgbClr val="262626"/>
                 </a:solidFill>
                 <a:uFill>
                   <a:solidFill>
-                    <a:srgbClr val="ffffff"/>
+                    <a:srgbClr val="FFFFFF"/>
                   </a:solidFill>
                 </a:uFill>
                 <a:latin typeface="Gill Sans MT"/>
               </a:rPr>
               <a:t>Fifth level</a:t>
             </a:r>
-            <a:endParaRPr b="0" lang="en-US" sz="1800" spc="-1" strike="noStrike">
+            <a:endParaRPr lang="en-US" sz="1800" b="0" strike="noStrike" spc="-1">
               <a:solidFill>
                 <a:srgbClr val="262626"/>
               </a:solidFill>
               <a:uFill>
                 <a:solidFill>
-                  <a:srgbClr val="ffffff"/>
+                  <a:srgbClr val="FFFFFF"/>
                 </a:solidFill>
               </a:uFill>
               <a:latin typeface="Gill Sans MT"/>
@@ -3989,6 +4346,7 @@
         </p:spPr>
         <p:txBody>
           <a:bodyPr anchor="ctr"/>
+          <a:lstStyle/>
           <a:p>
             <a:pPr algn="r">
               <a:lnSpc>
@@ -3996,26 +4354,26 @@
               </a:lnSpc>
             </a:pPr>
             <a:r>
-              <a:rPr b="0" lang="en-US" sz="1050" spc="-1" strike="noStrike">
+              <a:rPr lang="en-US" sz="1050" b="0" strike="noStrike" spc="-1">
                 <a:solidFill>
                   <a:srgbClr val="000000"/>
                 </a:solidFill>
                 <a:uFill>
                   <a:solidFill>
-                    <a:srgbClr val="ffffff"/>
+                    <a:srgbClr val="FFFFFF"/>
                   </a:solidFill>
                 </a:uFill>
                 <a:latin typeface="Gill Sans MT"/>
               </a:rPr>
               <a:t>4/10/17</a:t>
             </a:r>
-            <a:endParaRPr b="0" lang="en-US" sz="1400" spc="-1" strike="noStrike">
+            <a:endParaRPr lang="en-US" sz="1400" b="0" strike="noStrike" spc="-1">
               <a:solidFill>
                 <a:srgbClr val="000000"/>
               </a:solidFill>
               <a:uFill>
                 <a:solidFill>
-                  <a:srgbClr val="ffffff"/>
+                  <a:srgbClr val="FFFFFF"/>
                 </a:solidFill>
               </a:uFill>
               <a:latin typeface="Times New Roman"/>
@@ -4044,14 +4402,15 @@
         </p:spPr>
         <p:txBody>
           <a:bodyPr anchor="ctr"/>
-          <a:p>
-            <a:endParaRPr b="0" lang="en-US" sz="2400" spc="-1" strike="noStrike">
+          <a:lstStyle/>
+          <a:p>
+            <a:endParaRPr lang="en-US" sz="2400" b="0" strike="noStrike" spc="-1">
               <a:solidFill>
                 <a:srgbClr val="000000"/>
               </a:solidFill>
               <a:uFill>
                 <a:solidFill>
-                  <a:srgbClr val="ffffff"/>
+                  <a:srgbClr val="FFFFFF"/>
                 </a:solidFill>
               </a:uFill>
               <a:latin typeface="Times New Roman"/>
@@ -4080,6 +4439,7 @@
         </p:spPr>
         <p:txBody>
           <a:bodyPr lIns="18360" rIns="18360" anchor="ctr"/>
+          <a:lstStyle/>
           <a:p>
             <a:pPr algn="ctr">
               <a:lnSpc>
@@ -4087,26 +4447,26 @@
               </a:lnSpc>
             </a:pPr>
             <a:fld id="{A124D932-7FC5-46C6-90EB-ABEE7F60D877}" type="slidenum">
-              <a:rPr b="0" lang="en-US" sz="1100" spc="-1" strike="noStrike">
-                <a:solidFill>
-                  <a:srgbClr val="ffffff"/>
+              <a:rPr lang="en-US" sz="1100" b="0" strike="noStrike" spc="-1">
+                <a:solidFill>
+                  <a:srgbClr val="FFFFFF"/>
                 </a:solidFill>
                 <a:uFill>
                   <a:solidFill>
-                    <a:srgbClr val="ffffff"/>
+                    <a:srgbClr val="FFFFFF"/>
                   </a:solidFill>
                 </a:uFill>
                 <a:latin typeface="Gill Sans MT"/>
               </a:rPr>
-              <a:t>1</a:t>
+              <a:t>‹#›</a:t>
             </a:fld>
-            <a:endParaRPr b="0" lang="en-US" sz="1400" spc="-1" strike="noStrike">
+            <a:endParaRPr lang="en-US" sz="1400" b="0" strike="noStrike" spc="-1">
               <a:solidFill>
                 <a:srgbClr val="000000"/>
               </a:solidFill>
               <a:uFill>
                 <a:solidFill>
-                  <a:srgbClr val="ffffff"/>
+                  <a:srgbClr val="FFFFFF"/>
                 </a:solidFill>
               </a:uFill>
               <a:latin typeface="Times New Roman"/>
@@ -4116,26 +4476,306 @@
       </p:sp>
     </p:spTree>
   </p:cSld>
-  <p:clrMap bg1="lt1" bg2="lt2" tx1="dk1" tx2="dk2" accent1="accent1" accent2="accent2" accent3="accent3" accent4="accent4" accent5="accent5" accent6="accent6" hlink="hlink" folHlink="folHlink"/>
+  <p:clrMap bg1="lt1" tx1="dk1" bg2="lt2" tx2="dk2" accent1="accent1" accent2="accent2" accent3="accent3" accent4="accent4" accent5="accent5" accent6="accent6" hlink="hlink" folHlink="folHlink"/>
   <p:sldLayoutIdLst>
-    <p:sldLayoutId id="2147483662" r:id="rId2"/>
-    <p:sldLayoutId id="2147483663" r:id="rId3"/>
-    <p:sldLayoutId id="2147483664" r:id="rId4"/>
-    <p:sldLayoutId id="2147483665" r:id="rId5"/>
-    <p:sldLayoutId id="2147483666" r:id="rId6"/>
-    <p:sldLayoutId id="2147483667" r:id="rId7"/>
-    <p:sldLayoutId id="2147483668" r:id="rId8"/>
-    <p:sldLayoutId id="2147483669" r:id="rId9"/>
-    <p:sldLayoutId id="2147483670" r:id="rId10"/>
-    <p:sldLayoutId id="2147483671" r:id="rId11"/>
-    <p:sldLayoutId id="2147483672" r:id="rId12"/>
-    <p:sldLayoutId id="2147483673" r:id="rId13"/>
+    <p:sldLayoutId id="2147483662" r:id="rId1"/>
+    <p:sldLayoutId id="2147483663" r:id="rId2"/>
+    <p:sldLayoutId id="2147483664" r:id="rId3"/>
+    <p:sldLayoutId id="2147483665" r:id="rId4"/>
+    <p:sldLayoutId id="2147483666" r:id="rId5"/>
+    <p:sldLayoutId id="2147483667" r:id="rId6"/>
+    <p:sldLayoutId id="2147483668" r:id="rId7"/>
+    <p:sldLayoutId id="2147483669" r:id="rId8"/>
+    <p:sldLayoutId id="2147483670" r:id="rId9"/>
+    <p:sldLayoutId id="2147483671" r:id="rId10"/>
+    <p:sldLayoutId id="2147483672" r:id="rId11"/>
+    <p:sldLayoutId id="2147483673" r:id="rId12"/>
   </p:sldLayoutIdLst>
+  <p:txStyles>
+    <p:titleStyle>
+      <a:lvl1pPr algn="l" defTabSz="914400" rtl="0" eaLnBrk="1" latinLnBrk="0" hangingPunct="1">
+        <a:lnSpc>
+          <a:spcPct val="90000"/>
+        </a:lnSpc>
+        <a:spcBef>
+          <a:spcPct val="0"/>
+        </a:spcBef>
+        <a:buNone/>
+        <a:defRPr sz="4400" kern="1200">
+          <a:solidFill>
+            <a:schemeClr val="tx1"/>
+          </a:solidFill>
+          <a:latin typeface="+mj-lt"/>
+          <a:ea typeface="+mj-ea"/>
+          <a:cs typeface="+mj-cs"/>
+        </a:defRPr>
+      </a:lvl1pPr>
+    </p:titleStyle>
+    <p:bodyStyle>
+      <a:lvl1pPr marL="228600" indent="-228600" algn="l" defTabSz="914400" rtl="0" eaLnBrk="1" latinLnBrk="0" hangingPunct="1">
+        <a:lnSpc>
+          <a:spcPct val="90000"/>
+        </a:lnSpc>
+        <a:spcBef>
+          <a:spcPts val="1000"/>
+        </a:spcBef>
+        <a:buFont typeface="Arial" panose="020B0604020202020204" pitchFamily="34" charset="0"/>
+        <a:buChar char="•"/>
+        <a:defRPr sz="2800" kern="1200">
+          <a:solidFill>
+            <a:schemeClr val="tx1"/>
+          </a:solidFill>
+          <a:latin typeface="+mn-lt"/>
+          <a:ea typeface="+mn-ea"/>
+          <a:cs typeface="+mn-cs"/>
+        </a:defRPr>
+      </a:lvl1pPr>
+      <a:lvl2pPr marL="685800" indent="-228600" algn="l" defTabSz="914400" rtl="0" eaLnBrk="1" latinLnBrk="0" hangingPunct="1">
+        <a:lnSpc>
+          <a:spcPct val="90000"/>
+        </a:lnSpc>
+        <a:spcBef>
+          <a:spcPts val="500"/>
+        </a:spcBef>
+        <a:buFont typeface="Arial" panose="020B0604020202020204" pitchFamily="34" charset="0"/>
+        <a:buChar char="•"/>
+        <a:defRPr sz="2400" kern="1200">
+          <a:solidFill>
+            <a:schemeClr val="tx1"/>
+          </a:solidFill>
+          <a:latin typeface="+mn-lt"/>
+          <a:ea typeface="+mn-ea"/>
+          <a:cs typeface="+mn-cs"/>
+        </a:defRPr>
+      </a:lvl2pPr>
+      <a:lvl3pPr marL="1143000" indent="-228600" algn="l" defTabSz="914400" rtl="0" eaLnBrk="1" latinLnBrk="0" hangingPunct="1">
+        <a:lnSpc>
+          <a:spcPct val="90000"/>
+        </a:lnSpc>
+        <a:spcBef>
+          <a:spcPts val="500"/>
+        </a:spcBef>
+        <a:buFont typeface="Arial" panose="020B0604020202020204" pitchFamily="34" charset="0"/>
+        <a:buChar char="•"/>
+        <a:defRPr sz="2000" kern="1200">
+          <a:solidFill>
+            <a:schemeClr val="tx1"/>
+          </a:solidFill>
+          <a:latin typeface="+mn-lt"/>
+          <a:ea typeface="+mn-ea"/>
+          <a:cs typeface="+mn-cs"/>
+        </a:defRPr>
+      </a:lvl3pPr>
+      <a:lvl4pPr marL="1600200" indent="-228600" algn="l" defTabSz="914400" rtl="0" eaLnBrk="1" latinLnBrk="0" hangingPunct="1">
+        <a:lnSpc>
+          <a:spcPct val="90000"/>
+        </a:lnSpc>
+        <a:spcBef>
+          <a:spcPts val="500"/>
+        </a:spcBef>
+        <a:buFont typeface="Arial" panose="020B0604020202020204" pitchFamily="34" charset="0"/>
+        <a:buChar char="•"/>
+        <a:defRPr sz="1800" kern="1200">
+          <a:solidFill>
+            <a:schemeClr val="tx1"/>
+          </a:solidFill>
+          <a:latin typeface="+mn-lt"/>
+          <a:ea typeface="+mn-ea"/>
+          <a:cs typeface="+mn-cs"/>
+        </a:defRPr>
+      </a:lvl4pPr>
+      <a:lvl5pPr marL="2057400" indent="-228600" algn="l" defTabSz="914400" rtl="0" eaLnBrk="1" latinLnBrk="0" hangingPunct="1">
+        <a:lnSpc>
+          <a:spcPct val="90000"/>
+        </a:lnSpc>
+        <a:spcBef>
+          <a:spcPts val="500"/>
+        </a:spcBef>
+        <a:buFont typeface="Arial" panose="020B0604020202020204" pitchFamily="34" charset="0"/>
+        <a:buChar char="•"/>
+        <a:defRPr sz="1800" kern="1200">
+          <a:solidFill>
+            <a:schemeClr val="tx1"/>
+          </a:solidFill>
+          <a:latin typeface="+mn-lt"/>
+          <a:ea typeface="+mn-ea"/>
+          <a:cs typeface="+mn-cs"/>
+        </a:defRPr>
+      </a:lvl5pPr>
+      <a:lvl6pPr marL="2514600" indent="-228600" algn="l" defTabSz="914400" rtl="0" eaLnBrk="1" latinLnBrk="0" hangingPunct="1">
+        <a:lnSpc>
+          <a:spcPct val="90000"/>
+        </a:lnSpc>
+        <a:spcBef>
+          <a:spcPts val="500"/>
+        </a:spcBef>
+        <a:buFont typeface="Arial" panose="020B0604020202020204" pitchFamily="34" charset="0"/>
+        <a:buChar char="•"/>
+        <a:defRPr sz="1800" kern="1200">
+          <a:solidFill>
+            <a:schemeClr val="tx1"/>
+          </a:solidFill>
+          <a:latin typeface="+mn-lt"/>
+          <a:ea typeface="+mn-ea"/>
+          <a:cs typeface="+mn-cs"/>
+        </a:defRPr>
+      </a:lvl6pPr>
+      <a:lvl7pPr marL="2971800" indent="-228600" algn="l" defTabSz="914400" rtl="0" eaLnBrk="1" latinLnBrk="0" hangingPunct="1">
+        <a:lnSpc>
+          <a:spcPct val="90000"/>
+        </a:lnSpc>
+        <a:spcBef>
+          <a:spcPts val="500"/>
+        </a:spcBef>
+        <a:buFont typeface="Arial" panose="020B0604020202020204" pitchFamily="34" charset="0"/>
+        <a:buChar char="•"/>
+        <a:defRPr sz="1800" kern="1200">
+          <a:solidFill>
+            <a:schemeClr val="tx1"/>
+          </a:solidFill>
+          <a:latin typeface="+mn-lt"/>
+          <a:ea typeface="+mn-ea"/>
+          <a:cs typeface="+mn-cs"/>
+        </a:defRPr>
+      </a:lvl7pPr>
+      <a:lvl8pPr marL="3429000" indent="-228600" algn="l" defTabSz="914400" rtl="0" eaLnBrk="1" latinLnBrk="0" hangingPunct="1">
+        <a:lnSpc>
+          <a:spcPct val="90000"/>
+        </a:lnSpc>
+        <a:spcBef>
+          <a:spcPts val="500"/>
+        </a:spcBef>
+        <a:buFont typeface="Arial" panose="020B0604020202020204" pitchFamily="34" charset="0"/>
+        <a:buChar char="•"/>
+        <a:defRPr sz="1800" kern="1200">
+          <a:solidFill>
+            <a:schemeClr val="tx1"/>
+          </a:solidFill>
+          <a:latin typeface="+mn-lt"/>
+          <a:ea typeface="+mn-ea"/>
+          <a:cs typeface="+mn-cs"/>
+        </a:defRPr>
+      </a:lvl8pPr>
+      <a:lvl9pPr marL="3886200" indent="-228600" algn="l" defTabSz="914400" rtl="0" eaLnBrk="1" latinLnBrk="0" hangingPunct="1">
+        <a:lnSpc>
+          <a:spcPct val="90000"/>
+        </a:lnSpc>
+        <a:spcBef>
+          <a:spcPts val="500"/>
+        </a:spcBef>
+        <a:buFont typeface="Arial" panose="020B0604020202020204" pitchFamily="34" charset="0"/>
+        <a:buChar char="•"/>
+        <a:defRPr sz="1800" kern="1200">
+          <a:solidFill>
+            <a:schemeClr val="tx1"/>
+          </a:solidFill>
+          <a:latin typeface="+mn-lt"/>
+          <a:ea typeface="+mn-ea"/>
+          <a:cs typeface="+mn-cs"/>
+        </a:defRPr>
+      </a:lvl9pPr>
+    </p:bodyStyle>
+    <p:otherStyle>
+      <a:defPPr>
+        <a:defRPr lang="en-US"/>
+      </a:defPPr>
+      <a:lvl1pPr marL="0" algn="l" defTabSz="914400" rtl="0" eaLnBrk="1" latinLnBrk="0" hangingPunct="1">
+        <a:defRPr sz="1800" kern="1200">
+          <a:solidFill>
+            <a:schemeClr val="tx1"/>
+          </a:solidFill>
+          <a:latin typeface="+mn-lt"/>
+          <a:ea typeface="+mn-ea"/>
+          <a:cs typeface="+mn-cs"/>
+        </a:defRPr>
+      </a:lvl1pPr>
+      <a:lvl2pPr marL="457200" algn="l" defTabSz="914400" rtl="0" eaLnBrk="1" latinLnBrk="0" hangingPunct="1">
+        <a:defRPr sz="1800" kern="1200">
+          <a:solidFill>
+            <a:schemeClr val="tx1"/>
+          </a:solidFill>
+          <a:latin typeface="+mn-lt"/>
+          <a:ea typeface="+mn-ea"/>
+          <a:cs typeface="+mn-cs"/>
+        </a:defRPr>
+      </a:lvl2pPr>
+      <a:lvl3pPr marL="914400" algn="l" defTabSz="914400" rtl="0" eaLnBrk="1" latinLnBrk="0" hangingPunct="1">
+        <a:defRPr sz="1800" kern="1200">
+          <a:solidFill>
+            <a:schemeClr val="tx1"/>
+          </a:solidFill>
+          <a:latin typeface="+mn-lt"/>
+          <a:ea typeface="+mn-ea"/>
+          <a:cs typeface="+mn-cs"/>
+        </a:defRPr>
+      </a:lvl3pPr>
+      <a:lvl4pPr marL="1371600" algn="l" defTabSz="914400" rtl="0" eaLnBrk="1" latinLnBrk="0" hangingPunct="1">
+        <a:defRPr sz="1800" kern="1200">
+          <a:solidFill>
+            <a:schemeClr val="tx1"/>
+          </a:solidFill>
+          <a:latin typeface="+mn-lt"/>
+          <a:ea typeface="+mn-ea"/>
+          <a:cs typeface="+mn-cs"/>
+        </a:defRPr>
+      </a:lvl4pPr>
+      <a:lvl5pPr marL="1828800" algn="l" defTabSz="914400" rtl="0" eaLnBrk="1" latinLnBrk="0" hangingPunct="1">
+        <a:defRPr sz="1800" kern="1200">
+          <a:solidFill>
+            <a:schemeClr val="tx1"/>
+          </a:solidFill>
+          <a:latin typeface="+mn-lt"/>
+          <a:ea typeface="+mn-ea"/>
+          <a:cs typeface="+mn-cs"/>
+        </a:defRPr>
+      </a:lvl5pPr>
+      <a:lvl6pPr marL="2286000" algn="l" defTabSz="914400" rtl="0" eaLnBrk="1" latinLnBrk="0" hangingPunct="1">
+        <a:defRPr sz="1800" kern="1200">
+          <a:solidFill>
+            <a:schemeClr val="tx1"/>
+          </a:solidFill>
+          <a:latin typeface="+mn-lt"/>
+          <a:ea typeface="+mn-ea"/>
+          <a:cs typeface="+mn-cs"/>
+        </a:defRPr>
+      </a:lvl6pPr>
+      <a:lvl7pPr marL="2743200" algn="l" defTabSz="914400" rtl="0" eaLnBrk="1" latinLnBrk="0" hangingPunct="1">
+        <a:defRPr sz="1800" kern="1200">
+          <a:solidFill>
+            <a:schemeClr val="tx1"/>
+          </a:solidFill>
+          <a:latin typeface="+mn-lt"/>
+          <a:ea typeface="+mn-ea"/>
+          <a:cs typeface="+mn-cs"/>
+        </a:defRPr>
+      </a:lvl7pPr>
+      <a:lvl8pPr marL="3200400" algn="l" defTabSz="914400" rtl="0" eaLnBrk="1" latinLnBrk="0" hangingPunct="1">
+        <a:defRPr sz="1800" kern="1200">
+          <a:solidFill>
+            <a:schemeClr val="tx1"/>
+          </a:solidFill>
+          <a:latin typeface="+mn-lt"/>
+          <a:ea typeface="+mn-ea"/>
+          <a:cs typeface="+mn-cs"/>
+        </a:defRPr>
+      </a:lvl8pPr>
+      <a:lvl9pPr marL="3657600" algn="l" defTabSz="914400" rtl="0" eaLnBrk="1" latinLnBrk="0" hangingPunct="1">
+        <a:defRPr sz="1800" kern="1200">
+          <a:solidFill>
+            <a:schemeClr val="tx1"/>
+          </a:solidFill>
+          <a:latin typeface="+mn-lt"/>
+          <a:ea typeface="+mn-ea"/>
+          <a:cs typeface="+mn-cs"/>
+        </a:defRPr>
+      </a:lvl9pPr>
+    </p:otherStyle>
+  </p:txStyles>
 </p:sldMaster>
 </file>
 
 <file path=ppt/slides/slide1.xml><?xml version="1.0" encoding="utf-8"?>
-<p:sld xmlns:a="http://schemas.openxmlformats.org/drawingml/2006/main" xmlns:p="http://schemas.openxmlformats.org/presentationml/2006/main" xmlns:r="http://schemas.openxmlformats.org/officeDocument/2006/relationships" xmlns:p14="http://schemas.microsoft.com/office/powerpoint/2010/main" xmlns:p15="http://schemas.microsoft.com/office/powerpoint/2012/main" xmlns:mc="http://schemas.openxmlformats.org/markup-compatibility/2006">
+<p:sld xmlns:a="http://schemas.openxmlformats.org/drawingml/2006/main" xmlns:r="http://schemas.openxmlformats.org/officeDocument/2006/relationships" xmlns:p="http://schemas.openxmlformats.org/presentationml/2006/main">
   <p:cSld>
     <p:spTree>
       <p:nvGrpSpPr>
@@ -4166,7 +4806,7 @@
             <a:avLst/>
           </a:prstGeom>
           <a:solidFill>
-            <a:srgbClr val="ffffff"/>
+            <a:srgbClr val="FFFFFF"/>
           </a:solidFill>
           <a:ln w="38160">
             <a:solidFill>
@@ -4176,7 +4816,8 @@
           </a:ln>
         </p:spPr>
         <p:txBody>
-          <a:bodyPr lIns="274320" rIns="274320" tIns="182880" bIns="182880" anchor="ctr" anchorCtr="1"/>
+          <a:bodyPr lIns="274320" tIns="182880" rIns="274320" bIns="182880" anchor="ctr" anchorCtr="1"/>
+          <a:lstStyle/>
           <a:p>
             <a:pPr algn="ctr">
               <a:lnSpc>
@@ -4184,26 +4825,26 @@
               </a:lnSpc>
             </a:pPr>
             <a:r>
-              <a:rPr b="0" lang="en-US" sz="3800" spc="199" strike="noStrike" cap="all">
+              <a:rPr lang="en-US" sz="3800" b="0" strike="noStrike" cap="all" spc="199">
                 <a:solidFill>
                   <a:srgbClr val="262626"/>
                 </a:solidFill>
                 <a:uFill>
                   <a:solidFill>
-                    <a:srgbClr val="ffffff"/>
+                    <a:srgbClr val="FFFFFF"/>
                   </a:solidFill>
                 </a:uFill>
                 <a:latin typeface="Gill Sans MT"/>
               </a:rPr>
               <a:t>Sprint 1I Review and Retrospective</a:t>
             </a:r>
-            <a:endParaRPr b="0" lang="en-US" sz="1800" spc="-1" strike="noStrike">
-              <a:solidFill>
-                <a:srgbClr val="ffffff"/>
-              </a:solidFill>
-              <a:uFill>
-                <a:solidFill>
-                  <a:srgbClr val="ffffff"/>
+            <a:endParaRPr lang="en-US" sz="1800" b="0" strike="noStrike" spc="-1">
+              <a:solidFill>
+                <a:srgbClr val="FFFFFF"/>
+              </a:solidFill>
+              <a:uFill>
+                <a:solidFill>
+                  <a:srgbClr val="FFFFFF"/>
                 </a:solidFill>
               </a:uFill>
               <a:latin typeface="Gill Sans MT"/>
@@ -4232,6 +4873,7 @@
         </p:spPr>
         <p:txBody>
           <a:bodyPr/>
+          <a:lstStyle/>
           <a:p>
             <a:pPr algn="ctr">
               <a:lnSpc>
@@ -4239,26 +4881,26 @@
               </a:lnSpc>
             </a:pPr>
             <a:r>
-              <a:rPr b="0" lang="en-US" sz="2000" spc="-1" strike="noStrike">
-                <a:solidFill>
-                  <a:srgbClr val="ffffff"/>
+              <a:rPr lang="en-US" sz="2000" b="0" strike="noStrike" spc="-1">
+                <a:solidFill>
+                  <a:srgbClr val="FFFFFF"/>
                 </a:solidFill>
                 <a:uFill>
                   <a:solidFill>
-                    <a:srgbClr val="ffffff"/>
+                    <a:srgbClr val="FFFFFF"/>
                   </a:solidFill>
                 </a:uFill>
                 <a:latin typeface="Gill Sans MT"/>
               </a:rPr>
               <a:t>Team Cider</a:t>
             </a:r>
-            <a:endParaRPr b="0" lang="en-US" sz="3200" spc="-1" strike="noStrike">
+            <a:endParaRPr lang="en-US" sz="3200" b="0" strike="noStrike" spc="-1">
               <a:solidFill>
                 <a:srgbClr val="000000"/>
               </a:solidFill>
               <a:uFill>
                 <a:solidFill>
-                  <a:srgbClr val="ffffff"/>
+                  <a:srgbClr val="FFFFFF"/>
                 </a:solidFill>
               </a:uFill>
               <a:latin typeface="Arial"/>
@@ -4268,6 +4910,9 @@
       </p:sp>
     </p:spTree>
   </p:cSld>
+  <p:clrMapOvr>
+    <a:masterClrMapping/>
+  </p:clrMapOvr>
   <p:timing>
     <p:tnLst>
       <p:par>
@@ -4276,14 +4921,14 @@
             <p:seq>
               <p:cTn id="2" nodeType="mainSeq"/>
               <p:prevCondLst>
-                <p:cond delay="0" evt="onPrev">
+                <p:cond evt="onPrev" delay="0">
                   <p:tgtEl>
                     <p:sldTgt/>
                   </p:tgtEl>
                 </p:cond>
               </p:prevCondLst>
               <p:nextCondLst>
-                <p:cond delay="0" evt="onNext">
+                <p:cond evt="onNext" delay="0">
                   <p:tgtEl>
                     <p:sldTgt/>
                   </p:tgtEl>
@@ -4299,7 +4944,7 @@
 </file>
 
 <file path=ppt/slides/slide2.xml><?xml version="1.0" encoding="utf-8"?>
-<p:sld xmlns:a="http://schemas.openxmlformats.org/drawingml/2006/main" xmlns:p="http://schemas.openxmlformats.org/presentationml/2006/main" xmlns:r="http://schemas.openxmlformats.org/officeDocument/2006/relationships" xmlns:p14="http://schemas.microsoft.com/office/powerpoint/2010/main" xmlns:p15="http://schemas.microsoft.com/office/powerpoint/2012/main" xmlns:mc="http://schemas.openxmlformats.org/markup-compatibility/2006">
+<p:sld xmlns:a="http://schemas.openxmlformats.org/drawingml/2006/main" xmlns:r="http://schemas.openxmlformats.org/officeDocument/2006/relationships" xmlns:p="http://schemas.openxmlformats.org/presentationml/2006/main">
   <p:cSld>
     <p:spTree>
       <p:nvGrpSpPr>
@@ -4335,7 +4980,8 @@
           </a:ln>
         </p:spPr>
         <p:txBody>
-          <a:bodyPr lIns="182880" rIns="182880" tIns="182880" bIns="182880" anchor="ctr"/>
+          <a:bodyPr lIns="182880" tIns="182880" rIns="182880" bIns="182880" anchor="ctr"/>
+          <a:lstStyle/>
           <a:p>
             <a:pPr algn="ctr">
               <a:lnSpc>
@@ -4343,26 +4989,26 @@
               </a:lnSpc>
             </a:pPr>
             <a:r>
-              <a:rPr b="0" lang="en-US" sz="2800" spc="199" strike="noStrike" cap="all">
+              <a:rPr lang="en-US" sz="2800" b="0" strike="noStrike" cap="all" spc="199">
                 <a:solidFill>
                   <a:srgbClr val="262626"/>
                 </a:solidFill>
                 <a:uFill>
                   <a:solidFill>
-                    <a:srgbClr val="ffffff"/>
+                    <a:srgbClr val="FFFFFF"/>
                   </a:solidFill>
                 </a:uFill>
                 <a:latin typeface="Gill Sans MT"/>
               </a:rPr>
               <a:t>Sprint II review</a:t>
             </a:r>
-            <a:endParaRPr b="0" lang="en-US" sz="1800" spc="-1" strike="noStrike">
+            <a:endParaRPr lang="en-US" sz="1800" b="0" strike="noStrike" spc="-1">
               <a:solidFill>
                 <a:srgbClr val="000000"/>
               </a:solidFill>
               <a:uFill>
                 <a:solidFill>
-                  <a:srgbClr val="ffffff"/>
+                  <a:srgbClr val="FFFFFF"/>
                 </a:solidFill>
               </a:uFill>
               <a:latin typeface="Gill Sans MT"/>
@@ -4391,6 +5037,7 @@
         </p:spPr>
         <p:txBody>
           <a:bodyPr/>
+          <a:lstStyle/>
           <a:p>
             <a:pPr>
               <a:lnSpc>
@@ -4398,26 +5045,26 @@
               </a:lnSpc>
             </a:pPr>
             <a:r>
-              <a:rPr b="1" lang="en-US" sz="1800" spc="-1" strike="noStrike">
+              <a:rPr lang="en-US" sz="1800" b="1" strike="noStrike" spc="-1">
                 <a:solidFill>
                   <a:srgbClr val="262626"/>
                 </a:solidFill>
                 <a:uFill>
                   <a:solidFill>
-                    <a:srgbClr val="ffffff"/>
+                    <a:srgbClr val="FFFFFF"/>
                   </a:solidFill>
                 </a:uFill>
                 <a:latin typeface="Gill Sans MT"/>
               </a:rPr>
               <a:t>Project Status:</a:t>
             </a:r>
-            <a:endParaRPr b="0" lang="en-US" sz="1800" spc="-1" strike="noStrike">
+            <a:endParaRPr lang="en-US" sz="1800" b="0" strike="noStrike" spc="-1">
               <a:solidFill>
                 <a:srgbClr val="262626"/>
               </a:solidFill>
               <a:uFill>
                 <a:solidFill>
-                  <a:srgbClr val="ffffff"/>
+                  <a:srgbClr val="FFFFFF"/>
                 </a:solidFill>
               </a:uFill>
               <a:latin typeface="Gill Sans MT"/>
@@ -4429,19 +5076,19 @@
                 <a:spcPct val="100000"/>
               </a:lnSpc>
               <a:buClr>
-                <a:srgbClr val="418ab3"/>
+                <a:srgbClr val="418AB3"/>
               </a:buClr>
               <a:buFont typeface="Arial"/>
               <a:buChar char="•"/>
             </a:pPr>
             <a:r>
-              <a:rPr b="1" lang="en-US" sz="1800" spc="-1" strike="noStrike">
+              <a:rPr lang="en-US" sz="1800" b="1" strike="noStrike" spc="-1">
                 <a:solidFill>
                   <a:srgbClr val="262626"/>
                 </a:solidFill>
                 <a:uFill>
                   <a:solidFill>
-                    <a:srgbClr val="ffffff"/>
+                    <a:srgbClr val="FFFFFF"/>
                   </a:solidFill>
                 </a:uFill>
                 <a:latin typeface="Gill Sans MT"/>
@@ -4449,30 +5096,19 @@
               <a:t>End-of-Semester Project Goal:</a:t>
             </a:r>
             <a:r>
-              <a:rPr b="0" lang="en-US" sz="1800" spc="-1" strike="noStrike">
+              <a:rPr lang="en-US" sz="1800" b="0" strike="noStrike" spc="-1">
                 <a:solidFill>
                   <a:srgbClr val="262626"/>
                 </a:solidFill>
                 <a:uFill>
                   <a:solidFill>
-                    <a:srgbClr val="ffffff"/>
+                    <a:srgbClr val="FFFFFF"/>
                   </a:solidFill>
                 </a:uFill>
                 <a:latin typeface="Gill Sans MT"/>
               </a:rPr>
               <a:t> Create an android application that helps organize people’s pantry and suggest recipes based on their supplies.</a:t>
             </a:r>
-            <a:endParaRPr b="0" lang="en-US" sz="1800" spc="-1" strike="noStrike">
-              <a:solidFill>
-                <a:srgbClr val="262626"/>
-              </a:solidFill>
-              <a:uFill>
-                <a:solidFill>
-                  <a:srgbClr val="ffffff"/>
-                </a:solidFill>
-              </a:uFill>
-              <a:latin typeface="Gill Sans MT"/>
-            </a:endParaRPr>
           </a:p>
           <a:p>
             <a:pPr marL="228600" indent="-228240">
@@ -4480,19 +5116,19 @@
                 <a:spcPct val="100000"/>
               </a:lnSpc>
               <a:buClr>
-                <a:srgbClr val="418ab3"/>
+                <a:srgbClr val="418AB3"/>
               </a:buClr>
               <a:buFont typeface="Arial"/>
               <a:buChar char="•"/>
             </a:pPr>
             <a:r>
-              <a:rPr b="1" lang="en-US" sz="1800" spc="-1" strike="noStrike">
+              <a:rPr lang="en-US" sz="1800" b="1" strike="noStrike" spc="-1">
                 <a:solidFill>
                   <a:srgbClr val="262626"/>
                 </a:solidFill>
                 <a:uFill>
                   <a:solidFill>
-                    <a:srgbClr val="ffffff"/>
+                    <a:srgbClr val="FFFFFF"/>
                   </a:solidFill>
                 </a:uFill>
                 <a:latin typeface="Gill Sans MT"/>
@@ -4500,30 +5136,19 @@
               <a:t>Sprint II Goal:</a:t>
             </a:r>
             <a:r>
-              <a:rPr b="0" lang="en-US" sz="1800" spc="-1" strike="noStrike">
+              <a:rPr lang="en-US" sz="1800" b="0" strike="noStrike" spc="-1">
                 <a:solidFill>
                   <a:srgbClr val="262626"/>
                 </a:solidFill>
                 <a:uFill>
                   <a:solidFill>
-                    <a:srgbClr val="ffffff"/>
+                    <a:srgbClr val="FFFFFF"/>
                   </a:solidFill>
                 </a:uFill>
                 <a:latin typeface="Gill Sans MT"/>
               </a:rPr>
               <a:t> Modify Recipe Assistant open source code to be more outfitted to our project goal</a:t>
             </a:r>
-            <a:endParaRPr b="0" lang="en-US" sz="1800" spc="-1" strike="noStrike">
-              <a:solidFill>
-                <a:srgbClr val="262626"/>
-              </a:solidFill>
-              <a:uFill>
-                <a:solidFill>
-                  <a:srgbClr val="ffffff"/>
-                </a:solidFill>
-              </a:uFill>
-              <a:latin typeface="Gill Sans MT"/>
-            </a:endParaRPr>
           </a:p>
           <a:p>
             <a:pPr marL="228600" indent="-228240">
@@ -4531,19 +5156,19 @@
                 <a:spcPct val="100000"/>
               </a:lnSpc>
               <a:buClr>
-                <a:srgbClr val="418ab3"/>
+                <a:srgbClr val="418AB3"/>
               </a:buClr>
               <a:buFont typeface="Arial"/>
               <a:buChar char="•"/>
             </a:pPr>
             <a:r>
-              <a:rPr b="1" lang="en-US" sz="1800" spc="-1" strike="noStrike">
+              <a:rPr lang="en-US" sz="1800" b="1" strike="noStrike" spc="-1">
                 <a:solidFill>
                   <a:srgbClr val="262626"/>
                 </a:solidFill>
                 <a:uFill>
                   <a:solidFill>
-                    <a:srgbClr val="ffffff"/>
+                    <a:srgbClr val="FFFFFF"/>
                   </a:solidFill>
                 </a:uFill>
                 <a:latin typeface="Gill Sans MT"/>
@@ -4551,30 +5176,19 @@
               <a:t>Stories Finished: </a:t>
             </a:r>
             <a:r>
-              <a:rPr b="0" lang="en-US" sz="1800" spc="-1" strike="noStrike">
+              <a:rPr lang="en-US" sz="1800" b="0" strike="noStrike" spc="-1">
                 <a:solidFill>
                   <a:srgbClr val="262626"/>
                 </a:solidFill>
                 <a:uFill>
                   <a:solidFill>
-                    <a:srgbClr val="ffffff"/>
+                    <a:srgbClr val="FFFFFF"/>
                   </a:solidFill>
                 </a:uFill>
                 <a:latin typeface="Gill Sans MT"/>
               </a:rPr>
               <a:t>Entity/Relationship Model for Database.</a:t>
             </a:r>
-            <a:endParaRPr b="0" lang="en-US" sz="1800" spc="-1" strike="noStrike">
-              <a:solidFill>
-                <a:srgbClr val="262626"/>
-              </a:solidFill>
-              <a:uFill>
-                <a:solidFill>
-                  <a:srgbClr val="ffffff"/>
-                </a:solidFill>
-              </a:uFill>
-              <a:latin typeface="Gill Sans MT"/>
-            </a:endParaRPr>
           </a:p>
           <a:p>
             <a:pPr marL="228600" indent="-228240">
@@ -4582,19 +5196,19 @@
                 <a:spcPct val="100000"/>
               </a:lnSpc>
               <a:buClr>
-                <a:srgbClr val="418ab3"/>
+                <a:srgbClr val="418AB3"/>
               </a:buClr>
               <a:buFont typeface="Arial"/>
               <a:buChar char="•"/>
             </a:pPr>
             <a:r>
-              <a:rPr b="1" lang="en-US" sz="1800" spc="-1" strike="noStrike">
+              <a:rPr lang="en-US" sz="1800" b="1" strike="noStrike" spc="-1">
                 <a:solidFill>
                   <a:srgbClr val="262626"/>
                 </a:solidFill>
                 <a:uFill>
                   <a:solidFill>
-                    <a:srgbClr val="ffffff"/>
+                    <a:srgbClr val="FFFFFF"/>
                   </a:solidFill>
                 </a:uFill>
                 <a:latin typeface="Gill Sans MT"/>
@@ -4602,30 +5216,19 @@
               <a:t>Artifacts Created: </a:t>
             </a:r>
             <a:r>
-              <a:rPr b="0" lang="en-US" sz="1800" spc="-1" strike="noStrike">
+              <a:rPr lang="en-US" sz="1800" b="0" strike="noStrike" spc="-1">
                 <a:solidFill>
                   <a:srgbClr val="262626"/>
                 </a:solidFill>
                 <a:uFill>
                   <a:solidFill>
-                    <a:srgbClr val="ffffff"/>
+                    <a:srgbClr val="FFFFFF"/>
                   </a:solidFill>
                 </a:uFill>
                 <a:latin typeface="Gill Sans MT"/>
               </a:rPr>
               <a:t>See Code section</a:t>
             </a:r>
-            <a:endParaRPr b="0" lang="en-US" sz="1800" spc="-1" strike="noStrike">
-              <a:solidFill>
-                <a:srgbClr val="262626"/>
-              </a:solidFill>
-              <a:uFill>
-                <a:solidFill>
-                  <a:srgbClr val="ffffff"/>
-                </a:solidFill>
-              </a:uFill>
-              <a:latin typeface="Gill Sans MT"/>
-            </a:endParaRPr>
           </a:p>
           <a:p>
             <a:pPr>
@@ -4633,13 +5236,13 @@
                 <a:spcPct val="100000"/>
               </a:lnSpc>
             </a:pPr>
-            <a:endParaRPr b="0" lang="en-US" sz="1800" spc="-1" strike="noStrike">
+            <a:endParaRPr lang="en-US" sz="1800" b="0" strike="noStrike" spc="-1">
               <a:solidFill>
                 <a:srgbClr val="262626"/>
               </a:solidFill>
               <a:uFill>
                 <a:solidFill>
-                  <a:srgbClr val="ffffff"/>
+                  <a:srgbClr val="FFFFFF"/>
                 </a:solidFill>
               </a:uFill>
               <a:latin typeface="Gill Sans MT"/>
@@ -4651,13 +5254,13 @@
                 <a:spcPct val="100000"/>
               </a:lnSpc>
             </a:pPr>
-            <a:endParaRPr b="0" lang="en-US" sz="1800" spc="-1" strike="noStrike">
+            <a:endParaRPr lang="en-US" sz="1800" b="0" strike="noStrike" spc="-1">
               <a:solidFill>
                 <a:srgbClr val="262626"/>
               </a:solidFill>
               <a:uFill>
                 <a:solidFill>
-                  <a:srgbClr val="ffffff"/>
+                  <a:srgbClr val="FFFFFF"/>
                 </a:solidFill>
               </a:uFill>
               <a:latin typeface="Gill Sans MT"/>
@@ -4667,22 +5270,25 @@
       </p:sp>
     </p:spTree>
   </p:cSld>
+  <p:clrMapOvr>
+    <a:masterClrMapping/>
+  </p:clrMapOvr>
   <p:timing>
     <p:tnLst>
       <p:par>
-        <p:cTn id="3" dur="indefinite" restart="never" nodeType="tmRoot">
+        <p:cTn id="1" dur="indefinite" restart="never" nodeType="tmRoot">
           <p:childTnLst>
             <p:seq>
-              <p:cTn id="4" nodeType="mainSeq"/>
+              <p:cTn id="2" nodeType="mainSeq"/>
               <p:prevCondLst>
-                <p:cond delay="0" evt="onPrev">
+                <p:cond evt="onPrev" delay="0">
                   <p:tgtEl>
                     <p:sldTgt/>
                   </p:tgtEl>
                 </p:cond>
               </p:prevCondLst>
               <p:nextCondLst>
-                <p:cond delay="0" evt="onNext">
+                <p:cond evt="onNext" delay="0">
                   <p:tgtEl>
                     <p:sldTgt/>
                   </p:tgtEl>
@@ -4698,7 +5304,7 @@
 </file>
 
 <file path=ppt/slides/slide3.xml><?xml version="1.0" encoding="utf-8"?>
-<p:sld xmlns:a="http://schemas.openxmlformats.org/drawingml/2006/main" xmlns:p="http://schemas.openxmlformats.org/presentationml/2006/main" xmlns:r="http://schemas.openxmlformats.org/officeDocument/2006/relationships" xmlns:p14="http://schemas.microsoft.com/office/powerpoint/2010/main" xmlns:p15="http://schemas.microsoft.com/office/powerpoint/2012/main" xmlns:mc="http://schemas.openxmlformats.org/markup-compatibility/2006">
+<p:sld xmlns:a="http://schemas.openxmlformats.org/drawingml/2006/main" xmlns:r="http://schemas.openxmlformats.org/officeDocument/2006/relationships" xmlns:p="http://schemas.openxmlformats.org/presentationml/2006/main">
   <p:cSld>
     <p:spTree>
       <p:nvGrpSpPr>
@@ -4734,7 +5340,8 @@
           </a:ln>
         </p:spPr>
         <p:txBody>
-          <a:bodyPr lIns="182880" rIns="182880" tIns="182880" bIns="182880" anchor="ctr"/>
+          <a:bodyPr lIns="182880" tIns="182880" rIns="182880" bIns="182880" anchor="ctr"/>
+          <a:lstStyle/>
           <a:p>
             <a:pPr algn="ctr">
               <a:lnSpc>
@@ -4742,26 +5349,26 @@
               </a:lnSpc>
             </a:pPr>
             <a:r>
-              <a:rPr b="0" lang="en-US" sz="2800" spc="199" strike="noStrike" cap="all">
+              <a:rPr lang="en-US" sz="2800" b="0" strike="noStrike" cap="all" spc="199">
                 <a:solidFill>
                   <a:srgbClr val="262626"/>
                 </a:solidFill>
                 <a:uFill>
                   <a:solidFill>
-                    <a:srgbClr val="ffffff"/>
+                    <a:srgbClr val="FFFFFF"/>
                   </a:solidFill>
                 </a:uFill>
                 <a:latin typeface="Gill Sans MT"/>
               </a:rPr>
               <a:t>retrospective</a:t>
             </a:r>
-            <a:endParaRPr b="0" lang="en-US" sz="1800" spc="-1" strike="noStrike">
+            <a:endParaRPr lang="en-US" sz="1800" b="0" strike="noStrike" spc="-1">
               <a:solidFill>
                 <a:srgbClr val="000000"/>
               </a:solidFill>
               <a:uFill>
                 <a:solidFill>
-                  <a:srgbClr val="ffffff"/>
+                  <a:srgbClr val="FFFFFF"/>
                 </a:solidFill>
               </a:uFill>
               <a:latin typeface="Gill Sans MT"/>
@@ -4790,6 +5397,7 @@
         </p:spPr>
         <p:txBody>
           <a:bodyPr/>
+          <a:lstStyle/>
           <a:p>
             <a:pPr>
               <a:lnSpc>
@@ -4797,26 +5405,26 @@
               </a:lnSpc>
             </a:pPr>
             <a:r>
-              <a:rPr b="1" lang="en-US" sz="1800" spc="-1" strike="noStrike">
+              <a:rPr lang="en-US" sz="1800" b="1" strike="noStrike" spc="-1">
                 <a:solidFill>
                   <a:srgbClr val="262626"/>
                 </a:solidFill>
                 <a:uFill>
                   <a:solidFill>
-                    <a:srgbClr val="ffffff"/>
+                    <a:srgbClr val="FFFFFF"/>
                   </a:solidFill>
                 </a:uFill>
                 <a:latin typeface="Gill Sans MT"/>
               </a:rPr>
               <a:t>What went well?</a:t>
             </a:r>
-            <a:endParaRPr b="0" lang="en-US" sz="1800" spc="-1" strike="noStrike">
+            <a:endParaRPr lang="en-US" sz="1800" b="0" strike="noStrike" spc="-1">
               <a:solidFill>
                 <a:srgbClr val="262626"/>
               </a:solidFill>
               <a:uFill>
                 <a:solidFill>
-                  <a:srgbClr val="ffffff"/>
+                  <a:srgbClr val="FFFFFF"/>
                 </a:solidFill>
               </a:uFill>
               <a:latin typeface="Gill Sans MT"/>
@@ -4828,36 +5436,25 @@
                 <a:spcPct val="100000"/>
               </a:lnSpc>
               <a:buClr>
-                <a:srgbClr val="418ab3"/>
+                <a:srgbClr val="418AB3"/>
               </a:buClr>
               <a:buFont typeface="Arial"/>
               <a:buChar char="•"/>
             </a:pPr>
             <a:r>
-              <a:rPr b="0" lang="en-US" sz="1800" spc="-1" strike="noStrike">
+              <a:rPr lang="en-US" sz="1800" b="0" strike="noStrike" spc="-1">
                 <a:solidFill>
                   <a:srgbClr val="262626"/>
                 </a:solidFill>
                 <a:uFill>
                   <a:solidFill>
-                    <a:srgbClr val="ffffff"/>
+                    <a:srgbClr val="FFFFFF"/>
                   </a:solidFill>
                 </a:uFill>
                 <a:latin typeface="Gill Sans MT"/>
               </a:rPr>
               <a:t>Communication and updates on what each team member was doing.</a:t>
             </a:r>
-            <a:endParaRPr b="0" lang="en-US" sz="1800" spc="-1" strike="noStrike">
-              <a:solidFill>
-                <a:srgbClr val="262626"/>
-              </a:solidFill>
-              <a:uFill>
-                <a:solidFill>
-                  <a:srgbClr val="ffffff"/>
-                </a:solidFill>
-              </a:uFill>
-              <a:latin typeface="Gill Sans MT"/>
-            </a:endParaRPr>
           </a:p>
           <a:p>
             <a:pPr marL="228600" indent="-228240">
@@ -4865,36 +5462,25 @@
                 <a:spcPct val="100000"/>
               </a:lnSpc>
               <a:buClr>
-                <a:srgbClr val="418ab3"/>
+                <a:srgbClr val="418AB3"/>
               </a:buClr>
               <a:buFont typeface="Arial"/>
               <a:buChar char="•"/>
             </a:pPr>
             <a:r>
-              <a:rPr b="0" lang="en-US" sz="1800" spc="-1" strike="noStrike">
+              <a:rPr lang="en-US" sz="1800" b="0" strike="noStrike" spc="-1">
                 <a:solidFill>
                   <a:srgbClr val="262626"/>
                 </a:solidFill>
                 <a:uFill>
                   <a:solidFill>
-                    <a:srgbClr val="ffffff"/>
+                    <a:srgbClr val="FFFFFF"/>
                   </a:solidFill>
                 </a:uFill>
                 <a:latin typeface="Gill Sans MT"/>
               </a:rPr>
               <a:t>Consensus on dropping work.</a:t>
             </a:r>
-            <a:endParaRPr b="0" lang="en-US" sz="1800" spc="-1" strike="noStrike">
-              <a:solidFill>
-                <a:srgbClr val="262626"/>
-              </a:solidFill>
-              <a:uFill>
-                <a:solidFill>
-                  <a:srgbClr val="ffffff"/>
-                </a:solidFill>
-              </a:uFill>
-              <a:latin typeface="Gill Sans MT"/>
-            </a:endParaRPr>
           </a:p>
           <a:p>
             <a:pPr marL="228600" indent="-228240">
@@ -4902,36 +5488,25 @@
                 <a:spcPct val="100000"/>
               </a:lnSpc>
               <a:buClr>
-                <a:srgbClr val="418ab3"/>
+                <a:srgbClr val="418AB3"/>
               </a:buClr>
               <a:buFont typeface="Arial"/>
               <a:buChar char="•"/>
             </a:pPr>
             <a:r>
-              <a:rPr b="0" lang="en-US" sz="1800" spc="-1" strike="noStrike">
+              <a:rPr lang="en-US" sz="1800" b="0" strike="noStrike" spc="-1">
                 <a:solidFill>
                   <a:srgbClr val="262626"/>
                 </a:solidFill>
                 <a:uFill>
                   <a:solidFill>
-                    <a:srgbClr val="ffffff"/>
+                    <a:srgbClr val="FFFFFF"/>
                   </a:solidFill>
                 </a:uFill>
                 <a:latin typeface="Gill Sans MT"/>
               </a:rPr>
               <a:t>Work load balance among team members.</a:t>
             </a:r>
-            <a:endParaRPr b="0" lang="en-US" sz="1800" spc="-1" strike="noStrike">
-              <a:solidFill>
-                <a:srgbClr val="262626"/>
-              </a:solidFill>
-              <a:uFill>
-                <a:solidFill>
-                  <a:srgbClr val="ffffff"/>
-                </a:solidFill>
-              </a:uFill>
-              <a:latin typeface="Gill Sans MT"/>
-            </a:endParaRPr>
           </a:p>
           <a:p>
             <a:pPr>
@@ -4940,26 +5515,26 @@
               </a:lnSpc>
             </a:pPr>
             <a:r>
-              <a:rPr b="1" lang="en-US" sz="1800" spc="-1" strike="noStrike">
+              <a:rPr lang="en-US" sz="1800" b="1" strike="noStrike" spc="-1">
                 <a:solidFill>
                   <a:srgbClr val="262626"/>
                 </a:solidFill>
                 <a:uFill>
                   <a:solidFill>
-                    <a:srgbClr val="ffffff"/>
+                    <a:srgbClr val="FFFFFF"/>
                   </a:solidFill>
                 </a:uFill>
                 <a:latin typeface="Gill Sans MT"/>
               </a:rPr>
               <a:t>What might be impending us from performing better?</a:t>
             </a:r>
-            <a:endParaRPr b="0" lang="en-US" sz="1800" spc="-1" strike="noStrike">
+            <a:endParaRPr lang="en-US" sz="1800" b="0" strike="noStrike" spc="-1">
               <a:solidFill>
                 <a:srgbClr val="262626"/>
               </a:solidFill>
               <a:uFill>
                 <a:solidFill>
-                  <a:srgbClr val="ffffff"/>
+                  <a:srgbClr val="FFFFFF"/>
                 </a:solidFill>
               </a:uFill>
               <a:latin typeface="Gill Sans MT"/>
@@ -4971,57 +5546,49 @@
                 <a:spcPct val="100000"/>
               </a:lnSpc>
               <a:buClr>
-                <a:srgbClr val="418ab3"/>
+                <a:srgbClr val="418AB3"/>
               </a:buClr>
               <a:buFont typeface="Arial"/>
               <a:buChar char="•"/>
             </a:pPr>
             <a:r>
-              <a:rPr b="0" lang="en-US" sz="1800" spc="-1" strike="noStrike">
+              <a:rPr lang="en-US" sz="1800" b="0" strike="noStrike" spc="-1">
                 <a:solidFill>
                   <a:srgbClr val="262626"/>
                 </a:solidFill>
                 <a:uFill>
                   <a:solidFill>
-                    <a:srgbClr val="ffffff"/>
+                    <a:srgbClr val="FFFFFF"/>
                   </a:solidFill>
                 </a:uFill>
                 <a:latin typeface="Gill Sans MT"/>
               </a:rPr>
               <a:t>General proficiency in Android development.</a:t>
             </a:r>
-            <a:endParaRPr b="0" lang="en-US" sz="1800" spc="-1" strike="noStrike">
-              <a:solidFill>
-                <a:srgbClr val="262626"/>
-              </a:solidFill>
-              <a:uFill>
-                <a:solidFill>
-                  <a:srgbClr val="ffffff"/>
-                </a:solidFill>
-              </a:uFill>
-              <a:latin typeface="Gill Sans MT"/>
-            </a:endParaRPr>
           </a:p>
         </p:txBody>
       </p:sp>
     </p:spTree>
   </p:cSld>
+  <p:clrMapOvr>
+    <a:masterClrMapping/>
+  </p:clrMapOvr>
   <p:timing>
     <p:tnLst>
       <p:par>
-        <p:cTn id="5" dur="indefinite" restart="never" nodeType="tmRoot">
+        <p:cTn id="1" dur="indefinite" restart="never" nodeType="tmRoot">
           <p:childTnLst>
             <p:seq>
-              <p:cTn id="6" nodeType="mainSeq"/>
+              <p:cTn id="2" nodeType="mainSeq"/>
               <p:prevCondLst>
-                <p:cond delay="0" evt="onPrev">
+                <p:cond evt="onPrev" delay="0">
                   <p:tgtEl>
                     <p:sldTgt/>
                   </p:tgtEl>
                 </p:cond>
               </p:prevCondLst>
               <p:nextCondLst>
-                <p:cond delay="0" evt="onNext">
+                <p:cond evt="onNext" delay="0">
                   <p:tgtEl>
                     <p:sldTgt/>
                   </p:tgtEl>
@@ -5037,7 +5604,7 @@
 </file>
 
 <file path=ppt/slides/slide4.xml><?xml version="1.0" encoding="utf-8"?>
-<p:sld xmlns:a="http://schemas.openxmlformats.org/drawingml/2006/main" xmlns:p="http://schemas.openxmlformats.org/presentationml/2006/main" xmlns:r="http://schemas.openxmlformats.org/officeDocument/2006/relationships" xmlns:p14="http://schemas.microsoft.com/office/powerpoint/2010/main" xmlns:p15="http://schemas.microsoft.com/office/powerpoint/2012/main" xmlns:mc="http://schemas.openxmlformats.org/markup-compatibility/2006">
+<p:sld xmlns:a="http://schemas.openxmlformats.org/drawingml/2006/main" xmlns:r="http://schemas.openxmlformats.org/officeDocument/2006/relationships" xmlns:p="http://schemas.openxmlformats.org/presentationml/2006/main">
   <p:cSld>
     <p:spTree>
       <p:nvGrpSpPr>
@@ -5073,7 +5640,8 @@
           </a:ln>
         </p:spPr>
         <p:txBody>
-          <a:bodyPr lIns="182880" rIns="182880" tIns="182880" bIns="182880" anchor="ctr"/>
+          <a:bodyPr lIns="182880" tIns="182880" rIns="182880" bIns="182880" anchor="ctr"/>
+          <a:lstStyle/>
           <a:p>
             <a:pPr algn="ctr">
               <a:lnSpc>
@@ -5081,26 +5649,26 @@
               </a:lnSpc>
             </a:pPr>
             <a:r>
-              <a:rPr b="0" lang="en-US" sz="2800" spc="199" strike="noStrike" cap="all">
+              <a:rPr lang="en-US" sz="2800" b="0" strike="noStrike" cap="all" spc="199">
                 <a:solidFill>
                   <a:srgbClr val="262626"/>
                 </a:solidFill>
                 <a:uFill>
                   <a:solidFill>
-                    <a:srgbClr val="ffffff"/>
+                    <a:srgbClr val="FFFFFF"/>
                   </a:solidFill>
                 </a:uFill>
                 <a:latin typeface="Gill Sans MT"/>
               </a:rPr>
               <a:t>retrospective</a:t>
             </a:r>
-            <a:endParaRPr b="0" lang="en-US" sz="1800" spc="-1" strike="noStrike">
+            <a:endParaRPr lang="en-US" sz="1800" b="0" strike="noStrike" spc="-1">
               <a:solidFill>
                 <a:srgbClr val="000000"/>
               </a:solidFill>
               <a:uFill>
                 <a:solidFill>
-                  <a:srgbClr val="ffffff"/>
+                  <a:srgbClr val="FFFFFF"/>
                 </a:solidFill>
               </a:uFill>
               <a:latin typeface="Gill Sans MT"/>
@@ -5129,6 +5697,7 @@
         </p:spPr>
         <p:txBody>
           <a:bodyPr/>
+          <a:lstStyle/>
           <a:p>
             <a:pPr>
               <a:lnSpc>
@@ -5136,26 +5705,26 @@
               </a:lnSpc>
             </a:pPr>
             <a:r>
-              <a:rPr b="1" lang="en-US" sz="1800" spc="-1" strike="noStrike">
+              <a:rPr lang="en-US" sz="1800" b="1" strike="noStrike" spc="-1" dirty="0">
                 <a:solidFill>
                   <a:srgbClr val="262626"/>
                 </a:solidFill>
                 <a:uFill>
                   <a:solidFill>
-                    <a:srgbClr val="ffffff"/>
+                    <a:srgbClr val="FFFFFF"/>
                   </a:solidFill>
                 </a:uFill>
                 <a:latin typeface="Gill Sans MT"/>
               </a:rPr>
               <a:t>What can we do to improve?</a:t>
             </a:r>
-            <a:endParaRPr b="0" lang="en-US" sz="1800" spc="-1" strike="noStrike">
+            <a:endParaRPr lang="en-US" sz="1800" b="0" strike="noStrike" spc="-1" dirty="0">
               <a:solidFill>
                 <a:srgbClr val="262626"/>
               </a:solidFill>
               <a:uFill>
                 <a:solidFill>
-                  <a:srgbClr val="ffffff"/>
+                  <a:srgbClr val="FFFFFF"/>
                 </a:solidFill>
               </a:uFill>
               <a:latin typeface="Gill Sans MT"/>
@@ -5167,36 +5736,25 @@
                 <a:spcPct val="100000"/>
               </a:lnSpc>
               <a:buClr>
-                <a:srgbClr val="418ab3"/>
+                <a:srgbClr val="418AB3"/>
               </a:buClr>
               <a:buFont typeface="Arial"/>
               <a:buChar char="•"/>
             </a:pPr>
             <a:r>
-              <a:rPr b="0" lang="en-US" sz="1800" spc="-1" strike="noStrike">
+              <a:rPr lang="en-US" sz="1800" b="0" strike="noStrike" spc="-1" dirty="0">
                 <a:solidFill>
                   <a:srgbClr val="262626"/>
                 </a:solidFill>
                 <a:uFill>
                   <a:solidFill>
-                    <a:srgbClr val="ffffff"/>
+                    <a:srgbClr val="FFFFFF"/>
                   </a:solidFill>
                 </a:uFill>
                 <a:latin typeface="Gill Sans MT"/>
               </a:rPr>
               <a:t>As a team: Break down larger issues into smaller ones.</a:t>
             </a:r>
-            <a:endParaRPr b="0" lang="en-US" sz="1800" spc="-1" strike="noStrike">
-              <a:solidFill>
-                <a:srgbClr val="262626"/>
-              </a:solidFill>
-              <a:uFill>
-                <a:solidFill>
-                  <a:srgbClr val="ffffff"/>
-                </a:solidFill>
-              </a:uFill>
-              <a:latin typeface="Gill Sans MT"/>
-            </a:endParaRPr>
           </a:p>
           <a:p>
             <a:pPr marL="228600" indent="-228240">
@@ -5204,279 +5762,286 @@
                 <a:spcPct val="100000"/>
               </a:lnSpc>
               <a:buClr>
-                <a:srgbClr val="418ab3"/>
+                <a:srgbClr val="418AB3"/>
               </a:buClr>
               <a:buFont typeface="Arial"/>
               <a:buChar char="•"/>
             </a:pPr>
             <a:r>
-              <a:rPr b="0" lang="en-US" sz="1800" spc="-1" strike="noStrike">
+              <a:rPr lang="en-US" sz="1800" b="0" strike="noStrike" spc="-1" dirty="0">
                 <a:solidFill>
                   <a:srgbClr val="262626"/>
                 </a:solidFill>
                 <a:uFill>
                   <a:solidFill>
-                    <a:srgbClr val="ffffff"/>
+                    <a:srgbClr val="FFFFFF"/>
                   </a:solidFill>
                 </a:uFill>
                 <a:latin typeface="Gill Sans MT"/>
               </a:rPr>
               <a:t>Individually:</a:t>
             </a:r>
-            <a:endParaRPr b="0" lang="en-US" sz="1800" spc="-1" strike="noStrike">
-              <a:solidFill>
-                <a:srgbClr val="262626"/>
-              </a:solidFill>
-              <a:uFill>
-                <a:solidFill>
-                  <a:srgbClr val="ffffff"/>
-                </a:solidFill>
-              </a:uFill>
-              <a:latin typeface="Gill Sans MT"/>
-            </a:endParaRPr>
-          </a:p>
-          <a:p>
-            <a:pPr lvl="1" marL="457200" indent="-228240">
+          </a:p>
+          <a:p>
+            <a:pPr marL="457200" lvl="1" indent="-228240">
               <a:lnSpc>
                 <a:spcPct val="100000"/>
               </a:lnSpc>
               <a:buClr>
-                <a:srgbClr val="418ab3"/>
+                <a:srgbClr val="418AB3"/>
               </a:buClr>
               <a:buFont typeface="Arial"/>
               <a:buChar char="•"/>
             </a:pPr>
             <a:r>
-              <a:rPr b="0" lang="en-US" sz="1600" spc="-1" strike="noStrike">
+              <a:rPr lang="en-US" sz="1600" b="0" strike="noStrike" spc="-1" dirty="0">
                 <a:solidFill>
                   <a:srgbClr val="262626"/>
                 </a:solidFill>
                 <a:uFill>
                   <a:solidFill>
-                    <a:srgbClr val="ffffff"/>
+                    <a:srgbClr val="FFFFFF"/>
                   </a:solidFill>
                 </a:uFill>
                 <a:latin typeface="Gill Sans MT"/>
               </a:rPr>
               <a:t>Sherman: Update team/management early and regularly when hitting blocks.</a:t>
             </a:r>
-            <a:endParaRPr b="0" lang="en-US" sz="1600" spc="-1" strike="noStrike">
-              <a:solidFill>
-                <a:srgbClr val="262626"/>
-              </a:solidFill>
-              <a:uFill>
-                <a:solidFill>
-                  <a:srgbClr val="ffffff"/>
-                </a:solidFill>
-              </a:uFill>
-              <a:latin typeface="Gill Sans MT"/>
-            </a:endParaRPr>
-          </a:p>
-          <a:p>
-            <a:pPr lvl="1" marL="457200" indent="-228240">
+          </a:p>
+          <a:p>
+            <a:pPr marL="457200" lvl="1" indent="-228240">
               <a:lnSpc>
                 <a:spcPct val="100000"/>
               </a:lnSpc>
               <a:buClr>
-                <a:srgbClr val="418ab3"/>
+                <a:srgbClr val="418AB3"/>
               </a:buClr>
               <a:buFont typeface="Arial"/>
               <a:buChar char="•"/>
             </a:pPr>
             <a:r>
-              <a:rPr b="0" lang="en-US" sz="1600" spc="-1" strike="noStrike">
+              <a:rPr lang="en-US" sz="1600" b="0" strike="noStrike" spc="-1" dirty="0">
                 <a:solidFill>
                   <a:srgbClr val="262626"/>
                 </a:solidFill>
                 <a:uFill>
                   <a:solidFill>
-                    <a:srgbClr val="ffffff"/>
+                    <a:srgbClr val="FFFFFF"/>
                   </a:solidFill>
                 </a:uFill>
                 <a:latin typeface="Gill Sans MT"/>
               </a:rPr>
-              <a:t>Ed:</a:t>
+              <a:t>Ed</a:t>
             </a:r>
-            <a:endParaRPr b="0" lang="en-US" sz="1600" spc="-1" strike="noStrike">
+            <a:r>
+              <a:rPr lang="en-US" sz="1600" b="0" strike="noStrike" spc="-1" smtClean="0">
+                <a:solidFill>
+                  <a:srgbClr val="262626"/>
+                </a:solidFill>
+                <a:uFill>
+                  <a:solidFill>
+                    <a:srgbClr val="FFFFFF"/>
+                  </a:solidFill>
+                </a:uFill>
+                <a:latin typeface="Gill Sans MT"/>
+              </a:rPr>
+              <a:t>: </a:t>
+            </a:r>
+            <a:r>
+              <a:rPr lang="en-US" sz="1600" b="0" strike="noStrike" spc="-1" smtClean="0">
+                <a:solidFill>
+                  <a:srgbClr val="262626"/>
+                </a:solidFill>
+                <a:uFill>
+                  <a:solidFill>
+                    <a:srgbClr val="FFFFFF"/>
+                  </a:solidFill>
+                </a:uFill>
+                <a:latin typeface="Gill Sans MT"/>
+              </a:rPr>
+              <a:t>Make </a:t>
+            </a:r>
+            <a:r>
+              <a:rPr lang="en-US" sz="1600" b="0" strike="noStrike" spc="-1" dirty="0" smtClean="0">
+                <a:solidFill>
+                  <a:srgbClr val="262626"/>
+                </a:solidFill>
+                <a:uFill>
+                  <a:solidFill>
+                    <a:srgbClr val="FFFFFF"/>
+                  </a:solidFill>
+                </a:uFill>
+                <a:latin typeface="Gill Sans MT"/>
+              </a:rPr>
+              <a:t>tasks more simple, allowing more time to finish </a:t>
+            </a:r>
+            <a:r>
+              <a:rPr lang="en-US" sz="1600" b="0" strike="noStrike" spc="-1" smtClean="0">
+                <a:solidFill>
+                  <a:srgbClr val="262626"/>
+                </a:solidFill>
+                <a:uFill>
+                  <a:solidFill>
+                    <a:srgbClr val="FFFFFF"/>
+                  </a:solidFill>
+                </a:uFill>
+                <a:latin typeface="Gill Sans MT"/>
+              </a:rPr>
+              <a:t>each </a:t>
+            </a:r>
+            <a:r>
+              <a:rPr lang="en-US" sz="1600" b="0" strike="noStrike" spc="-1" smtClean="0">
+                <a:solidFill>
+                  <a:srgbClr val="262626"/>
+                </a:solidFill>
+                <a:uFill>
+                  <a:solidFill>
+                    <a:srgbClr val="FFFFFF"/>
+                  </a:solidFill>
+                </a:uFill>
+                <a:latin typeface="Gill Sans MT"/>
+              </a:rPr>
+              <a:t>task.</a:t>
+            </a:r>
+            <a:endParaRPr lang="en-US" sz="1600" b="0" strike="noStrike" spc="-1" dirty="0">
               <a:solidFill>
                 <a:srgbClr val="262626"/>
               </a:solidFill>
               <a:uFill>
                 <a:solidFill>
-                  <a:srgbClr val="ffffff"/>
-                </a:solidFill>
-              </a:uFill>
-              <a:latin typeface="Gill Sans MT"/>
-            </a:endParaRPr>
-          </a:p>
-          <a:p>
-            <a:pPr lvl="1" marL="457200" indent="-228240">
+                  <a:srgbClr val="FFFFFF"/>
+                </a:solidFill>
+              </a:uFill>
+              <a:latin typeface="Gill Sans MT"/>
+            </a:endParaRPr>
+          </a:p>
+          <a:p>
+            <a:pPr marL="457200" lvl="1" indent="-228240">
               <a:lnSpc>
                 <a:spcPct val="100000"/>
               </a:lnSpc>
               <a:buClr>
-                <a:srgbClr val="418ab3"/>
+                <a:srgbClr val="418AB3"/>
               </a:buClr>
               <a:buFont typeface="Arial"/>
               <a:buChar char="•"/>
             </a:pPr>
             <a:r>
-              <a:rPr b="0" lang="en-US" sz="1600" spc="-1" strike="noStrike">
+              <a:rPr lang="en-US" sz="1600" b="0" strike="noStrike" spc="-1" dirty="0">
                 <a:solidFill>
                   <a:srgbClr val="262626"/>
                 </a:solidFill>
                 <a:uFill>
                   <a:solidFill>
-                    <a:srgbClr val="ffffff"/>
+                    <a:srgbClr val="FFFFFF"/>
                   </a:solidFill>
                 </a:uFill>
                 <a:latin typeface="Gill Sans MT"/>
               </a:rPr>
               <a:t>Nick:</a:t>
             </a:r>
-            <a:endParaRPr b="0" lang="en-US" sz="1600" spc="-1" strike="noStrike">
-              <a:solidFill>
-                <a:srgbClr val="262626"/>
-              </a:solidFill>
-              <a:uFill>
-                <a:solidFill>
-                  <a:srgbClr val="ffffff"/>
-                </a:solidFill>
-              </a:uFill>
-              <a:latin typeface="Gill Sans MT"/>
-            </a:endParaRPr>
-          </a:p>
-          <a:p>
-            <a:pPr lvl="1" marL="457200" indent="-228240">
+          </a:p>
+          <a:p>
+            <a:pPr marL="457200" lvl="1" indent="-228240">
               <a:lnSpc>
                 <a:spcPct val="100000"/>
               </a:lnSpc>
               <a:buClr>
-                <a:srgbClr val="418ab3"/>
+                <a:srgbClr val="418AB3"/>
               </a:buClr>
               <a:buFont typeface="Arial"/>
               <a:buChar char="•"/>
             </a:pPr>
             <a:r>
-              <a:rPr b="0" lang="en-US" sz="1600" spc="-1" strike="noStrike">
+              <a:rPr lang="en-US" sz="1600" b="0" strike="noStrike" spc="-1" dirty="0">
                 <a:solidFill>
                   <a:srgbClr val="262626"/>
                 </a:solidFill>
                 <a:uFill>
                   <a:solidFill>
-                    <a:srgbClr val="ffffff"/>
+                    <a:srgbClr val="FFFFFF"/>
                   </a:solidFill>
                 </a:uFill>
                 <a:latin typeface="Gill Sans MT"/>
               </a:rPr>
               <a:t>Christian: Plan ahead more clearly to minimize changing issues mid-sprint, dropping work.</a:t>
             </a:r>
-            <a:endParaRPr b="0" lang="en-US" sz="1600" spc="-1" strike="noStrike">
-              <a:solidFill>
-                <a:srgbClr val="262626"/>
-              </a:solidFill>
-              <a:uFill>
-                <a:solidFill>
-                  <a:srgbClr val="ffffff"/>
-                </a:solidFill>
-              </a:uFill>
-              <a:latin typeface="Gill Sans MT"/>
-            </a:endParaRPr>
-          </a:p>
-          <a:p>
-            <a:pPr lvl="1" marL="457200" indent="-228240">
+          </a:p>
+          <a:p>
+            <a:pPr marL="457200" lvl="1" indent="-228240">
               <a:lnSpc>
                 <a:spcPct val="100000"/>
               </a:lnSpc>
               <a:buClr>
-                <a:srgbClr val="418ab3"/>
+                <a:srgbClr val="418AB3"/>
               </a:buClr>
               <a:buFont typeface="Arial"/>
               <a:buChar char="•"/>
             </a:pPr>
             <a:r>
-              <a:rPr b="0" lang="en-US" sz="1600" spc="-1" strike="noStrike">
+              <a:rPr lang="en-US" sz="1600" b="0" strike="noStrike" spc="-1" dirty="0">
                 <a:solidFill>
                   <a:srgbClr val="262626"/>
                 </a:solidFill>
                 <a:uFill>
                   <a:solidFill>
-                    <a:srgbClr val="ffffff"/>
+                    <a:srgbClr val="FFFFFF"/>
                   </a:solidFill>
                 </a:uFill>
                 <a:latin typeface="Gill Sans MT"/>
               </a:rPr>
               <a:t>Forrest:</a:t>
             </a:r>
-            <a:endParaRPr b="0" lang="en-US" sz="1600" spc="-1" strike="noStrike">
-              <a:solidFill>
-                <a:srgbClr val="262626"/>
-              </a:solidFill>
-              <a:uFill>
-                <a:solidFill>
-                  <a:srgbClr val="ffffff"/>
-                </a:solidFill>
-              </a:uFill>
-              <a:latin typeface="Gill Sans MT"/>
-            </a:endParaRPr>
-          </a:p>
-          <a:p>
-            <a:pPr lvl="1" marL="457200" indent="-228240">
+          </a:p>
+          <a:p>
+            <a:pPr marL="457200" lvl="1" indent="-228240">
               <a:lnSpc>
                 <a:spcPct val="100000"/>
               </a:lnSpc>
               <a:buClr>
-                <a:srgbClr val="418ab3"/>
+                <a:srgbClr val="418AB3"/>
               </a:buClr>
               <a:buFont typeface="Arial"/>
               <a:buChar char="•"/>
             </a:pPr>
             <a:r>
-              <a:rPr b="0" lang="en-US" sz="1600" spc="-1" strike="noStrike">
+              <a:rPr lang="en-US" sz="1600" b="0" strike="noStrike" spc="-1" dirty="0">
                 <a:solidFill>
                   <a:srgbClr val="262626"/>
                 </a:solidFill>
                 <a:uFill>
                   <a:solidFill>
-                    <a:srgbClr val="ffffff"/>
+                    <a:srgbClr val="FFFFFF"/>
                   </a:solidFill>
                 </a:uFill>
                 <a:latin typeface="Gill Sans MT"/>
               </a:rPr>
               <a:t>Zack:</a:t>
             </a:r>
-            <a:endParaRPr b="0" lang="en-US" sz="1600" spc="-1" strike="noStrike">
-              <a:solidFill>
-                <a:srgbClr val="262626"/>
-              </a:solidFill>
-              <a:uFill>
-                <a:solidFill>
-                  <a:srgbClr val="ffffff"/>
-                </a:solidFill>
-              </a:uFill>
-              <a:latin typeface="Gill Sans MT"/>
-            </a:endParaRPr>
           </a:p>
         </p:txBody>
       </p:sp>
     </p:spTree>
   </p:cSld>
+  <p:clrMapOvr>
+    <a:masterClrMapping/>
+  </p:clrMapOvr>
   <p:timing>
     <p:tnLst>
       <p:par>
-        <p:cTn id="7" dur="indefinite" restart="never" nodeType="tmRoot">
+        <p:cTn id="1" dur="indefinite" restart="never" nodeType="tmRoot">
           <p:childTnLst>
             <p:seq>
-              <p:cTn id="8" nodeType="mainSeq"/>
+              <p:cTn id="2" nodeType="mainSeq"/>
               <p:prevCondLst>
-                <p:cond delay="0" evt="onPrev">
+                <p:cond evt="onPrev" delay="0">
                   <p:tgtEl>
                     <p:sldTgt/>
                   </p:tgtEl>
                 </p:cond>
               </p:prevCondLst>
               <p:nextCondLst>
-                <p:cond delay="0" evt="onNext">
+                <p:cond evt="onNext" delay="0">
                   <p:tgtEl>
                     <p:sldTgt/>
                   </p:tgtEl>
@@ -5711,6 +6276,8 @@
       </a:bgFillStyleLst>
     </a:fmtScheme>
   </a:themeElements>
+  <a:objectDefaults/>
+  <a:extraClrSchemeLst/>
 </a:theme>
 </file>
 
@@ -5934,5 +6501,7 @@
       </a:bgFillStyleLst>
     </a:fmtScheme>
   </a:themeElements>
+  <a:objectDefaults/>
+  <a:extraClrSchemeLst/>
 </a:theme>
 </file>
--- a/Presentations/Sprint 2 Review.pptx
+++ b/Presentations/Sprint 2 Review.pptx
@@ -108,11 +108,6 @@
       </a:defRPr>
     </a:lvl9pPr>
   </p:defaultTextStyle>
-  <p:extLst>
-    <p:ext uri="{EFAFB233-063F-42B5-8137-9DF3F51BA10A}">
-      <p15:sldGuideLst xmlns:p15="http://schemas.microsoft.com/office/powerpoint/2012/main"/>
-    </p:ext>
-  </p:extLst>
 </p:presentation>
 </file>
 
@@ -5834,7 +5829,7 @@
               <a:t>Ed</a:t>
             </a:r>
             <a:r>
-              <a:rPr lang="en-US" sz="1600" b="0" strike="noStrike" spc="-1" smtClean="0">
+              <a:rPr lang="en-US" sz="1600" b="0" strike="noStrike" spc="-1" dirty="0" smtClean="0">
                 <a:solidFill>
                   <a:srgbClr val="262626"/>
                 </a:solidFill>
@@ -5845,10 +5840,10 @@
                 </a:uFill>
                 <a:latin typeface="Gill Sans MT"/>
               </a:rPr>
-              <a:t>: </a:t>
+              <a:t>: Make tasks </a:t>
             </a:r>
             <a:r>
-              <a:rPr lang="en-US" sz="1600" b="0" strike="noStrike" spc="-1" smtClean="0">
+              <a:rPr lang="en-US" sz="1600" spc="-1" dirty="0" smtClean="0">
                 <a:solidFill>
                   <a:srgbClr val="262626"/>
                 </a:solidFill>
@@ -5859,10 +5854,10 @@
                 </a:uFill>
                 <a:latin typeface="Gill Sans MT"/>
               </a:rPr>
-              <a:t>Make </a:t>
+              <a:t>simpler, to allow ability to finish each task assigned </a:t>
             </a:r>
             <a:r>
-              <a:rPr lang="en-US" sz="1600" b="0" strike="noStrike" spc="-1" dirty="0" smtClean="0">
+              <a:rPr lang="en-US" sz="1600" spc="-1" smtClean="0">
                 <a:solidFill>
                   <a:srgbClr val="262626"/>
                 </a:solidFill>
@@ -5873,37 +5868,9 @@
                 </a:uFill>
                 <a:latin typeface="Gill Sans MT"/>
               </a:rPr>
-              <a:t>tasks more simple, allowing more time to finish </a:t>
+              <a:t>in sprint.</a:t>
             </a:r>
-            <a:r>
-              <a:rPr lang="en-US" sz="1600" b="0" strike="noStrike" spc="-1" smtClean="0">
-                <a:solidFill>
-                  <a:srgbClr val="262626"/>
-                </a:solidFill>
-                <a:uFill>
-                  <a:solidFill>
-                    <a:srgbClr val="FFFFFF"/>
-                  </a:solidFill>
-                </a:uFill>
-                <a:latin typeface="Gill Sans MT"/>
-              </a:rPr>
-              <a:t>each </a:t>
-            </a:r>
-            <a:r>
-              <a:rPr lang="en-US" sz="1600" b="0" strike="noStrike" spc="-1" smtClean="0">
-                <a:solidFill>
-                  <a:srgbClr val="262626"/>
-                </a:solidFill>
-                <a:uFill>
-                  <a:solidFill>
-                    <a:srgbClr val="FFFFFF"/>
-                  </a:solidFill>
-                </a:uFill>
-                <a:latin typeface="Gill Sans MT"/>
-              </a:rPr>
-              <a:t>task.</a:t>
-            </a:r>
-            <a:endParaRPr lang="en-US" sz="1600" b="0" strike="noStrike" spc="-1" dirty="0">
+            <a:endParaRPr lang="en-US" sz="1600" b="0" strike="noStrike" spc="-1">
               <a:solidFill>
                 <a:srgbClr val="262626"/>
               </a:solidFill>

--- a/Presentations/Sprint 2 Review.pptx
+++ b/Presentations/Sprint 2 Review.pptx
@@ -1,6 +1,6 @@
 
 <file path=ppt/presentation.xml><?xml version="1.0" encoding="utf-8"?>
-<p:presentation xmlns:a="http://schemas.openxmlformats.org/drawingml/2006/main" xmlns:r="http://schemas.openxmlformats.org/officeDocument/2006/relationships" xmlns:p="http://schemas.openxmlformats.org/presentationml/2006/main">
+<p:presentation xmlns:a="http://schemas.openxmlformats.org/drawingml/2006/main" xmlns:r="http://schemas.openxmlformats.org/officeDocument/2006/relationships" xmlns:p="http://schemas.openxmlformats.org/presentationml/2006/main" saveSubsetFonts="1">
   <p:sldMasterIdLst>
     <p:sldMasterId id="2147483648" r:id="rId1"/>
     <p:sldMasterId id="2147483661" r:id="rId2"/>
@@ -108,6 +108,11 @@
       </a:defRPr>
     </a:lvl9pPr>
   </p:defaultTextStyle>
+  <p:extLst>
+    <p:ext uri="{EFAFB233-063F-42B5-8137-9DF3F51BA10A}">
+      <p15:sldGuideLst xmlns:p15="http://schemas.microsoft.com/office/powerpoint/2012/main"/>
+    </p:ext>
+  </p:extLst>
 </p:presentation>
 </file>
 
@@ -5854,23 +5859,9 @@
                 </a:uFill>
                 <a:latin typeface="Gill Sans MT"/>
               </a:rPr>
-              <a:t>simpler, to allow ability to finish each task assigned </a:t>
+              <a:t>simpler, to allow ability to finish each task assigned in sprint.</a:t>
             </a:r>
-            <a:r>
-              <a:rPr lang="en-US" sz="1600" spc="-1" smtClean="0">
-                <a:solidFill>
-                  <a:srgbClr val="262626"/>
-                </a:solidFill>
-                <a:uFill>
-                  <a:solidFill>
-                    <a:srgbClr val="FFFFFF"/>
-                  </a:solidFill>
-                </a:uFill>
-                <a:latin typeface="Gill Sans MT"/>
-              </a:rPr>
-              <a:t>in sprint.</a:t>
-            </a:r>
-            <a:endParaRPr lang="en-US" sz="1600" b="0" strike="noStrike" spc="-1">
+            <a:endParaRPr lang="en-US" sz="1600" b="0" strike="noStrike" spc="-1" dirty="0">
               <a:solidFill>
                 <a:srgbClr val="262626"/>
               </a:solidFill>
@@ -5905,8 +5896,47 @@
                 </a:uFill>
                 <a:latin typeface="Gill Sans MT"/>
               </a:rPr>
-              <a:t>Nick:</a:t>
+              <a:t>Nick</a:t>
             </a:r>
+            <a:r>
+              <a:rPr lang="en-US" sz="1600" b="0" strike="noStrike" spc="-1" dirty="0" smtClean="0">
+                <a:solidFill>
+                  <a:srgbClr val="262626"/>
+                </a:solidFill>
+                <a:uFill>
+                  <a:solidFill>
+                    <a:srgbClr val="FFFFFF"/>
+                  </a:solidFill>
+                </a:uFill>
+                <a:latin typeface="Gill Sans MT"/>
+              </a:rPr>
+              <a:t>: Subdivide tasks into smaller tasks so that work demonstrated by sprint reports </a:t>
+            </a:r>
+            <a:r>
+              <a:rPr lang="en-US" sz="1600" b="0" strike="noStrike" spc="-1" smtClean="0">
+                <a:solidFill>
+                  <a:srgbClr val="262626"/>
+                </a:solidFill>
+                <a:uFill>
+                  <a:solidFill>
+                    <a:srgbClr val="FFFFFF"/>
+                  </a:solidFill>
+                </a:uFill>
+                <a:latin typeface="Gill Sans MT"/>
+              </a:rPr>
+              <a:t>properly reflects work done. </a:t>
+            </a:r>
+            <a:endParaRPr lang="en-US" sz="1600" b="0" strike="noStrike" spc="-1" dirty="0">
+              <a:solidFill>
+                <a:srgbClr val="262626"/>
+              </a:solidFill>
+              <a:uFill>
+                <a:solidFill>
+                  <a:srgbClr val="FFFFFF"/>
+                </a:solidFill>
+              </a:uFill>
+              <a:latin typeface="Gill Sans MT"/>
+            </a:endParaRPr>
           </a:p>
           <a:p>
             <a:pPr marL="457200" lvl="1" indent="-228240">

--- a/Presentations/Sprint 2 Review.pptx
+++ b/Presentations/Sprint 2 Review.pptx
@@ -5910,21 +5910,7 @@
                 </a:uFill>
                 <a:latin typeface="Gill Sans MT"/>
               </a:rPr>
-              <a:t>: Subdivide tasks into smaller tasks so that work demonstrated by sprint reports </a:t>
-            </a:r>
-            <a:r>
-              <a:rPr lang="en-US" sz="1600" b="0" strike="noStrike" spc="-1" smtClean="0">
-                <a:solidFill>
-                  <a:srgbClr val="262626"/>
-                </a:solidFill>
-                <a:uFill>
-                  <a:solidFill>
-                    <a:srgbClr val="FFFFFF"/>
-                  </a:solidFill>
-                </a:uFill>
-                <a:latin typeface="Gill Sans MT"/>
-              </a:rPr>
-              <a:t>properly reflects work done. </a:t>
+              <a:t>: Subdivide tasks into smaller tasks so that work demonstrated by sprint reports properly reflects work done. </a:t>
             </a:r>
             <a:endParaRPr lang="en-US" sz="1600" b="0" strike="noStrike" spc="-1" dirty="0">
               <a:solidFill>
@@ -5965,10 +5951,7 @@
             </a:r>
           </a:p>
           <a:p>
-            <a:pPr marL="457200" lvl="1" indent="-228240">
-              <a:lnSpc>
-                <a:spcPct val="100000"/>
-              </a:lnSpc>
+            <a:pPr lvl="1" indent="-228240">
               <a:buClr>
                 <a:srgbClr val="418AB3"/>
               </a:buClr>
@@ -5976,7 +5959,7 @@
               <a:buChar char="•"/>
             </a:pPr>
             <a:r>
-              <a:rPr lang="en-US" sz="1600" b="0" strike="noStrike" spc="-1" dirty="0">
+              <a:rPr lang="en-US" sz="1600" spc="-1" err="1">
                 <a:solidFill>
                   <a:srgbClr val="262626"/>
                 </a:solidFill>
@@ -5987,8 +5970,47 @@
                 </a:uFill>
                 <a:latin typeface="Gill Sans MT"/>
               </a:rPr>
-              <a:t>Forrest:</a:t>
+              <a:t>Forrest</a:t>
             </a:r>
+            <a:r>
+              <a:rPr lang="en-US" sz="1600" spc="-1" smtClean="0">
+                <a:solidFill>
+                  <a:srgbClr val="262626"/>
+                </a:solidFill>
+                <a:uFill>
+                  <a:solidFill>
+                    <a:srgbClr val="FFFFFF"/>
+                  </a:solidFill>
+                </a:uFill>
+                <a:latin typeface="Gill Sans MT"/>
+              </a:rPr>
+              <a:t>: Integrate </a:t>
+            </a:r>
+            <a:r>
+              <a:rPr lang="en-US" sz="1600" spc="-1">
+                <a:solidFill>
+                  <a:srgbClr val="262626"/>
+                </a:solidFill>
+                <a:uFill>
+                  <a:solidFill>
+                    <a:srgbClr val="FFFFFF"/>
+                  </a:solidFill>
+                </a:uFill>
+                <a:latin typeface="Gill Sans MT"/>
+              </a:rPr>
+              <a:t>more tasks that work collaboratively with team members rather than doing tasks that are more independent.</a:t>
+            </a:r>
+            <a:endParaRPr lang="en-US" sz="1600" b="0" strike="noStrike" spc="-1" dirty="0">
+              <a:solidFill>
+                <a:srgbClr val="262626"/>
+              </a:solidFill>
+              <a:uFill>
+                <a:solidFill>
+                  <a:srgbClr val="FFFFFF"/>
+                </a:solidFill>
+              </a:uFill>
+              <a:latin typeface="Gill Sans MT"/>
+            </a:endParaRPr>
           </a:p>
           <a:p>
             <a:pPr marL="457200" lvl="1" indent="-228240">

--- a/Presentations/Sprint 2 Review.pptx
+++ b/Presentations/Sprint 2 Review.pptx
@@ -5831,24 +5831,10 @@
                 </a:uFill>
                 <a:latin typeface="Gill Sans MT"/>
               </a:rPr>
-              <a:t>Ed</a:t>
+              <a:t>Ed: Make tasks </a:t>
             </a:r>
             <a:r>
-              <a:rPr lang="en-US" sz="1600" b="0" strike="noStrike" spc="-1" dirty="0" smtClean="0">
-                <a:solidFill>
-                  <a:srgbClr val="262626"/>
-                </a:solidFill>
-                <a:uFill>
-                  <a:solidFill>
-                    <a:srgbClr val="FFFFFF"/>
-                  </a:solidFill>
-                </a:uFill>
-                <a:latin typeface="Gill Sans MT"/>
-              </a:rPr>
-              <a:t>: Make tasks </a:t>
-            </a:r>
-            <a:r>
-              <a:rPr lang="en-US" sz="1600" spc="-1" dirty="0" smtClean="0">
+              <a:rPr lang="en-US" sz="1600" spc="-1" dirty="0">
                 <a:solidFill>
                   <a:srgbClr val="262626"/>
                 </a:solidFill>
@@ -5896,33 +5882,8 @@
                 </a:uFill>
                 <a:latin typeface="Gill Sans MT"/>
               </a:rPr>
-              <a:t>Nick</a:t>
+              <a:t>Nick: Subdivide tasks into smaller tasks so that work demonstrated by sprint reports properly reflects work done. </a:t>
             </a:r>
-            <a:r>
-              <a:rPr lang="en-US" sz="1600" b="0" strike="noStrike" spc="-1" dirty="0" smtClean="0">
-                <a:solidFill>
-                  <a:srgbClr val="262626"/>
-                </a:solidFill>
-                <a:uFill>
-                  <a:solidFill>
-                    <a:srgbClr val="FFFFFF"/>
-                  </a:solidFill>
-                </a:uFill>
-                <a:latin typeface="Gill Sans MT"/>
-              </a:rPr>
-              <a:t>: Subdivide tasks into smaller tasks so that work demonstrated by sprint reports properly reflects work done. </a:t>
-            </a:r>
-            <a:endParaRPr lang="en-US" sz="1600" b="0" strike="noStrike" spc="-1" dirty="0">
-              <a:solidFill>
-                <a:srgbClr val="262626"/>
-              </a:solidFill>
-              <a:uFill>
-                <a:solidFill>
-                  <a:srgbClr val="FFFFFF"/>
-                </a:solidFill>
-              </a:uFill>
-              <a:latin typeface="Gill Sans MT"/>
-            </a:endParaRPr>
           </a:p>
           <a:p>
             <a:pPr marL="457200" lvl="1" indent="-228240">
@@ -5959,7 +5920,7 @@
               <a:buChar char="•"/>
             </a:pPr>
             <a:r>
-              <a:rPr lang="en-US" sz="1600" spc="-1" err="1">
+              <a:rPr lang="en-US" sz="1600" spc="-1" dirty="0">
                 <a:solidFill>
                   <a:srgbClr val="262626"/>
                 </a:solidFill>
@@ -5970,35 +5931,7 @@
                 </a:uFill>
                 <a:latin typeface="Gill Sans MT"/>
               </a:rPr>
-              <a:t>Forrest</a:t>
-            </a:r>
-            <a:r>
-              <a:rPr lang="en-US" sz="1600" spc="-1" smtClean="0">
-                <a:solidFill>
-                  <a:srgbClr val="262626"/>
-                </a:solidFill>
-                <a:uFill>
-                  <a:solidFill>
-                    <a:srgbClr val="FFFFFF"/>
-                  </a:solidFill>
-                </a:uFill>
-                <a:latin typeface="Gill Sans MT"/>
-              </a:rPr>
-              <a:t>: Integrate </a:t>
-            </a:r>
-            <a:r>
-              <a:rPr lang="en-US" sz="1600" spc="-1">
-                <a:solidFill>
-                  <a:srgbClr val="262626"/>
-                </a:solidFill>
-                <a:uFill>
-                  <a:solidFill>
-                    <a:srgbClr val="FFFFFF"/>
-                  </a:solidFill>
-                </a:uFill>
-                <a:latin typeface="Gill Sans MT"/>
-              </a:rPr>
-              <a:t>more tasks that work collaboratively with team members rather than doing tasks that are more independent.</a:t>
+              <a:t>Forrest: Integrate more tasks that work collaboratively with team members rather than doing tasks that are more independent.</a:t>
             </a:r>
             <a:endParaRPr lang="en-US" sz="1600" b="0" strike="noStrike" spc="-1" dirty="0">
               <a:solidFill>
@@ -6035,8 +5968,33 @@
                 </a:uFill>
                 <a:latin typeface="Gill Sans MT"/>
               </a:rPr>
-              <a:t>Zack:</a:t>
+              <a:t>Zack: Less emphasis on merging existing code together, and more on building </a:t>
             </a:r>
+            <a:r>
+              <a:rPr lang="en-US" sz="1600" b="0" strike="noStrike" spc="-1">
+                <a:solidFill>
+                  <a:srgbClr val="262626"/>
+                </a:solidFill>
+                <a:uFill>
+                  <a:solidFill>
+                    <a:srgbClr val="FFFFFF"/>
+                  </a:solidFill>
+                </a:uFill>
+                <a:latin typeface="Gill Sans MT"/>
+              </a:rPr>
+              <a:t>from simple base.</a:t>
+            </a:r>
+            <a:endParaRPr lang="en-US" sz="1600" b="0" strike="noStrike" spc="-1" dirty="0">
+              <a:solidFill>
+                <a:srgbClr val="262626"/>
+              </a:solidFill>
+              <a:uFill>
+                <a:solidFill>
+                  <a:srgbClr val="FFFFFF"/>
+                </a:solidFill>
+              </a:uFill>
+              <a:latin typeface="Gill Sans MT"/>
+            </a:endParaRPr>
           </a:p>
         </p:txBody>
       </p:sp>

--- a/Presentations/Sprint 2 Review.pptx
+++ b/Presentations/Sprint 2 Review.pptx
@@ -5684,8 +5684,8 @@
         </p:nvSpPr>
         <p:spPr>
           <a:xfrm>
-            <a:off x="2231280" y="2638080"/>
-            <a:ext cx="7729200" cy="3719520"/>
+            <a:off x="1414463" y="1943101"/>
+            <a:ext cx="9815512" cy="4672012"/>
           </a:xfrm>
           <a:prstGeom prst="rect">
             <a:avLst/>
@@ -5779,8 +5779,45 @@
                 </a:uFill>
                 <a:latin typeface="Gill Sans MT"/>
               </a:rPr>
-              <a:t>Individually:</a:t>
+              <a:t>Individually</a:t>
             </a:r>
+            <a:r>
+              <a:rPr lang="en-US" sz="1800" b="0" strike="noStrike" spc="-1" dirty="0" smtClean="0">
+                <a:solidFill>
+                  <a:srgbClr val="262626"/>
+                </a:solidFill>
+                <a:uFill>
+                  <a:solidFill>
+                    <a:srgbClr val="FFFFFF"/>
+                  </a:solidFill>
+                </a:uFill>
+                <a:latin typeface="Gill Sans MT"/>
+              </a:rPr>
+              <a:t>:</a:t>
+            </a:r>
+          </a:p>
+          <a:p>
+            <a:pPr marL="228600" indent="-228240">
+              <a:lnSpc>
+                <a:spcPct val="100000"/>
+              </a:lnSpc>
+              <a:buClr>
+                <a:srgbClr val="418AB3"/>
+              </a:buClr>
+              <a:buFont typeface="Arial"/>
+              <a:buChar char="•"/>
+            </a:pPr>
+            <a:endParaRPr lang="en-US" sz="1800" b="0" strike="noStrike" spc="-1" dirty="0">
+              <a:solidFill>
+                <a:srgbClr val="262626"/>
+              </a:solidFill>
+              <a:uFill>
+                <a:solidFill>
+                  <a:srgbClr val="FFFFFF"/>
+                </a:solidFill>
+              </a:uFill>
+              <a:latin typeface="Gill Sans MT"/>
+            </a:endParaRPr>
           </a:p>
           <a:p>
             <a:pPr marL="457200" lvl="1" indent="-228240">
@@ -5805,8 +5842,45 @@
                 </a:uFill>
                 <a:latin typeface="Gill Sans MT"/>
               </a:rPr>
-              <a:t>Sherman: Update team/management early and regularly when hitting blocks.</a:t>
+              <a:t>Sherman: Update team/management early and regularly when hitting blocks</a:t>
             </a:r>
+            <a:r>
+              <a:rPr lang="en-US" sz="1600" b="0" strike="noStrike" spc="-1" dirty="0" smtClean="0">
+                <a:solidFill>
+                  <a:srgbClr val="262626"/>
+                </a:solidFill>
+                <a:uFill>
+                  <a:solidFill>
+                    <a:srgbClr val="FFFFFF"/>
+                  </a:solidFill>
+                </a:uFill>
+                <a:latin typeface="Gill Sans MT"/>
+              </a:rPr>
+              <a:t>.</a:t>
+            </a:r>
+          </a:p>
+          <a:p>
+            <a:pPr marL="457200" lvl="1" indent="-228240">
+              <a:lnSpc>
+                <a:spcPct val="100000"/>
+              </a:lnSpc>
+              <a:buClr>
+                <a:srgbClr val="418AB3"/>
+              </a:buClr>
+              <a:buFont typeface="Arial"/>
+              <a:buChar char="•"/>
+            </a:pPr>
+            <a:endParaRPr lang="en-US" sz="1600" b="0" strike="noStrike" spc="-1" dirty="0">
+              <a:solidFill>
+                <a:srgbClr val="262626"/>
+              </a:solidFill>
+              <a:uFill>
+                <a:solidFill>
+                  <a:srgbClr val="FFFFFF"/>
+                </a:solidFill>
+              </a:uFill>
+              <a:latin typeface="Gill Sans MT"/>
+            </a:endParaRPr>
           </a:p>
           <a:p>
             <a:pPr marL="457200" lvl="1" indent="-228240">
@@ -5845,8 +5919,34 @@
                 </a:uFill>
                 <a:latin typeface="Gill Sans MT"/>
               </a:rPr>
-              <a:t>simpler, to allow ability to finish each task assigned in sprint.</a:t>
+              <a:t>simpler, to allow ability to finish each task assigned in sprint</a:t>
             </a:r>
+            <a:r>
+              <a:rPr lang="en-US" sz="1600" spc="-1" dirty="0" smtClean="0">
+                <a:solidFill>
+                  <a:srgbClr val="262626"/>
+                </a:solidFill>
+                <a:uFill>
+                  <a:solidFill>
+                    <a:srgbClr val="FFFFFF"/>
+                  </a:solidFill>
+                </a:uFill>
+                <a:latin typeface="Gill Sans MT"/>
+              </a:rPr>
+              <a:t>.</a:t>
+            </a:r>
+          </a:p>
+          <a:p>
+            <a:pPr marL="457200" lvl="1" indent="-228240">
+              <a:lnSpc>
+                <a:spcPct val="100000"/>
+              </a:lnSpc>
+              <a:buClr>
+                <a:srgbClr val="418AB3"/>
+              </a:buClr>
+              <a:buFont typeface="Arial"/>
+              <a:buChar char="•"/>
+            </a:pPr>
             <a:endParaRPr lang="en-US" sz="1600" b="0" strike="noStrike" spc="-1" dirty="0">
               <a:solidFill>
                 <a:srgbClr val="262626"/>
@@ -5884,6 +5984,40 @@
               </a:rPr>
               <a:t>Nick: Subdivide tasks into smaller tasks so that work demonstrated by sprint reports properly reflects work done. </a:t>
             </a:r>
+            <a:endParaRPr lang="en-US" sz="1600" b="0" strike="noStrike" spc="-1" dirty="0" smtClean="0">
+              <a:solidFill>
+                <a:srgbClr val="262626"/>
+              </a:solidFill>
+              <a:uFill>
+                <a:solidFill>
+                  <a:srgbClr val="FFFFFF"/>
+                </a:solidFill>
+              </a:uFill>
+              <a:latin typeface="Gill Sans MT"/>
+            </a:endParaRPr>
+          </a:p>
+          <a:p>
+            <a:pPr marL="457200" lvl="1" indent="-228240">
+              <a:lnSpc>
+                <a:spcPct val="100000"/>
+              </a:lnSpc>
+              <a:buClr>
+                <a:srgbClr val="418AB3"/>
+              </a:buClr>
+              <a:buFont typeface="Arial"/>
+              <a:buChar char="•"/>
+            </a:pPr>
+            <a:endParaRPr lang="en-US" sz="1600" b="0" strike="noStrike" spc="-1" dirty="0">
+              <a:solidFill>
+                <a:srgbClr val="262626"/>
+              </a:solidFill>
+              <a:uFill>
+                <a:solidFill>
+                  <a:srgbClr val="FFFFFF"/>
+                </a:solidFill>
+              </a:uFill>
+              <a:latin typeface="Gill Sans MT"/>
+            </a:endParaRPr>
           </a:p>
           <a:p>
             <a:pPr marL="457200" lvl="1" indent="-228240">
@@ -5908,8 +6042,45 @@
                 </a:uFill>
                 <a:latin typeface="Gill Sans MT"/>
               </a:rPr>
-              <a:t>Christian: Plan ahead more clearly to minimize changing issues mid-sprint, dropping work.</a:t>
+              <a:t>Christian: Plan ahead more clearly to minimize changing issues mid-sprint, dropping work</a:t>
             </a:r>
+            <a:r>
+              <a:rPr lang="en-US" sz="1600" b="0" strike="noStrike" spc="-1" dirty="0" smtClean="0">
+                <a:solidFill>
+                  <a:srgbClr val="262626"/>
+                </a:solidFill>
+                <a:uFill>
+                  <a:solidFill>
+                    <a:srgbClr val="FFFFFF"/>
+                  </a:solidFill>
+                </a:uFill>
+                <a:latin typeface="Gill Sans MT"/>
+              </a:rPr>
+              <a:t>.</a:t>
+            </a:r>
+          </a:p>
+          <a:p>
+            <a:pPr marL="457200" lvl="1" indent="-228240">
+              <a:lnSpc>
+                <a:spcPct val="100000"/>
+              </a:lnSpc>
+              <a:buClr>
+                <a:srgbClr val="418AB3"/>
+              </a:buClr>
+              <a:buFont typeface="Arial"/>
+              <a:buChar char="•"/>
+            </a:pPr>
+            <a:endParaRPr lang="en-US" sz="1600" b="0" strike="noStrike" spc="-1" dirty="0">
+              <a:solidFill>
+                <a:srgbClr val="262626"/>
+              </a:solidFill>
+              <a:uFill>
+                <a:solidFill>
+                  <a:srgbClr val="FFFFFF"/>
+                </a:solidFill>
+              </a:uFill>
+              <a:latin typeface="Gill Sans MT"/>
+            </a:endParaRPr>
           </a:p>
           <a:p>
             <a:pPr lvl="1" indent="-228240">
@@ -5931,8 +6102,31 @@
                 </a:uFill>
                 <a:latin typeface="Gill Sans MT"/>
               </a:rPr>
-              <a:t>Forrest: Integrate more tasks that work collaboratively with team members rather than doing tasks that are more independent.</a:t>
+              <a:t>Forrest: Integrate more tasks that work collaboratively with team members rather than doing tasks that are more independent</a:t>
             </a:r>
+            <a:r>
+              <a:rPr lang="en-US" sz="1600" spc="-1" dirty="0" smtClean="0">
+                <a:solidFill>
+                  <a:srgbClr val="262626"/>
+                </a:solidFill>
+                <a:uFill>
+                  <a:solidFill>
+                    <a:srgbClr val="FFFFFF"/>
+                  </a:solidFill>
+                </a:uFill>
+                <a:latin typeface="Gill Sans MT"/>
+              </a:rPr>
+              <a:t>.</a:t>
+            </a:r>
+          </a:p>
+          <a:p>
+            <a:pPr lvl="1" indent="-228240">
+              <a:buClr>
+                <a:srgbClr val="418AB3"/>
+              </a:buClr>
+              <a:buFont typeface="Arial"/>
+              <a:buChar char="•"/>
+            </a:pPr>
             <a:endParaRPr lang="en-US" sz="1600" b="0" strike="noStrike" spc="-1" dirty="0">
               <a:solidFill>
                 <a:srgbClr val="262626"/>
@@ -5968,33 +6162,8 @@
                 </a:uFill>
                 <a:latin typeface="Gill Sans MT"/>
               </a:rPr>
-              <a:t>Zack: Less emphasis on merging existing code together, and more on building </a:t>
+              <a:t>Zack: Less emphasis on merging existing code together, and more on building from simple base.</a:t>
             </a:r>
-            <a:r>
-              <a:rPr lang="en-US" sz="1600" b="0" strike="noStrike" spc="-1">
-                <a:solidFill>
-                  <a:srgbClr val="262626"/>
-                </a:solidFill>
-                <a:uFill>
-                  <a:solidFill>
-                    <a:srgbClr val="FFFFFF"/>
-                  </a:solidFill>
-                </a:uFill>
-                <a:latin typeface="Gill Sans MT"/>
-              </a:rPr>
-              <a:t>from simple base.</a:t>
-            </a:r>
-            <a:endParaRPr lang="en-US" sz="1600" b="0" strike="noStrike" spc="-1" dirty="0">
-              <a:solidFill>
-                <a:srgbClr val="262626"/>
-              </a:solidFill>
-              <a:uFill>
-                <a:solidFill>
-                  <a:srgbClr val="FFFFFF"/>
-                </a:solidFill>
-              </a:uFill>
-              <a:latin typeface="Gill Sans MT"/>
-            </a:endParaRPr>
           </a:p>
         </p:txBody>
       </p:sp>
